--- a/day 8/SAC_Training Day 8.pptx
+++ b/day 8/SAC_Training Day 8.pptx
@@ -205,7 +205,7 @@
   <inkml:trace contextRef="#ctx0" brushRef="#br0" timeOffset="4105.926">1323 13370 0,'0'0'0,"-35"18"15,17-18 1,18 18 15,18-18-15,-1 0-1,-17 17-15,36 1 32,140-1-1,124 1 0,-53 0 16,-194-18-47,70 17 0,18-17 16,177 18 15,-160 0-31,89-1 31,0 19-15,-70-36-1,70 0 1,-18 17 0,0-17-1,-88 18 1,71-1-1,17-17 1,54 36 15,-142-36-31,53 17 16,-71-17 0,89 0-1,17 18 1,18-18 15,18 18-15,-107-18-1,72 17 1,17-17 0,-71 0-1,106 0 1,1 0-1,69 0 17,-281 0-32,246 0 15,-158 0 1,70 18 0,-17-18-1,0 18 16,-89-18-31,54 0 32,34 0-17,-52 0 1,88 17 0,0-17-1,-35 18 1,-18-18-1,0 0 1,-53 18 0,53-18-1,17 17 1,-87-17 0,35 0-1,-1 0 1,1-17 15,-35 17-15,-54 0-1,-34-18 1,16 18 0,-16 0-1,-1 0 1,-17 0-1,-18-18 1,-18 1 0</inkml:trace>
   <inkml:trace contextRef="#ctx0" brushRef="#br0" timeOffset="4436.049">12312 13441 0,'18'35'31,"-1"-35"-31,18 18 16,54 17-1,69 71 17,-122-89-32,-1 19 0,18 34 15,-35 19 1,-89-19 0,-88 1 15,106-54-31</inkml:trace>
   <inkml:trace contextRef="#ctx0" brushRef="#br0" timeOffset="4934.771">11007 14376 0,'0'-18'31,"0"36"-31,0-1 16,0 1-16,0 0 16,17 87-1,-17-69-15,18 17 16,-18 88 0,0-71 15</inkml:trace>
-  <inkml:trace contextRef="#ctx0" brushRef="#br0" timeOffset="5152.9979">11024 14676 0,'0'0'16,"0"-18"-16,-35 0 16,17 18-1,1 0 1,17 18-1,17-18 1,-17 18 15,18-1-15</inkml:trace>
+  <inkml:trace contextRef="#ctx0" brushRef="#br0" timeOffset="5152.9978">11024 14676 0,'0'0'16,"0"-18"-16,-35 0 16,17 18-1,1 0 1,17 18-1,17-18 1,-17 18 15,18-1-15</inkml:trace>
   <inkml:trace contextRef="#ctx0" brushRef="#br0" timeOffset="5818.098">10989 14411 0,'0'-35'16,"18"-1"-1,-18 19-15,0-1 16,17 18 0,54-18-1,-36 18-15,53 0 16,124 36 15,-106-36-15,-53 17-1</inkml:trace>
   <inkml:trace contextRef="#ctx0" brushRef="#br0" timeOffset="6018.096">11042 14517 0,'0'0'0,"-35"35"16,35-17-1,17-18 1,71 35 0,-52-35-16,52 0 15,53 0 1,-106 0-16</inkml:trace>
   <inkml:trace contextRef="#ctx0" brushRef="#br0" timeOffset="6268.45">11659 14446 0,'0'0'0,"0"18"16,0 0-1,0-1-15,18 54 16,-18 17 15,0-53-31,0 36 16,0-1-1,0-34 1</inkml:trace>
@@ -216,13 +216,13 @@
   <inkml:trace contextRef="#ctx0" brushRef="#br0" timeOffset="9321.997">1323 7479 0,'0'35'0,"-18"36"16,36-177-16,-53 265 0,17-106 0,0-1 0,18 19 0,-17-18 16,17 17-16,-18 1 0,18 0 0,0-1 15,-18 1-15,18 17 0,0 0 0,-17 0 16,17 0-16,0 1 0,0-1 0,0 0 15,0 0-15,0 371 32,-53 194-1,0-424 0,18-264 0</inkml:trace>
   <inkml:trace contextRef="#ctx0" brushRef="#br0" timeOffset="9804.339">1111 7902 0,'-35'0'16,"70"0"-16,-88 0 0,36-17 16,-19 17 15,54-18-15,-18 0-16,18 1 15,35-54 1,17 1-1,18-19 1,1 19 0,-72 70-1,18 35 1,1 71 0,34 35-1,-34-88-15</inkml:trace>
   <inkml:trace contextRef="#ctx0" brushRef="#br0" timeOffset="10456.142">406 6138 0,'-53'0'15,"17"0"1,19 0-16,34 0 16,1 0-16,17 0 15,1-17-15,-1 17 0,18-18 0,17 18 16,1-18-16,-18 1 0,35-1 0,335-70 31,-387 70-15</inkml:trace>
-  <inkml:trace contextRef="#ctx0" brushRef="#br0" timeOffset="10671.3049">635 6121 0,'0'0'0,"18"17"0,17-17 16,35 141 15,-52-70-31,-18 88 16,0 35 15,18-124-31,17 19 31,-17-72-31</inkml:trace>
+  <inkml:trace contextRef="#ctx0" brushRef="#br0" timeOffset="10671.3048">635 6121 0,'0'0'0,"18"17"0,17-17 16,35 141 15,-52-70-31,-18 88 16,0 35 15,18-124-31,17 19 31,-17-72-31</inkml:trace>
   <inkml:trace contextRef="#ctx0" brushRef="#br0" timeOffset="11137.828">1164 6279 0,'0'0'0,"-35"0"31,17 18-31,18 0 0,18 88 32,0-54-32,-1 19 0,1 17 15,17 53 17,-35-123-17,18-71 16,-18-53-15,0 71-16,-18-141 16,0 17-1,36-53 1,53 142 0,-18 87-1,-18 36 1,-18 35-1,-17 53 1,-52-52 15,-19-36-15,53-53-16</inkml:trace>
   <inkml:trace contextRef="#ctx0" brushRef="#br0" timeOffset="11740.34">1587 6103 0,'0'0'0,"0"-18"16,-17 18-1,17 18 1,0 0-16,0 35 15,17 52 1,1 37 0,-18-72-1,18 18 17,-18-52-17,0-54 1,0-35-1,0-88 1,0-71 0,0-52-1,35 70 1,53 88 0,-35 88-1,53 53 1,-18 71-1,-88-35 1,-88 70 0,-71-18-1,-17-34 1,88-54 15,211 0 0,1 18-15,70 106 0,-106-36-16</inkml:trace>
   <inkml:trace contextRef="#ctx0" brushRef="#br0" timeOffset="16257.808">1764 13476 0,'18'0'78,"-18"-18"16,0 1-78,17 17-16,-17-18 15,35-17 1,-17 17 0,-18 1-1,18-1-15,-18-17 16,17 17 0,1-35-1,-18 18 1,35-36-1,1 18 1,16 0 0,-34 18-1,17-18 1,1 0 15,-1-17-15,0 17-1,0 0 1,18-35 0,0 17-1,-17-17 1,17 0 0,-18 0-1,18 17 1,0-17-1,17-18 1,-17 36 0,0-1-1,-18 0 17,18 1-17,-18 17 1,54-35-1,17 0 1,-1-1 0,36-34-1,-70 70 1,-18 0 0,35-53-1,0 18 1,36-35-1,-1 34 1,-52 36 0,35-35-1,-1 18 1,-52 34 15,36-52-15,34 0-1,1 0 1,17-18 0,-53 53-1,18-35 1,-18 0 0,18-1-1,-36 19 1,54-36-1,34 0 1,-34 18 15,-18 18-15,-36 34-16,54-34 31,17-1-15,71-35-1,-107 53 1,1 18 0,18-35-1,17 17 1,-53 0 0,71-18-1,17 1 1,1-19-1,-19 19 1,-17-1 15,-52 18-15,105-52 0,-106 69-1,53-34 1,-18 17-1,-34 18 1,34-1 0,1 1-1,17-18 1,-35 18 0,52-1-1,19-16 1,-36 16-1,-53 1 1,35 0 0,19-18-1,34 18 17,-53-1-17,89 1 1,-106 0-1,-36 17 1,36-17 0,-18 17-1,177-35 1,-141 36 0,17-19-1,-53 1 1,-53 35-1,36-18 1,17 1 15,71-1-15,-124 0 0,35 18-1,-34 0 1,-19 0-1,19 0 1,17 0 0,-36 0-1</inkml:trace>
   <inkml:trace contextRef="#ctx0" brushRef="#br1" timeOffset="31331.907">1834 13317 0,'0'18'31,"-17"0"-31,17-1 31,-18-17-31,18 18 16,-17 0-1,-1-18 1,18 17 0,-18 1 15,1-1 0,34-17 110,1 0-79,-18-17-46,18 17-1,-18-18 1,17 1 0,1-1-16,-1 18 15,-17-18-15,36-17 16,-1-18 15,18-17-15,0-1-1,-18 36 1,18-18 0,0-18-1,17 1 1,-17 17 0,18 0-1,-18-18 1,17 18-1,-17 0 1,0 1 0,35-1-1,1-18 1,16 18 0,-52 0-1,53 0 16,35-35-15,-52 35 0,34-35-1,-17 17 1,-36 19 0,54-1-1,-1-18 1,-34 36-1,34-36 1,0 1 0,-17-1-1,18 18 1,-36 18 0,35-36 15,36-17-16,-71 35 1,54-17 0,-54 17-1,88-35 1,-88 35 0,53-18-1,-52 18 1,52-35-1,35 17 1,18 1 0,-70 17-1,70-18 1,-18 1 0,18-18 15,-18 17-16,1 1 1,-71 17 0,141-36-1,-71 1 1,-105 71 0,123-72-1,-18 19 1,71-36 15,-194 71-31,141-36 16,0-17-1,18 17 1,-18 19 15,-18-1-15,-70 35-1,53-35 1,17 18 0,18-1-1,0 1 1,18-18 0,-18 18 15,-18-18-16,-123 35-15,123-17 16,36-18 0,17 18-1,-35 0 17,-70 17-32,35-17 31,70-18-16,-70 35 1,88 1 0,-71 17-1,141-36 1,-122 19 0,-90 17-1,19-18 1,-18 0 15,-53 1-31,52 17 16,1 0-1,-18 0 17,-52 0-17,-1 0 1,-53 0-1,-35 0-15</inkml:trace>
-  <inkml:trace contextRef="#ctx0" brushRef="#br2" timeOffset="40498.7629">1817 13406 0,'17'0'16,"1"-18"77,-18 0-61,0 1-17,18-19 1,-1-52 15,1-18 16,-18 89-47,18-72 31,-18 37-15,0-1 0,17 0-1,-17 0 1,0 18-1,0-36 1,18 18 0,0-17-1,-1-36 17,1 88-32,-1-88 31,1 53-31,17-17 15,-17 17 1,17-35 15,-17 35-15,17-18 0,0-17-1,1 17 1,-19 54-1,19-71 1,-19 35 0,54-53-1,-36 35 1,36-35 0,-1 1-1,1-19 1,-36 54-1,36-72 1,-18 19 0,-1 52-1,19-17 17,17-18-17,18 18 1,-18 0-1,-35 35 1,0-17 0,18-1-1,34-35 1,-52 18 0,18 17-1,35-70 1,-36 18-1,1 35 1,-18 17 15,-18 18-15,36-35 0,17 17-1,-18-17 1,1 18-1,0-1 1,-19 18 0,54-17-1,-18-19 1,-17 54 0,17-53-1,18 0 1,0 0-1,-36 35 1,36-36 0,0 19 15,0-1-15,17 1-1,1-1 1,-36 18-1,71-17 1,-53 17 0,-18 18-1,18-36 1,17 18 0,-17-17-1,35-1 16,-35 18-31,53-35 16,-18 17 0,-35 18 15,-53 18-15,105-35-1,19-1 1,17 18-1,-53 0 1,-18 18 0,18 0-1,-35-18 1,18 0 0,-36 35-1,71-35 1,-1 0-1,-16 18 1,-54 17 0,53-17 15,18 0-15,-1 0-1,1-1 1,-18 1-1,-35 17 1,123-17 0,54-18-1,-72 18 1,124-18 0,-211 35-1,52-17 1,18 17-1,-17 1 1,122-18 0,-210 35-1</inkml:trace>
-  <inkml:trace contextRef="#ctx0" brushRef="#br2" timeOffset="44050.6239">11553 5821 0,'0'-18'16,"0"1"-1,0-1-15,0 0 16,0 36 31,0 0-47,0-1 0,-35 107 31,-18 34 0,18-105 16,141-123-31,-18 17 15,-53 35-31,71-17 16,-53 17-1,-18 18-15</inkml:trace>
+  <inkml:trace contextRef="#ctx0" brushRef="#br2" timeOffset="40498.7628">1817 13406 0,'17'0'16,"1"-18"77,-18 0-61,0 1-17,18-19 1,-1-52 15,1-18 16,-18 89-47,18-72 31,-18 37-15,0-1 0,17 0-1,-17 0 1,0 18-1,0-36 1,18 18 0,0-17-1,-1-36 17,1 88-32,-1-88 31,1 53-31,17-17 15,-17 17 1,17-35 15,-17 35-15,17-18 0,0-17-1,1 17 1,-19 54-1,19-71 1,-19 35 0,54-53-1,-36 35 1,36-35 0,-1 1-1,1-19 1,-36 54-1,36-72 1,-18 19 0,-1 52-1,19-17 17,17-18-17,18 18 1,-18 0-1,-35 35 1,0-17 0,18-1-1,34-35 1,-52 18 0,18 17-1,35-70 1,-36 18-1,1 35 1,-18 17 15,-18 18-15,36-35 0,17 17-1,-18-17 1,1 18-1,0-1 1,-19 18 0,54-17-1,-18-19 1,-17 54 0,17-53-1,18 0 1,0 0-1,-36 35 1,36-36 0,0 19 15,0-1-15,17 1-1,1-1 1,-36 18-1,71-17 1,-53 17 0,-18 18-1,18-36 1,17 18 0,-17-17-1,35-1 16,-35 18-31,53-35 16,-18 17 0,-35 18 15,-53 18-15,105-35-1,19-1 1,17 18-1,-53 0 1,-18 18 0,18 0-1,-35-18 1,18 0 0,-36 35-1,71-35 1,-1 0-1,-16 18 1,-54 17 0,53-17 15,18 0-15,-1 0-1,1-1 1,-18 1-1,-35 17 1,123-17 0,54-18-1,-72 18 1,124-18 0,-211 35-1,52-17 1,18 17-1,-17 1 1,122-18 0,-210 35-1</inkml:trace>
+  <inkml:trace contextRef="#ctx0" brushRef="#br2" timeOffset="44050.6238">11553 5821 0,'0'-18'16,"0"1"-1,0-1-15,0 0 16,0 36 31,0 0-47,0-1 0,-35 107 31,-18 34 0,18-105 16,141-123-31,-18 17 15,-53 35-31,71-17 16,-53 17-1,-18 18-15</inkml:trace>
   <inkml:trace contextRef="#ctx0" brushRef="#br2" timeOffset="44251.259">11642 5962 0,'0'0'0,"-36"-35"15,36 17-15,18-17 16,35-1-1,53-16 1,17 16 15,-87 19-31,-1 17 0</inkml:trace>
   <inkml:trace contextRef="#ctx0" brushRef="#br2" timeOffset="44951.838">12136 5556 0,'0'0'0,"-18"-17"16,18 34 15,18 1-15,-18 17-1,17-17-15,1 17 16,-1 18 0,-17 0-1,0-18 1,0-17 0,0-53 15,18-36-16,0-35 1,17 18 0,-17 35-1,-1 35-15,19 18 16,16 18 0,-16 35-1,-19 0 1,1 0-1,-18 0 17,-18-36-17,18-34 1,0-36 0,18 18-1,35-36 1,0 0-1,0 54 1,35 17 0,-35 53-1,-18 0 1,-35 0 0,0-18-1,-35 0 1,35-17-1</inkml:trace>
   <inkml:trace contextRef="#ctx0" brushRef="#br2" timeOffset="45186.557">12947 5362 0,'0'0'0,"0"-35"0,18 17 16,-18 1-1,17 17 1,-17 53 0,18 35-1,-1 18 1,-17-53 0,18 35-1,-53 0 1</inkml:trace>
@@ -263,7 +263,7 @@
   <inkml:trace contextRef="#ctx0" brushRef="#br3" timeOffset="163145.9239">18309 6879 0,'-17'-35'16,"-1"35"0,36 0-1,-18 18 1,17 17 0,1 0-1,-18-17-15,0 17 16,17 18-1,-17-35 17,0-54-17,18-17 1,17-17 0,1 35 15,-19 17-31,1 0 15,35 36 1,0 35 0,0 0-1,-36 0 1,1-36-16</inkml:trace>
   <inkml:trace contextRef="#ctx0" brushRef="#br3" timeOffset="164182.048">19138 6703 0,'0'0'0,"-17"0"0,17-36 16,0 19 0,0-1-1,17 18 16,-17 18-31,53 52 32,-53-52-17,53 106 1,-35-89 15,-36-35 0,0-35-15,1-54 0,17-34-1,0 52 1,17 36-16,19 0 16,34 52-1,-35 19 1,36 52-1,-53-35 1,17 0 0,-35-36-1,0-52 32,0-18-31,18-17-1,17-1 1,0 53 0,18 71-1,-35-35-15,-1 35 16,1 0 0,0 0-1,-18-36-15</inkml:trace>
   <inkml:trace contextRef="#ctx0" brushRef="#br3" timeOffset="164530.43">19756 6509 0,'0'-18'15,"0"36"-15,0-54 0,0 1 16,0 0-1,35 17 1,35-17 0,19 35-1,-37 53 1,-52 35 0,-52 0-1,16-52 1,19-1-1,34-18 1,54-17 15,52-17-15,-17-1-16,-71 1 16</inkml:trace>
-  <inkml:trace contextRef="#ctx0" brushRef="#br3" timeOffset="165296.3519">20620 6297 0,'-18'0'16,"36"0"-16,-36-18 0,18 1 16,18 17 15,-18 17-15,17 1-16,1 17 15,17 18 1,1 35-1,-1 18 1,-35-88 0,0 0-1,0-36 1,-18-17 0,1-36-1,17-52 1,17 34-1,1-16 1,0 87 0,17 36-1,0 70 17,0-35-17,18 17 1,-35-34-1,0-36 1,-36-18 15,18-17-15,0-36 0,35-17-1,1 35 1,-19 35-16,18 18 15,18 18 1,-17 53 15,-1-1-15,18 1 0,-18-18-1,-17-36-15</inkml:trace>
+  <inkml:trace contextRef="#ctx0" brushRef="#br3" timeOffset="165296.3518">20620 6297 0,'-18'0'16,"36"0"-16,-36-18 0,18 1 16,18 17 15,-18 17-15,17 1-16,1 17 15,17 18 1,1 35-1,-1 18 1,-35-88 0,0 0-1,0-36 1,-18-17 0,1-36-1,17-52 1,17 34-1,1-16 1,0 87 0,17 36-1,0 70 17,0-35-17,18 17 1,-35-34-1,0-36 1,-36-18 15,18-17-15,0-36 0,35-17-1,1 35 1,-19 35-16,18 18 15,18 18 1,-17 53 15,-1-1-15,18 1 0,-18-18-1,-17-36-15</inkml:trace>
   <inkml:trace contextRef="#ctx0" brushRef="#br3" timeOffset="165832.962">21255 6085 0,'0'0'0,"-18"-17"0,18-1 0,18-52 31,17 52-15,53 0-1,18 18 1,-18 36 0,-17 16-1,-89 19 1,-17-36 0,-53 1-1,17-1 1,54-35-1,17 18 1,35-18 0,71 0-1,-18 0 1,0 35 15,-53 0-15,-88 18-1,-52-18-15</inkml:trace>
   <inkml:trace contextRef="#ctx0" brushRef="#br3" timeOffset="166180.0829">20443 6667 0,'0'0'0,"18"-35"31,-18 53-15,0 17 0,0 0-16,-18 54 15,18-36-15</inkml:trace>
   <inkml:trace contextRef="#ctx0" brushRef="#br3" timeOffset="168899.817">13070 10548 0,'-17'-18'0,"34"36"0,-34-53 0,-1 17 31,18-17-31,-18 35 0,18 17 32,18 1-32,-18 0 0,35 70 31,-35-53-31,36 177 31,-19-53 0,-17-195 1,-17-122-1,-1 105-31,-17-230 31,17 160-31,18-36 16,71 89 15,-1 70-15,54 70-1,17 54 1,0 52-1,-106-88 1,18 18 0,-35-53-1,-18 0 1</inkml:trace>
@@ -299,8 +299,8 @@
   </inkml:definitions>
   <inkml:trace contextRef="#ctx0" brushRef="#br0">22472 5380 0,'18'0'15,"-18"17"142,0 1-126,0 17 0,0 1 0,0 17 1,0-18-1,0 0-15</inkml:trace>
   <inkml:trace contextRef="#ctx0" brushRef="#br0" timeOffset="282.8979">22525 5838 0,'0'18'31,"0"0"-31,0-1 16,0 1-1,17 0 1,-17 17 0,0-17-1,0-1 1,0 1-16</inkml:trace>
-  <inkml:trace contextRef="#ctx0" brushRef="#br0" timeOffset="666.9599">22525 6456 0,'0'0'16,"0"17"-16,0 1 16,0 17-1,0 1 1,0 17 0,0-36-1,-18 36 1,1 0-1,17 0 1,0-18 0,0 18-1,0-18 1,0 18 0,17-17 15,-17-19-16,0 19-15</inkml:trace>
-  <inkml:trace contextRef="#ctx0" brushRef="#br0" timeOffset="1517.6409">22560 7920 0,'18'35'0,"-36"-70"0,53 123 31,-35-70-31,36 52 31,-36-52-31,17 17 16,-17 53 31,0 1-16,36-1 0,-36-35-15,0-18 0,0-17-16,0-1 15,0 18 1,-18-17-1,18 17 1,-18 1 15,18-19-31,0 72 32,18-37-17,-18-34 1,0 35-1,18 0 1,-36 0 0,0 0-1,18 0 1,-17 52 0,17-52-1,-18 18 1</inkml:trace>
+  <inkml:trace contextRef="#ctx0" brushRef="#br0" timeOffset="666.9598">22525 6456 0,'0'0'16,"0"17"-16,0 1 16,0 17-1,0 1 1,0 17 0,0-36-1,-18 36 1,1 0-1,17 0 1,0-18 0,0 18-1,0-18 1,0 18 0,17-17 15,-17-19-16,0 19-15</inkml:trace>
+  <inkml:trace contextRef="#ctx0" brushRef="#br0" timeOffset="1517.6408">22560 7920 0,'18'35'0,"-36"-70"0,53 123 31,-35-70-31,36 52 31,-36-52-31,17 17 16,-17 53 31,0 1-16,36-1 0,-36-35-15,0-18 0,0-17-16,0-1 15,0 18 1,-18-17-1,18 17 1,-18 1 15,18-19-31,0 72 32,18-37-17,-18-34 1,0 35-1,18 0 1,-36 0 0,0 0-1,18 0 1,-17 52 0,17-52-1,-18 18 1</inkml:trace>
   <inkml:trace contextRef="#ctx0" brushRef="#br0" timeOffset="1734.093">22613 9402 0,'0'-18'0,"0"36"0,0 17 16,0 18 0,0-18-1,0-17 1,-18 17 0,1 18-1,17-18 1,0 18-1,0 18 1,0-19 0,0 1-1,0 18 1,0-53-16</inkml:trace>
   <inkml:trace contextRef="#ctx0" brushRef="#br0" timeOffset="2116.522">22542 10213 0,'0'0'16,"0"35"-16,-17 0 16,17 1-1,35 17 17,-35-36-17,0 36 1,18 0-1,-18 18 1,0-1 0,0-17-1,0-35 1,0 17 0,0 0-1,0-17 1,17 35-1,-17 0 1,0-18 0,-17 0-1,17-17 17</inkml:trace>
   <inkml:trace contextRef="#ctx0" brushRef="#br0" timeOffset="3303.367">20779 5415 0,'0'-18'31</inkml:trace>
@@ -310,17 +310,17 @@
   <inkml:trace contextRef="#ctx0" brushRef="#br0" timeOffset="15598.904">30110 8961 0,'17'0'0,"-34"0"0,52 0 16,18 0-16,-18 0 16,0-18-16,1 18 15,-1 0-15,-17 0 0,17 0 16,-18 0-16</inkml:trace>
   <inkml:trace contextRef="#ctx0" brushRef="#br0" timeOffset="18756.717">25964 8008 0,'0'0'0,"18"18"125,-18 17-109,18-35-1,-18 18-15,17 17 16,-17 0 0,0-17-1,0 17 1,18-17 15,-18-1-15,0 1-1,0 0 1,0-1 0,0 36-1,0-18 1,0-17-16,18 35 15,-1 35 1,-17 18 0,18 0-1,-18 35 17,0-106-32,0 53 15,18 1 16,-18-36-15,17 35 0,-17-18-1,18 1 1,-18-1 0,17 1-1,-17-36 1,18 53-1,-18-17 1,0-36 0,18 53-1,-18-52 1,0 34 0,17-17-1,-17-17 1,0 16 15,0 1-15,0 0-1,0-35 1,0 35 0,0-36-1,0 19 1,0-1-1,0-17 1,18 17 0,-18 0 15,0 0-15,-18 1-1,18-19-15,0 19 16,0 17 15,0-18-15,0 0-1,0 0 1,0 18 0,18 0-1,-18 0 1,0-35-1,0-1 17,0 19-17,0-19 1,-18 1 0,1-18-1</inkml:trace>
   <inkml:trace contextRef="#ctx0" brushRef="#br0" timeOffset="21143.861">26000 7973 0,'-18'0'31,"18"-18"-16,-18 18-15,1 0 32,-1 0-17,1 0-15,-54-18 16,-17 1 0,-18 17-1,0-18 16,71 18-31,-89 0 16,1 0 0,-1 0-1,-17 0 1,35 0 0,-35 0 15,-17 0-16,16 18 1,54-18 0,-106 17-1,106-17 1,-35 18 0,34-18-1,-16 0 1,-19 0-1,18 18 1,0-18 0,-52 0 15,87 0-15,1 0-16,-72 0 31,72 0-16,-1 0 1,-52 17 0,17-17-1,0 18 1,53-18 0,-53 18-1,1-18 1,-1 0-1,35 17 1,-17-17 0,17 0-1,-17 0 1,18 0 0,34 0 15,-52 18-16,53-18 1,-18 0 0,-35 18-1,0-18 1,17 0 0,1 0-1,17 0 1,17 0-1,19 0 1,-1 0 0,0 0 15,-34 0-31,-1 17 31,0-17-31,-18 0 31,36 0-15,17 0 0,1 0-1,-1 0 17,0 0-17,1 0 16,-1 0-15,0 0 0,1 0-1,-1 0 1,0 0 78,1 0-79,-1 0 17,1 0-17,-1 0-15</inkml:trace>
-  <inkml:trace contextRef="#ctx0" brushRef="#br0" timeOffset="36287.2949">25435 5838 0,'0'-17'0,"0"-1"109,18 18-31,-18 18-46,18-18-17,-18 17-15,0 1 16,17-18 0,1 53-1,-1-18 1,1-17-1,-18 0-15,0-1 16,18 1 0,-1-18 31,-17-18-32,18 18-15,17-53 16,18 0 15,-18 18-15,1 0-1,-19 17-15,1 1 16,-18 34 15,-18-17-15,18 18-16</inkml:trace>
+  <inkml:trace contextRef="#ctx0" brushRef="#br0" timeOffset="36287.2948">25435 5838 0,'0'-17'0,"0"-1"109,18 18-31,-18 18-46,18-18-17,-18 17-15,0 1 16,17-18 0,1 53-1,-1-18 1,1-17-1,-18 0-15,0-1 16,18 1 0,-1-18 31,-17-18-32,18 18-15,17-53 16,18 0 15,-18 18-15,1 0-1,-19 17-15,1 1 16,-18 34 15,-18-17-15,18 18-16</inkml:trace>
   <inkml:trace contextRef="#ctx0" brushRef="#br0" timeOffset="36760.7599">25541 5927 0,'0'-18'32,"0"0"-32,18 1 15,-1-54 1,19 18 0,-36 18-16,17-53 15,-17-89 1,0-34-1,18-36 1,35 106 0,17-36-1,19 89 1,-1 35 0,-35 36-1,17 17 16,-17 17-15,0-17 0,-18 0-1,-17 18 1,-36-18 31</inkml:trace>
   <inkml:trace contextRef="#ctx0" brushRef="#br0" timeOffset="37747.5009">26423 4233 0,'-53'-17'31,"35"-1"-31,1 18 0,-18-35 32,17 35-32,53-18 31,-17 18-31,211-35 31,-35 0 0,-229 35 1,-53 0-17,17 17 1,54-17 0,17 18-1,35-1 1,0 36 15,-17-17-15,-1 34-1,1 1 1,0 17 0,-18-70-16</inkml:trace>
-  <inkml:trace contextRef="#ctx0" brushRef="#br0" timeOffset="38164.7979">26776 4427 0,'0'0'0,"0"-17"0,0-1 15,0-35-15,0 36 16,17-19-1,1 36 1,35 0 0,0 36-1,0 16 1,-36 1 0,-34-17 15,-36-36-16,18-18 1,17-17 0,18-1-1,53-34 1,17 17 15,-52 35-31,17 1 16,18-1-1</inkml:trace>
+  <inkml:trace contextRef="#ctx0" brushRef="#br0" timeOffset="38164.7978">26776 4427 0,'0'0'0,"0"-17"0,0-1 15,0-35-15,0 36 16,17-19-1,1 36 1,35 0 0,0 36-1,0 16 1,-36 1 0,-34-17 15,-36-36-16,18-18 1,17-17 0,18-1-1,53-34 1,17 17 15,-52 35-31,17 1 16,18-1-1</inkml:trace>
   <inkml:trace contextRef="#ctx0" brushRef="#br0" timeOffset="38682.651">27270 4233 0,'0'0'0,"0"-17"0,0-1 16,0 0-1,-18 18-15,0-17 16,1 17-16,-54 35 16,36 0-1,0 18 16,35 18-15,17-36 0,19 0-1,-1-35 1,35-17 0,-17-36-1,-17 18 1,-19-18-1,-17 0 1,0 35 0,0 36-1,0 35 1,18 0 0,35 17-1,-18-35 16,0-35-15,1 0-16</inkml:trace>
-  <inkml:trace contextRef="#ctx0" brushRef="#br0" timeOffset="38880.1309">27534 4269 0,'0'0'15,"-17"-18"-15,-19-53 16,36 54-1,0 52 17,0-17-32,18 17 15,17 36 1,1-36 0,-19-18-1</inkml:trace>
+  <inkml:trace contextRef="#ctx0" brushRef="#br0" timeOffset="38880.1308">27534 4269 0,'0'0'15,"-17"-18"-15,-19-53 16,36 54-1,0 52 17,0-17-32,18 17 15,17 36 1,1-36 0,-19-18-1</inkml:trace>
   <inkml:trace contextRef="#ctx0" brushRef="#br0" timeOffset="39065.1089">27481 3916 0,'-35'0'15,"70"0"-15,-70 17 16,35 1-16,35 17 15,1 1 1,-19-19-16</inkml:trace>
-  <inkml:trace contextRef="#ctx0" brushRef="#br0" timeOffset="39497.7329">27622 4127 0,'-35'0'16,"53"18"15,-1-18-15,1 35 0,0 1-1,-1-19 1,1-17-1,-18 18 1,-18-18 0,18-35-1,0 17-15,18-17 16,17-1 0,1-16 15,17 52-16,-36 17 1,1 18 0,17 18-1,18-17 1,-18-19 0,-17-17-1</inkml:trace>
-  <inkml:trace contextRef="#ctx0" brushRef="#br0" timeOffset="40083.2979">28116 4057 0,'0'0'0,"0"-18"0,18-52 16,-36 52 0,-17 36-1,0 17 1,0 0 15,35 18-15,17-18-1,1-35 1,17 0 0,0 0-1,1-52 1,-19 34-1,1-35 1,0 88 15,-1 71 1,1-53-32,35 53 0,0 35 15,0 71 1,-18-71 15,-53-71-15,-105-70-1,70-35 1,-18-106 0,89-88-1,52 17 1,107-70-1,-1 123 1,-70 194 0,-88 1-16</inkml:trace>
+  <inkml:trace contextRef="#ctx0" brushRef="#br0" timeOffset="39497.7328">27622 4127 0,'-35'0'16,"53"18"15,-1-18-15,1 35 0,0 1-1,-1-19 1,1-17-1,-18 18 1,-18-18 0,18-35-1,0 17-15,18-17 16,17-1 0,1-16 15,17 52-16,-36 17 1,1 18 0,17 18-1,18-17 1,-18-19 0,-17-17-1</inkml:trace>
+  <inkml:trace contextRef="#ctx0" brushRef="#br0" timeOffset="40083.2978">28116 4057 0,'0'0'0,"0"-18"0,18-52 16,-36 52 0,-17 36-1,0 17 1,0 0 15,35 18-15,17-18-1,1-35 1,17 0 0,0 0-1,1-52 1,-19 34-1,1-35 1,0 88 15,-1 71 1,1-53-32,35 53 0,0 35 15,0 71 1,-18-71 15,-53-71-15,-105-70-1,70-35 1,-18-106 0,89-88-1,52 17 1,107-70-1,-1 123 1,-70 194 0,-88 1-16</inkml:trace>
   <inkml:trace contextRef="#ctx0" brushRef="#br0" timeOffset="41048.371">26970 5838 0,'0'-17'15,"0"-1"1,17 1-1,1 17 1,-18-18 0,18 53 15,-1-17-15,1 17-1,0 0 16,17-17-15,-17-18 0,-1 0-16,19-18 15,16-17 1,-16-18 0,-19 36-1,-17-1 1,-17 53-1</inkml:trace>
-  <inkml:trace contextRef="#ctx0" brushRef="#br0" timeOffset="41565.6239">27287 5927 0,'-17'-18'16,"17"0"0,-18 18-16,18-17 15,-18-19 1,18 1 0,18-35-1,53-107 1,-1 71-1,89-105 1,-18 70 0,106-53-1,35 70 1,53 36 15,-246 70-31,122-35 31,-34 36-15,-36-1 0,-35 0-1,-18 18 1,-35 0 0,-36 0 15,-34 18-16,-1 0 1,0-18-16</inkml:trace>
+  <inkml:trace contextRef="#ctx0" brushRef="#br0" timeOffset="41565.6238">27287 5927 0,'-17'-18'16,"17"0"0,-18 18-16,18-17 15,-18-19 1,18 1 0,18-35-1,53-107 1,-1 71-1,89-105 1,-18 70 0,106-53-1,35 70 1,53 36 15,-246 70-31,122-35 31,-34 36-15,-36-1 0,-35 0-1,-18 18 1,-35 0 0,-36 0 15,-34 18-16,-1 0 1,0-18-16</inkml:trace>
   <inkml:trace contextRef="#ctx0" brushRef="#br0" timeOffset="42082.04">29598 4322 0,'0'0'0,"-18"0"0,1-18 31,34 18 0,1 0-31,-18 35 16,18 0-1,17 54 1,0-1 0,1-18-1,-1-34 16,-18-36-15,1-18 0,0-35-1,17 0 1,-35 18-16,53-36 16,-18 1-1,-35 35 1,18 35-1,-1 17 1,-17 18 0,0 1-1</inkml:trace>
   <inkml:trace contextRef="#ctx0" brushRef="#br0" timeOffset="42868.68">30162 4498 0,'0'0'0,"18"0"15,0-18 1,-1 18-16,1-35 16,-18 0-1,0 17 1,-18 0-16,-35-17 15,18 35 1,0 18 0,0 35-1,35-18 1,0 18 0,17 0-1,1-18 16,35-35-15,-36 0 0,19-35-1,-19 0 1,1-18 0,0 17-1,-18 19 1,-18 52-1,18 18 17,35 0-17,1-18 1,17-35 0,-18-35-1,0 0 16,-17 17-31,17-35 16,0-53 0,1-17-1,-36 52 1,0 53 0,-36 54-1,1 52 1,17 18-1,54 0 1,-1-53 0,18 17 15,-18-105-15</inkml:trace>
   <inkml:trace contextRef="#ctx0" brushRef="#br0" timeOffset="43068.456">30674 4410 0,'0'-36'16,"0"72"-16,0-124 16,0 70-1,-18 18 1,18 35 0,0 18-1,0 0 1,18-18-1,-18 1 1,18-36 0</inkml:trace>
@@ -331,14 +331,14 @@
   <inkml:trace contextRef="#ctx0" brushRef="#br0" timeOffset="45150.678">31838 4269 0,'0'0'0,"-17"-18"0,17 0 15,-18 18 1,18 18 15,18 0-15,-1-1-16</inkml:trace>
   <inkml:trace contextRef="#ctx0" brushRef="#br0" timeOffset="46016.884">32103 4480 0,'0'0'0,"-18"0"0,0 0 0,1 0 16,-1-17-1,18 34 32,18 1-47,-18 35 31,0 17-15,0-52-16,17 35 16,19-35-1,17 17 1,17-53 0,-17-35-1,-35 36 1,-18-72-1,0-16 1,-18 34 0,1 53-1,-19 36 17,36 17-17,-17 18 1,17 18-1,0-54 1,17 1 0,19-18-1,-19-18 1,18 1 0,1-1-1,-19-17 1,19 35-1,-19 18 1,1 34 0,-18-34 15,18 35-15,-18-35-1,17-1 1,1-34 15,17-19-15,18 19-1,-35 17-15,35-18 16,-18 18 0,-18 35-1,-17-17-15</inkml:trace>
   <inkml:trace contextRef="#ctx0" brushRef="#br0" timeOffset="53321.6709">27076 14358 0,'0'-18'15,"-18"18"95,36 0-48,88 0-46,-71 0 0,18 0-16,70 0 15,-52 0 1,-54 0-1,-34 0 17,-19 18-32,-16-18 0</inkml:trace>
-  <inkml:trace contextRef="#ctx0" brushRef="#br0" timeOffset="53587.7009">27076 14429 0,'17'0'32,"1"0"-32,0 0 15,17 0 1,18 0 0,0 0-1,-18 0 1,-17 0-16,17 0 31,-17 0-31</inkml:trace>
+  <inkml:trace contextRef="#ctx0" brushRef="#br0" timeOffset="53587.7008">27076 14429 0,'17'0'32,"1"0"-32,0 0 15,17 0 1,18 0 0,0 0-1,-18 0 1,-17 0-16,17 0 31,-17 0-31</inkml:trace>
   <inkml:trace contextRef="#ctx0" brushRef="#br0" timeOffset="55854.281">27005 6473 0,'-18'0'0,"1"0"16,-71 18 15,-53 35 0,123-35-31,-35 17 16,0 35-1,0 54 1,18 17 0,35 0-1,18-53 1,70 36-1,35-18 1,18-53 0,-35-36-1,106-52 1,-18-53 0,-35-71-1,-107 36 1,-69-142 15,-54 159-15,-105-17-1,0 87 1,-1 54-16</inkml:trace>
   <inkml:trace contextRef="#ctx0" brushRef="#br0" timeOffset="64326.981">18680 15152 0,'-18'-18'32,"36"18"61,-1 0-77,1 0-16,17 0 16,36-17-16,35-1 31,-71 0-31,35 18 15,-34-17 1,-19 17 0,-17 17-16</inkml:trace>
   <inkml:trace contextRef="#ctx0" brushRef="#br0" timeOffset="65093.13">20884 14993 0,'18'0'63,"0"0"-63,52-18 16,142-35 30,-89 36-14,-140 17-1</inkml:trace>
   <inkml:trace contextRef="#ctx0" brushRef="#br0" timeOffset="67476.731">23883 15028 0,'18'0'47,"-1"0"-32,124 18 16,-17 0-15,-36-18-16,300 17 16,71 1-1,-159 0 1,105 17 0,-175-18-1,17 1 1,-106-18-1,-71 0 1,-52 0 15,-36 0-31,1 0 16</inkml:trace>
   <inkml:trace contextRef="#ctx0" brushRef="#br0" timeOffset="99340.683">25171 6227 0,'0'-18'47,"0"0"-16,-18 18-15,-88-17 31,53 34-16,-17 36 0,17 88 16,35-88-31,1-35-16,17 35 16,-18 0-1,18-18 1,-18 0-1,18 0 1,36 18 0,16-35-1,1 17 1,36-17 15,-72 0-31,36-18 16,0 0-1,-18-18 1,36-17 15,-1-1-15,-17-17 0,-17 1-1,-19-1 1,-17-18-1,0 18 1,-17-17 0,-1 34-1,-17-17 1,-18 18 0,-18 18-1,1-19 1,34 36-1,1 0 17,0 0-17,17 0 1,18 18 0,0 0-1,-17-18 1</inkml:trace>
-  <inkml:trace contextRef="#ctx0" brushRef="#br0" timeOffset="101974.2469">26088 5592 0,'0'17'16,"18"18"0,-18-17-1,0 0 1,0-1 0,0 1-1,0 17 16,0-17 1,17-18-17,1 0 1</inkml:trace>
-  <inkml:trace contextRef="#ctx0" brushRef="#br0" timeOffset="102497.4139">26017 5733 0,'18'0'47,"0"17"-15,-18 1-32,17-18 0,1 18 15,0-1 1,17 1 15,-18-18-15,1 0-1,0 0 1,-18-18 0,17 18-16,1-17 15,-18-1 1,35 0-1,-35 1 17,0 34 30</inkml:trace>
+  <inkml:trace contextRef="#ctx0" brushRef="#br0" timeOffset="101974.2468">26088 5592 0,'0'17'16,"18"18"0,-18-17-1,0 0 1,0-1 0,0 1-1,0 17 16,0-17 1,17-18-17,1 0 1</inkml:trace>
+  <inkml:trace contextRef="#ctx0" brushRef="#br0" timeOffset="102497.4138">26017 5733 0,'18'0'47,"0"17"-15,-18 1-32,17-18 0,1 18 15,0-1 1,17 1 15,-18-18-15,1 0-1,0 0 1,-18-18 0,17 18-16,1-17 15,-18-1 1,35 0-1,-35 1 17,0 34 30</inkml:trace>
   <inkml:trace contextRef="#ctx0" brushRef="#br0" timeOffset="103464.034">26035 6615 0,'0'-18'15,"-18"18"64,18 18-64,-17-18-15,17 17 16,-36 18-1,19 1 1,-1-36 0,18 17-16,0 1 31,0-36-15,18-17 15,-1 17-31,-17 1 15,36-54 1,-36 36 0,17 17-1,1 1 1,0 34 0,-1 1-1,1 17 1,0-17-1,-1 17 17,1-17-32,-1-18 31</inkml:trace>
   <inkml:trace contextRef="#ctx0" brushRef="#br0" timeOffset="103859.328">26035 6509 0,'18'35'31,"-1"-17"-31,1-1 16,-18 1-16,53 52 16,-36-34-1,1-19-15,0 36 32,-1 0-17,1-17 1,-18-19-1,18 1 1,-1-1 0,1-17 15,0 0-31,17-17 16</inkml:trace>
 </inkml:ink>
@@ -370,7 +370,7 @@
   </inkml:definitions>
   <inkml:trace contextRef="#ctx0" brushRef="#br0">2699 9525 0,'17'0'94,"1"0"-79,-18-18 1,35 1-1,-17-19 1,0 19 15,17-18-15,0 17 0,36-35-1,-36 35 1,-17 1-16,35-19 15,35-17 1,-18-17 0,1 17-1,-1 18 1,-34-18 0,17 0-1,17-18 1,1 1-1,-36 17 1,36-18 0,-1 1 15,1-1-15,-18 18-1,17-17 1,-17 17-1,18-18 1,-19 36 0,37-36-1,17 1 1,17-1 0,-17 1-1,-36 17 1,36-18-1,18-35 1,-1 1 15,36-1-15,-53 35 0,52-35-1,-16 1 1,16 16-1,-52 36 1,71-35 0,17-18-1,17 1 1,1-1 0,-71 18-1,88-54 1,18-34-1,0 17 1,-88 53 0,35-35 15,0 18-15,0-1-1,18 1 1,-54 35-1,89-53 1,-17 17 0,-36 1-1,-71 35 1,36-36 0,-18 18-1,0 36 1,18-19-1,-36 37 1,54-19 15,17-35-15,-18 18 0,-70 35-1,18-35 1,-19 0-1,19 17 1,-18-17 0,-18 35-1,0 0 1,-35 18 0,-18 17-1,-17 18 1,-36 0 15</inkml:trace>
   <inkml:trace contextRef="#ctx0" brushRef="#br0" timeOffset="1081.3119">8184 6191 0,'-17'-17'15,"17"-1"1,-18 0-1,18 36 48,18 0-47,-1-1-16,1-17 15,17 18 1,1-18-16,17-18 31,-36 1-31,1-19 31,-18-17-15,-18 0 0,1 36-1,17 52 1,52 53-1,-16 18 1,52 35 0,0-35-1,-53-18 1,-52-35 0,-36-35-1,-35-18 1,-18-88 15,71 35-15,35 17-1,52-52 1,-16 53 0,17 0-1,-36 17-15</inkml:trace>
-  <inkml:trace contextRef="#ctx0" brushRef="#br0" timeOffset="1317.6799">8643 6050 0,'0'0'0,"-18"-18"16,18 1 0,18-1-1,0 1 1,17-1 0,18 18-1,-35-18-15</inkml:trace>
+  <inkml:trace contextRef="#ctx0" brushRef="#br0" timeOffset="1317.6798">8643 6050 0,'0'0'0,"-18"-18"16,18 1 0,18-1-1,0 1 1,17-1 0,18 18-1,-35-18-15</inkml:trace>
   <inkml:trace contextRef="#ctx0" brushRef="#br0" timeOffset="1484.569">8678 6121 0,'-17'17'16,"34"-17"-1,-17-17-15,36-1 16,-19 18-16,54-53 31</inkml:trace>
   <inkml:trace contextRef="#ctx0" brushRef="#br0" timeOffset="4102.191">9172 5680 0,'0'0'0,"-35"-18"16,17 18-16,1 18 16,-1-18-16,0 17 15,1-17-15,-1 18 0,0 0 16,1 70-1,70 18 32,53-89-15,-71-17-32,18-17 15,17-1 1,-17-35-1</inkml:trace>
   <inkml:trace contextRef="#ctx0" brushRef="#br0" timeOffset="4350.24">9402 5697 0,'0'0'0,"17"0"31,1-17-31,-1-1 16,54-17-1,17 0 1,-70 17-16</inkml:trace>
@@ -398,12 +398,12 @@
   <inkml:trace contextRef="#ctx0" brushRef="#br0" timeOffset="22857.415">21149 4798 0,'0'-18'15,"0"0"-15,18 18 16,-1 0 0,71 0-1,-70 18-15,17 0 16,-17-18-16,0 17 15,-1-17-15,-17 18 0</inkml:trace>
   <inkml:trace contextRef="#ctx0" brushRef="#br0" timeOffset="23057.798">21378 4727 0,'0'0'15,"0"-17"-15,-35 17 16,17 0 0,-17 17-1,17 1-15,-17 35 16,18-36-16</inkml:trace>
   <inkml:trace contextRef="#ctx0" brushRef="#br0" timeOffset="23557.512">21943 4039 0,'0'0'15,"-18"-17"-15,18-1 0,18 18 31,-1 18-31,19-1 0,-19-17 16,19 18-16,-1 0 0,0 17 16,53 18-1,-70-53-15</inkml:trace>
-  <inkml:trace contextRef="#ctx0" brushRef="#br0" timeOffset="23706.6499">22137 3969 0,'0'0'0,"-18"-36"15,1 19 1,-1 52 0,-17 36-1,17-1-15</inkml:trace>
+  <inkml:trace contextRef="#ctx0" brushRef="#br0" timeOffset="23706.6498">22137 3969 0,'0'0'0,"-18"-36"15,1 19 1,-1 52 0,-17 36-1,17-1-15</inkml:trace>
   <inkml:trace contextRef="#ctx0" brushRef="#br0" timeOffset="24357.086">22243 6756 0,'0'0'0,"-18"-36"31,0 19-31,1 17 0,34 0 31,1 17-31,35 19 16,88 34 15,-123-70-31,-1 0 16</inkml:trace>
   <inkml:trace contextRef="#ctx0" brushRef="#br0" timeOffset="24505.943">22542 6597 0,'0'0'16,"-17"0"-1,-1 0 1,1 35-1,-19 18 1,1 0 0</inkml:trace>
-  <inkml:trace contextRef="#ctx0" brushRef="#br0" timeOffset="24891.1159">23036 6227 0,'0'0'0,"0"-18"0,-35 18 15,35-18 1,0 36 0,35 0-1,1 17 1,34 35-1,-17-34 17,-35-36-32</inkml:trace>
+  <inkml:trace contextRef="#ctx0" brushRef="#br0" timeOffset="24891.1158">23036 6227 0,'0'0'0,"0"-18"0,-35 18 15,35-18 1,0 36 0,35 0-1,1 17 1,34 35-1,-17-34 17,-35-36-32</inkml:trace>
   <inkml:trace contextRef="#ctx0" brushRef="#br0" timeOffset="25073.408">23177 6050 0,'-17'-18'16,"34"36"-16,-52-36 0,18 36 16,-19 35-1,-17 35 1,0-17 0,36-36-16,-18 18 15</inkml:trace>
-  <inkml:trace contextRef="#ctx0" brushRef="#br0" timeOffset="25441.1339">23477 5644 0,'-17'-17'31,"17"-1"-31,17 18 15,1 0 1,0 18-16,-1-18 16,1 17-16,0-17 0,70 53 31,0 0-15</inkml:trace>
+  <inkml:trace contextRef="#ctx0" brushRef="#br0" timeOffset="25441.1338">23477 5644 0,'-17'-17'31,"17"-1"-31,17 18 15,1 0 1,0 18-16,-1-18 16,1 17-16,0-17 0,70 53 31,0 0-15</inkml:trace>
   <inkml:trace contextRef="#ctx0" brushRef="#br0" timeOffset="25622.838">23654 5486 0,'0'0'0,"-18"0"16,0 0-1,1 0-15,-18 35 16,-36 36 15,53-36-31,1-18 0</inkml:trace>
   <inkml:trace contextRef="#ctx0" brushRef="#br0" timeOffset="26025.672">23213 4939 0,'0'0'0,"0"-35"16,17 35 15,1 17-15,35 54-1,0-18 1,17 0 0,-52-36-16</inkml:trace>
   <inkml:trace contextRef="#ctx0" brushRef="#br0" timeOffset="26207.587">23354 4833 0,'-53'35'31,"53"-17"-15,-35 88-1,-1-18 1</inkml:trace>
@@ -426,7 +426,7 @@
   <inkml:trace contextRef="#ctx0" brushRef="#br0" timeOffset="52551.307">19861 10442 0,'0'0'0,"-17"-17"15,34 17 1,1 0-16,17 17 15,53 36 1,-52-18 0,-19 1-1,-17-19-15,0 19 32,-35-19-32,0-17 15,17-35 16,18-18-15,53-70 0,18 70-1,17 0 1,-70 35-16</inkml:trace>
   <inkml:trace contextRef="#ctx0" brushRef="#br0" timeOffset="52886.14">20567 10160 0,'0'0'0,"-18"-35"15,-17-36-15,-18-35 31,-17 53-15,17 106 0,0 18-1,35-18-15,-52 158 16,52-34 0,53 140-1,0-176 1,18 1-1,-35-90 1</inkml:trace>
   <inkml:trace contextRef="#ctx0" brushRef="#br0" timeOffset="53118.324">20179 10583 0,'0'0'0,"18"0"0,-1-17 16,107-19-1,-71 19 1,70-19 0,-88 36-1,1 0 1,-36-17-1</inkml:trace>
-  <inkml:trace contextRef="#ctx0" brushRef="#br0" timeOffset="53273.5609">20549 10442 0,'-17'0'0,"34"0"0,-52-17 32,35 52-1,35 18-16,-35-36 1,18 1-16,0 35 16,-1 0-1</inkml:trace>
+  <inkml:trace contextRef="#ctx0" brushRef="#br0" timeOffset="53273.5608">20549 10442 0,'-17'0'0,"34"0"0,-52-17 32,35 52-1,35 18-16,-35-36 1,18 1-16,0 35 16,-1 0-1</inkml:trace>
   <inkml:trace contextRef="#ctx0" brushRef="#br0" timeOffset="53450.899">20655 10213 0,'0'0'0,"-18"-18"16</inkml:trace>
   <inkml:trace contextRef="#ctx0" brushRef="#br0" timeOffset="53702.334">20796 10178 0,'-17'0'16,"17"17"15,17 1-31,1 70 31,0-17-31,34 52 32,-52-88-32,18 18 15</inkml:trace>
   <inkml:trace contextRef="#ctx0" brushRef="#br0" timeOffset="53935.409">20990 10142 0,'0'0'0,"-17"-53"15,34 71 1,-17 17-1,71 106 1,-36-52 0,0 16-1,-35-52 1,0-35 0</inkml:trace>
@@ -460,7 +460,7 @@
   <inkml:trace contextRef="#ctx0" brushRef="#br0" timeOffset="70641.0359">28751 10336 0,'-17'0'16,"34"0"31,1 18-47,0-18 16,-1 0-16,1 0 15,17-18 1,0-17-1,-17 0 1,-18 0 0,0 17-16,-18 0 15,-17 1 1,18 52 0,-1 53-1,18 0 16,18-35-15,70 18 0,0-54-16</inkml:trace>
   <inkml:trace contextRef="#ctx0" brushRef="#br0" timeOffset="71041.999">29369 10231 0,'0'0'0,"-53"-18"0,-18 0 16,1-17-1,70 53 17,17-18-32,36 53 15,-35-18 1,17 0-1,0 36 1,-17-18 0,-18-36-1,-18-17 1,-17-17 0,35-36-1,0 17 1,106-69-1,-53 69 1,35-17 0,-35 36-1,-35 17 1</inkml:trace>
   <inkml:trace contextRef="#ctx0" brushRef="#br0" timeOffset="71325.317">29827 9984 0,'0'0'0,"-70"-106"31,70 70-31,-35-16 16,17 34-1,0 18-15,1 35 16,17 106-1,17 89 1,1 17 0,0-106-1,-18 17 1,-18-69 0,0-89-1</inkml:trace>
-  <inkml:trace contextRef="#ctx0" brushRef="#br0" timeOffset="71658.9339">29633 10425 0,'0'0'15,"-35"-71"-15,17 53 16,18 1 0,36 17-1,34 0 1,36 0-1,-35-18 1,17 0 0,-71-17-1,-34 18 1,-1-1 0,1 18-1,-1 18 1,0 34 15,18 37-15,0-72-1,18 19-15</inkml:trace>
+  <inkml:trace contextRef="#ctx0" brushRef="#br0" timeOffset="71658.9338">29633 10425 0,'0'0'15,"-35"-71"-15,17 53 16,18 1 0,36 17-1,34 0 1,36 0-1,-35-18 1,17 0 0,-71-17-1,-34 18 1,-1-1 0,1 18-1,-1 18 1,0 34 15,18 37-15,0-72-1,18 19-15</inkml:trace>
   <inkml:trace contextRef="#ctx0" brushRef="#br0" timeOffset="71824.594">30004 10160 0,'0'0'0,"-53"-123"31,53 105-31,0 0 16,17 18-1</inkml:trace>
   <inkml:trace contextRef="#ctx0" brushRef="#br0" timeOffset="72076.658">30233 9966 0,'-35'0'15,"35"18"32,0 87-31,17-69-1,-17-1-15,18 18 0,0 17 16,-1 1 0,1-53-1</inkml:trace>
   <inkml:trace contextRef="#ctx0" brushRef="#br0" timeOffset="72275.59">30445 10072 0,'0'0'0,"0"-71"16,0 18 0,17 36-1,1 70 1,0 70-1,-1-17 1,1 17 0,-18-105-16</inkml:trace>
@@ -471,7 +471,7 @@
   <inkml:trace contextRef="#ctx0" brushRef="#br0" timeOffset="95981.73">3739 12788 0,'-17'0'15,"-1"0"32,18 18 0,-17-18-47,-1 0 31,0 17-15,-17 1 0,17 0-16,-17-1 15,0 19 1,-1 17 0,1-18-1,18 35 1,-1 36-1,18 0 1,0-35 0,18 17-1,34 18 1,-16-18 0,-1-53-1,36 18 16,17-18-15,0-17 0,18 0-1,-36-18 1,19-18 0,16-17-1,-34-18 1,-18 17-1,0-34 1,-18-1 0,0-17-1,1-18 1,-36 36 0,0-36-1,-18 0 16,0 18-15,-17 17 0,0 18-1,-18 1 1,18 16 0,-18 19-1,17 17 1,-17-18-1,-17 18 1,17 0 0,18 18-1,-18-1 1,18 1 0,17-18-1,0 0 16,1-18-15,-1 18 0,0 18-1,-17 0 1,17-1 0,-17 1-1,18-18 1,-1 17-1,0-17 1,1 0 62,17 18-47</inkml:trace>
   <inkml:trace contextRef="#ctx0" brushRef="#br0" timeOffset="97084.7">5309 13088 0,'0'0'0,"-17"0"0,-1 0 16,0 0-16,1 0 0,34 0 31,1 0-16,0 0-15,17 0 16,0-18-16,18 18 0,106 0 31,-106 0-31,211 0 32,-193 18-17</inkml:trace>
   <inkml:trace contextRef="#ctx0" brushRef="#br0" timeOffset="97303.2019">5786 12894 0,'0'18'31,"35"17"0,0 0-15,18 36-1,-18 35 1,-17-71-16</inkml:trace>
-  <inkml:trace contextRef="#ctx0" brushRef="#br0" timeOffset="98084.3429">7038 12788 0,'0'0'0,"-71"-17"16,71-1-1,-17 18 1,17-18-16,-18 18 16,36 18-1,-1 17 1,19 0-1,-19 1 1,-17-1 0,0-17-1,-35-18 1,0-36 15,17-17-15,18-105-1,18 34 1,35-35 0,0 71-1,52 35 1,-16 53 0,-54 89-1,-53-1 1,-35-18-1,-35 19 1,53-72 0,52 1-1,19-36 1,70-17 0,35 35 15,-35 35-16,-54 18 1,-52-18 0,-70 36-1,-36-18 1,-17-36 0,34-34-1,89-18 1</inkml:trace>
+  <inkml:trace contextRef="#ctx0" brushRef="#br0" timeOffset="98084.3428">7038 12788 0,'0'0'0,"-71"-17"16,71-1-1,-17 18 1,17-18-16,-18 18 16,36 18-1,-1 17 1,19 0-1,-19 1 1,-17-1 0,0-17-1,-35-18 1,0-36 15,17-17-15,18-105-1,18 34 1,35-35 0,0 71-1,52 35 1,-16 53 0,-54 89-1,-53-1 1,-35-18-1,-35 19 1,53-72 0,52 1-1,19-36 1,70-17 0,35 35 15,-35 35-16,-54 18 1,-52-18 0,-70 36-1,-36-18 1,-17-36 0,34-34-1,89-18 1</inkml:trace>
   <inkml:trace contextRef="#ctx0" brushRef="#br0" timeOffset="98969.673">7867 12559 0,'0'0'0,"18"-18"0,-1 18 0,1-17 31,-18-19-15,0 1 0,-35 0-1,-36-1 1,53 36 0,-35 36-1,1 34 1,52 19-1,52-19 1,1-52 0,36-18-1,-19-18 1,-17-35 0,-53 18 15,0 0-16,18 70 17,-1-35-32,36 18 31,35-36-15,-52 0-1,17-52 1,-53-1-1,0 36-15,-18-36 16,-53-52 0,19 35-1,52 88 1,17 70 15,1 1-15,35 52-1,17-17 1,-34-53 0,16-18-1,19-70 1,-18-53 0,-35-106-1,-36 88 1,-17 35-1,-1 18 1,36 89 0,18 52-1,53 53 17,-19-53-32,72 18 31,-89-88-31</inkml:trace>
   <inkml:trace contextRef="#ctx0" brushRef="#br0" timeOffset="99625.307">9437 12083 0,'0'0'15,"-18"0"1,1 0-16,-1 0 16,-17 0-1,17 53 1,18 17 15,18-35-15,-1 1-16,54 17 15,-18-36 1,17-17 0,-52-35-1,-36 17 1,-35-52 0,0-18-1,36 17 1,87 0-1,1 54 1,52 17 0,-34 35-1,-54 18 1,-35 0 0,-53 17 15,18-52-16,17-36 1,18-52 0,35-1-1,53-34 1,1 34 0,-19 53-1,-34 71 1,16 53-1,-52-71 1</inkml:trace>
   <inkml:trace contextRef="#ctx0" brushRef="#br0" timeOffset="100885.894">10283 11836 0,'0'0'0,"-35"-36"31,53 19-31,-1-1 16,36 0 0,18-17-1,17 35 1,-35 53 0,-18 18 15,-35-18-16,0 17 1,0-52-16,0 17 16,0-53 15,0-52-15,53-18-1,0 17 1,0 53-1,0 18 1,18 53 0,-36 0-1,0 0 1,-17-35 15,-1 0-15,1-36-1,17-17 1,-17 35 0,-18-18-1,0 0 1,-18-17 0,18-18-1,0 0 1,18 36-1,-18-19 1,0 19 0,-18 17 15,-17 35-15,35-17-1,0 34 1,18 1-1,35 0 1,-36-53-16,36 18 16,18-18-1,-18-18 1,-36-35 0,-34 0-1,-19-35 1,-17 18-1,18 70 1,17 17 0,18 19-1,71 17 17,17-53-17,-17-18 1,-18-17-1,-36-36 1,-70-35 0,-17-17-1,-18 17 1,70 88 0,18 54-1,53 87 1,35 1-1,-17-19 1,-36-69 0</inkml:trace>
@@ -598,10 +598,10 @@
   <inkml:trace contextRef="#ctx0" brushRef="#br0" timeOffset="20225.698">8872 17286 0,'0'0'16,"-53"-18"-1,53 1 1,36-1-1,52 18 1,18 18 0,-89 17-1,-52 0 1,0-17-16,-36 17 16,-35 18-1,71-53 1,88-35-1,18 0 1,52-36 0,-52 1-1,-54 52 1,-34 18 0,-36 35 15,0 18-16,53 35 1,123-35 0,18-53-1,-52-17-15</inkml:trace>
   <inkml:trace contextRef="#ctx0" brushRef="#br0" timeOffset="24428.393">917 5715 0,'0'0'0,"0"-18"0,0 1 0,-17 17 0,-1-18 15,0-17-15,1 17 0,17-17 16,-18 0-16,18 17 0,-18 18 16,18-18-16,-17 18 0,17-17 0,-18 17 15,0 0-15,18 17 31,0 1-31,36 35 16,105 17 31,-124-70-47,89-17 31,-70-54-15,-19-17-1,-52 0 1,17 70 0,54 106 15,52 89-15,18-36-1,-53-18 1,-106-34 15,17-72-31,-52 18 0,-141-35 31,194-17-31,-18-89 32,88 18-17,71 17 1,17 18-1,-87 53-15</inkml:trace>
   <inkml:trace contextRef="#ctx0" brushRef="#br0" timeOffset="24810.711">917 4798 0,'0'0'16,"18"0"-1,-36 17-15,1 36 32,-36 18-17,-18-1 1,71-52-16,-53 17 15,36-35 1,17-35 0,35-35-1,18-36 1,-18 35 0,0 36-1,36 88 1,-1 70-1,1 1 1</inkml:trace>
-  <inkml:trace contextRef="#ctx0" brushRef="#br0" timeOffset="34683.7229">9878 17163 0,'0'0'16,"0"-53"-1,0 35-15,0 0 0,17 1 16,-17 34 15,-17 1-31,17 17 16,0 36 0,0-36-16,53 177 31,158-89 0</inkml:trace>
+  <inkml:trace contextRef="#ctx0" brushRef="#br0" timeOffset="34683.7228">9878 17163 0,'0'0'16,"0"-53"-1,0 35-15,0 0 0,17 1 16,-17 34 15,-17 1-31,17 17 16,0 36 0,0-36-16,53 177 31,158-89 0</inkml:trace>
   <inkml:trace contextRef="#ctx0" brushRef="#br0" timeOffset="35047.473">10566 17321 0,'0'0'15,"-18"-17"-15,0-1 16,1 0-16,-1 1 16,36 17 15,-18 17-31,35 54 16,0-18-1,-35 0 1,0-36-16,18 1 15</inkml:trace>
   <inkml:trace contextRef="#ctx0" brushRef="#br0" timeOffset="35215.818">10495 17074 0,'0'0'0,"-18"-17"0,1 17 16,17 17 0,17-17-1</inkml:trace>
-  <inkml:trace contextRef="#ctx0" brushRef="#br0" timeOffset="35615.0949">10813 17304 0,'0'0'0,"-18"0"16,36 17 15,-1 1-15,19 17-1,-19 1 1,-17-1 0,-35-18-1,0-17 1,35-17-16,-18-18 16,36-36-1,35-17 1,17 35 15,1 53-15,-18 18-1,17 70 1,-17-18 0</inkml:trace>
+  <inkml:trace contextRef="#ctx0" brushRef="#br0" timeOffset="35615.0948">10813 17304 0,'0'0'0,"-18"0"16,36 17 15,-1 1-15,19 17-1,-19 1 1,-17-1 0,-35-18-1,0-17 1,35-17-16,-18-18 16,36-36-1,35-17 1,17 35 15,1 53-15,-18 18-1,17 70 1,-17-18 0</inkml:trace>
   <inkml:trace contextRef="#ctx0" brushRef="#br0" timeOffset="36113.824">11236 17163 0,'0'0'0,"-35"-53"16,35 88-1,17 88 16,36 36-15,-17-53 0,-19-53-16,18 35 15,18 0 1,-35-70 0,-36-53-1,-35-36 1,1-88-1,16 18 1,72 35 0,16 106-1,72 18 1,-18 35 0,-89 0-1,-34 0 16,-89-36-15,0-17 0,36-52-1,52-1 1,18 35-16</inkml:trace>
   <inkml:trace contextRef="#ctx0" brushRef="#br0" timeOffset="36297.159">11553 17074 0,'0'0'15,"18"-17"-15,0-1 0,88 1 16,-1 34 0,-52 1-16,53 70 15,-53 106 1,-159-53-1</inkml:trace>
   <inkml:trace contextRef="#ctx0" brushRef="#br0" timeOffset="37648.954">300 3563 0,'0'0'0,"-71"0"31,36 0-31,0 0 0,17 0 0,0 0 15,-17 18-15,18-1 0,17 19 0,0-1 16,0 0-16,176 283 31,89-107 1,-230-193-32,159 0 31</inkml:trace>
@@ -637,7 +637,7 @@
   <inkml:trace contextRef="#ctx0" brushRef="#br0" timeOffset="119218.624">16175 6544 0,'0'0'0,"0"18"16,0-1 15,17 19-16,-17-1 1,18 35 0,-18-52-1</inkml:trace>
   <inkml:trace contextRef="#ctx0" brushRef="#br0" timeOffset="119435.026">16545 6332 0,'36'-17'31,"-19"-1"-31,1 18 15,52 0 1</inkml:trace>
   <inkml:trace contextRef="#ctx0" brushRef="#br0" timeOffset="119598.73">16581 6473 0,'0'0'0,"-18"0"16,18 18-16,0 0 31,70-18 0,-34-18-31</inkml:trace>
-  <inkml:trace contextRef="#ctx0" brushRef="#br0" timeOffset="120017.9469">17286 6227 0,'0'0'0,"-18"-18"0,-70 36 31,35-1-31,0 89 32,53-53-17,0 17 1,36-17 0,34 0-1,-17-53 1,0-17-1,-18-1-15,36-70 16,-71 17 0,-18-35 15,-17 71-31,0 35 31,35 18-31</inkml:trace>
+  <inkml:trace contextRef="#ctx0" brushRef="#br0" timeOffset="120017.9468">17286 6227 0,'0'0'0,"-18"-18"0,-70 36 31,35-1-31,0 89 32,53-53-17,0 17 1,36-17 0,34 0-1,-17-53 1,0-17-1,-18-1-15,36-70 16,-71 17 0,-18-35 15,-17 71-31,0 35 31,35 18-31</inkml:trace>
   <inkml:trace contextRef="#ctx0" brushRef="#br0" timeOffset="120197.01">17621 6403 0,'0'0'15,"0"18"1,18-18-1,0 0 1</inkml:trace>
   <inkml:trace contextRef="#ctx0" brushRef="#br0" timeOffset="120817.89">18115 6191 0,'0'0'0,"0"-53"16,0 36-1,-18-1 1,1 0-1,-36 18 1,0 18 0,18 0-1,-1-18 17,36 17-17,0 1 16,0 17-15,0 1 0,0 34-1,0-35 1,0-17-16,0 35 16,18-18-1,0-35 16,-1-17-15,19-1 0,-1 18-1,35 0 17,-52 0-32,0 18 0,35 17 15,-53 18 1,-106-18 15,-123-17-15</inkml:trace>
   <inkml:trace contextRef="#ctx0" brushRef="#br0" timeOffset="125499.332">15593 7638 0,'-18'-18'32,"36"18"-17,-1 0-15,1 0 16,0 0-16,-1 0 15,1 0-15,17 18 0,-17-1 16,17 19-16,-17-19 0,35 71 31,-36 1 1,-70-107-1,18-158 0,70 105-15,18-35-1,18 71 1,-36 53 0</inkml:trace>
@@ -718,7 +718,7 @@
   </inkml:definitions>
   <inkml:trace contextRef="#ctx0" brushRef="#br0">2381 4833 0,'0'18'16,"0"-1"-1,0 1 1,-17 0-1,17-1-15,0 89 16,17 18 0,19 87 15,-1-52 0</inkml:trace>
   <inkml:trace contextRef="#ctx0" brushRef="#br0" timeOffset="434.878">1976 5980 0,'0'0'0,"-18"17"15,53-34 1,0 17-16,18 0 16,230-53-1,-107 35 1,53-17 15,-123-1-31,-35 36 16</inkml:trace>
-  <inkml:trace contextRef="#ctx0" brushRef="#br0" timeOffset="1100.6509">2205 6509 0,'0'0'16,"-18"0"-16,1-18 15,17 0-15,0 1 0,0-1 16,17 1-16,1-1 16,-1 0-16,36 1 31,18 70 0,-71 88 0,-18-18 1,18-105-32,0-1 15,36-52 1,-19-18-1,54-106 17,-36 89-32,18-18 31,-18 88-31,18 70 31,-35 1-15,-1 17-1,19 0 1,-1-53 0,53-17-1,-70-36 1</inkml:trace>
+  <inkml:trace contextRef="#ctx0" brushRef="#br0" timeOffset="1100.6508">2205 6509 0,'0'0'16,"-18"0"-16,1-18 15,17 0-15,0 1 0,0-1 16,17 1-16,1-1 16,-1 0-16,36 1 31,18 70 0,-71 88 0,-18-18 1,18-105-32,0-1 15,36-52 1,-19-18-1,54-106 17,-36 89-32,18-18 31,-18 88-31,18 70 31,-35 1-15,-1 17-1,19 0 1,-1-53 0,53-17-1,-70-36 1</inkml:trace>
   <inkml:trace contextRef="#ctx0" brushRef="#br0" timeOffset="1603.311">3016 5151 0,'0'0'0,"-17"0"0,-19 0 16,19 0-16,17 17 15,-18-17-15,53 0 16,1 0 0,457-17 15,160-1 0,-353 0 0,-353 1-15,18 17-16</inkml:trace>
   <inkml:trace contextRef="#ctx0" brushRef="#br0" timeOffset="2517.579">3298 5256 0,'0'0'0,"-88"18"16,53-18-16,-71 0 31,36 0-16,52 0-15,0 0 16,18 18 47,0-1-32,0 1-31,36 17 15,69 18 17,-52-18-32,18-17 0,158 70 15,53 36 17,-229-107-17,124 72 1,-124-54-1,-18-18 1,-70-17 15,-1 0-15,19-17-16,-1 17 16,0-18-1,1 18 1,-1 35-1,-17 18 1,-36 36 0,-34 87 15,69-141-31,-52 89 31,17-36-15,36-70-1,18-1 1,17-34 15,17 17-15,18 17 0,-17 1-16,53 17 15,35-17 1,193 17 15,-105-35-31,89-53 16,-142 18-1,0-36 17,-141 36-17,-53 17 1,35 18-16</inkml:trace>
   <inkml:trace contextRef="#ctx0" brushRef="#br0" timeOffset="3068.383">3722 7003 0,'17'0'31,"1"0"-15,35 17 0,-35 1-16,-1 0 15,-17 34 1,0-34 0,-35 88 15,88-71 0,35-88-15</inkml:trace>
@@ -747,7 +747,7 @@
   <inkml:trace contextRef="#ctx0" brushRef="#br0" timeOffset="25818.182">10971 5221 0,'0'0'0,"18"18"0</inkml:trace>
   <inkml:trace contextRef="#ctx0" brushRef="#br0" timeOffset="26126.542">11236 5027 0,'0'0'16,"-35"-70"-1,17 70-15,18-18 16,-18 18 0,1 18-1,34 52 1,19-17-1,-19-18-15,1 18 16,35 18 0,-35-18-1,-18-18 17,0-17-17,-36-36-15</inkml:trace>
   <inkml:trace contextRef="#ctx0" brushRef="#br0" timeOffset="26312.704">11271 4921 0,'0'0'0,"36"18"15,-19-18 1,18 18-1,-17-18-15,0-18 16,35 0 0</inkml:trace>
-  <inkml:trace contextRef="#ctx0" brushRef="#br0" timeOffset="26710.1159">11536 4621 0,'0'0'0,"0"-17"16,17 17 15,1 17-31,53 36 16,52 35 0,-35 54 15,-35-37-16,-53-52-15,0 36 16,-53 16 0,-35-52-1,18-53 1</inkml:trace>
+  <inkml:trace contextRef="#ctx0" brushRef="#br0" timeOffset="26710.1158">11536 4621 0,'0'0'0,"0"-17"16,17 17 15,1 17-31,53 36 16,52 35 0,-35 54 15,-35-37-16,-53-52-15,0 36 16,-53 16 0,-35-52-1,18-53 1</inkml:trace>
   <inkml:trace contextRef="#ctx0" brushRef="#br0" timeOffset="27078.227">11906 4516 0,'0'0'0,"-53"-36"15,36 19 1,52-19-1,53 19 1,18 34 0,-35 19-1,-54-19-15,-17 36 16,-70 35 0,-19-17-1,37-36 1,87-17-1,88-18 1,36 17 0,-106-17-1</inkml:trace>
   <inkml:trace contextRef="#ctx0" brushRef="#br0" timeOffset="27343.452">12506 4992 0,'0'0'0,"-18"0"0,1-18 16,-1 18-16,36-17 15,52-1 1,54 0 0,-54 1-1,-17-1 1</inkml:trace>
   <inkml:trace contextRef="#ctx0" brushRef="#br0" timeOffset="27528.227">12612 4780 0,'0'0'0,"-18"-18"16,-17 1 0,88 105 15,-36-35-15,19 106-1,-19-18 1,1-106-16</inkml:trace>
@@ -775,7 +775,7 @@
   <inkml:trace contextRef="#ctx0" brushRef="#br0" timeOffset="36479.748">20973 5486 0,'0'0'0,"-53"17"16,0 19-1,35-19 1,53-17 0,54 18-1,52 0 1,-106-18-16</inkml:trace>
   <inkml:trace contextRef="#ctx0" brushRef="#br0" timeOffset="49919.596">22313 4868 0,'0'0'16,"-17"18"0,-1-18-16,-17 35 0,17-35 15,-35 53 1,18-18-16,-36 124 15,-35 212 17,142-213-1,193-122 16,-106-107-32,-34-17 1,-72 53-16,19-89 16,-54-52-1,-53 52 1,-17 89 0,35 53-1,-17 17 1,70 18-1,17-36 1</inkml:trace>
   <inkml:trace contextRef="#ctx0" brushRef="#br0" timeOffset="50370.401">23019 5574 0,'0'0'0,"17"18"31,-34-18 16,-1 0-32,0 17 1,1-17 0,-18 18-1,17-18 1,18-18-1,18-17 1,17 17 0,0 1-1,-17 17 1,-1 0 0,1 0-1</inkml:trace>
-  <inkml:trace contextRef="#ctx0" brushRef="#br0" timeOffset="50852.7199">23583 5098 0,'0'0'0,"18"-36"0,-1 1 15,-17 0 1,-17 35 0,-18 70-1,-18 36 1,35 0 0,0-53-16,18 53 15,18 17 1,53-35-1,34-35 1,19-70 15,-54-19-31,1-52 32,-53-18-17,-36 53 1,-106 36-1,72 34 1,-1 36 0,35 0-1,36-17 1,35-19-16</inkml:trace>
+  <inkml:trace contextRef="#ctx0" brushRef="#br0" timeOffset="50852.7198">23583 5098 0,'0'0'0,"18"-36"0,-1 1 15,-17 0 1,-17 35 0,-18 70-1,-18 36 1,35 0 0,0-53-16,18 53 15,18 17 1,53-35-1,34-35 1,19-70 15,-54-19-31,1-52 32,-53-18-17,-36 53 1,-106 36-1,72 34 1,-1 36 0,35 0-1,36-17 1,35-19-16</inkml:trace>
   <inkml:trace contextRef="#ctx0" brushRef="#br0" timeOffset="51235.857">24130 5186 0,'0'0'0,"0"-35"0,0-1 0,18-87 32,17 35-17,18 70 1,-18 18-16,18 18 15,35 52 1,-35 18 0,-35-17-1,-54 52 1,-52-34 0,0-19-1,53-35 1,17 1-1,53-1 1,71 0 0,53-17 15,-71-18-15,53-35-16</inkml:trace>
   <inkml:trace contextRef="#ctx0" brushRef="#br0" timeOffset="51935.908">25418 4815 0,'0'0'15,"-18"-35"1,18 17 0,-18 18 15,-35 0-31,-35 18 31,0 0-15,53-1-16,-18 1 15,0 0 1,53-1 15,0 1-15,0 0-16,0 17 16,0 35-1,18 1 1,-1 0-1,1-36 1,-1 0 15,-17-17-15,18-18 15,-18-18-15,53 0-1,18 18 1,17 0 0,-35 18-1,35 53 1,-53-36-16,0 18 16,1 35-1,-54-35 1,-88 0-1,-88-53 1,124 0 0</inkml:trace>
   <inkml:trace contextRef="#ctx0" brushRef="#br0" timeOffset="57205.255">12083 7691 0,'0'0'0,"-36"-18"16,19 0-16,-1 18 15,0 0 16,18 18 1,0 0-17,0 140 17,0-34-17,18-71 1,-18-18-16,0 0 15,18 1 1,-18-54 31,0 0-47,-18-70 16,0-35-1,18-1 1,0 54-16,36-54 31,52-17-31,53 53 31,18 88-15,-71 53 0,-35 53-1,-88 17 1,-71 0-1,-35-34 1,17-54 0,89-17-1,17-18 1,36 0 0,17 17-1,53 18 1,36 18-1,-18 18 17,-71-53-17,18 17-15</inkml:trace>
@@ -996,7 +996,7 @@
   <inkml:trace contextRef="#ctx0" brushRef="#br0" timeOffset="11555.219">6262 15769 0,'0'0'0,"17"-17"31,-17 34-31,0 1 0,18 70 16,-18 18 15,0 0-15,0-36-1,0-35 1,-18-17 0,1-53-1,-1-71 1,18 18-1,18-71 1,17 36 0,53 52 15,0 89-15,-17 17-1,-36 0 1,-35 71-1,-88-53 1,0-18 0,0-17-1,17 0-15</inkml:trace>
   <inkml:trace contextRef="#ctx0" brushRef="#br0" timeOffset="11806.282">6738 16034 0,'-18'0'15,"36"0"-15,-18 0 16,35 0-1,-17-18-15,105 18 16,-52 0 0,0-18-1</inkml:trace>
   <inkml:trace contextRef="#ctx0" brushRef="#br0" timeOffset="12005.403">6879 15840 0,'0'0'15,"-35"-18"-15,53 36 32,-18 35-17,17-36 1,1 89 0,-18 0-1,0-71-15,0 36 31,-18-54-31</inkml:trace>
-  <inkml:trace contextRef="#ctx0" brushRef="#br0" timeOffset="12256.8789">7302 15893 0,'0'0'0,"18"0"0,-36 17 32,1 54-17,-1-36 1,18 0-16,0-17 0,-17 88 31,17-53-15,0-18-1,0-17 1</inkml:trace>
+  <inkml:trace contextRef="#ctx0" brushRef="#br0" timeOffset="12256.8788">7302 15893 0,'0'0'0,"18"0"0,-36 17 32,1 54-17,-1-36 1,18 0-16,0-17 0,-17 88 31,17-53-15,0-18-1,0-17 1</inkml:trace>
   <inkml:trace contextRef="#ctx0" brushRef="#br0" timeOffset="12413.009">7267 16016 0,'0'-53'0,"0"106"0,0-159 16,18 0-1,-1 54 1,36 52-1,36 17 1,52 36 15</inkml:trace>
   <inkml:trace contextRef="#ctx0" brushRef="#br0" timeOffset="12572.442">7302 16034 0,'-17'0'16,"34"0"-16,-52 17 16,53-17-16,-1 0 15,36 0 1,18-17 0</inkml:trace>
   <inkml:trace contextRef="#ctx0" brushRef="#br0" timeOffset="13173.938">7832 15910 0,'0'-17'16,"0"34"-16,0-52 16,-18 35-1,18 18 1,-35 70-1,17-53 1,-17 53 0,0-17-1,17-36 1,18-53 15,35-52-15,0-36-1,-17 71 1,35-71 0,-18 53-16,1 53 15,-1 53 17,-18-18-32,19 89 31,52-1-16,0-70 1,-53-35 0,1-18-1,17-71 1,-18-52 0,-35-18-1,0 17 1,0 89-1,0 17 1,-18 36 0</inkml:trace>
@@ -1009,7 +1009,7 @@
   <inkml:trace contextRef="#ctx0" brushRef="#br0" timeOffset="16162.203">9437 15663 0,'-18'0'15,"1"-17"-15,-1-1 16,71 18 0,53 0-1,-1 0 1,-16 18-1,52-36 17,-141 0-17,0 1 1,-36 17 0,-52 0-1,53 35 1,0 53-1,35-52 1,53 52 0,17-53-1,1-35 1,-1-35 0,-52-36-1,-18 1 1,-53-1-1,18 18 1,17 53 0</inkml:trace>
   <inkml:trace contextRef="#ctx0" brushRef="#br0" timeOffset="16374.252">10195 15699 0,'0'0'0,"-17"0"15,17-18 1,17 18-16,1-18 16,52 18-1,19 0 1,-54-17-16</inkml:trace>
   <inkml:trace contextRef="#ctx0" brushRef="#br0" timeOffset="16540.636">10266 15522 0,'-18'0'16,"36"0"-16,-53 0 0,17 0 15,18 18-15,0 17 16,0 53-1,0 18 1,18-18 0,-1-35-1</inkml:trace>
-  <inkml:trace contextRef="#ctx0" brushRef="#br0" timeOffset="16975.1159">10477 15681 0,'0'0'0,"0"-35"0,0 17 16,0-35-16,36 18 15,17 35 17,35 35-17,0 36 1,-70-36-1,-36 0 1,-35-17 0,-17-18-1,34 0 1,54 18 15,53-1-15,-54 1-16,89 52 31,-88-52-31,-54 35 16,1-35-1,-53-1 17,17-34-17,54-1-15</inkml:trace>
+  <inkml:trace contextRef="#ctx0" brushRef="#br0" timeOffset="16975.1158">10477 15681 0,'0'0'0,"0"-35"0,0 17 16,0-35-16,36 18 15,17 35 17,35 35-17,0 36 1,-70-36-1,-36 0 1,-35-17 0,-17-18-1,34 0 1,54 18 15,53-1-15,-54 1-16,89 52 31,-88-52-31,-54 35 16,1-35-1,-53-1 17,17-34-17,54-1-15</inkml:trace>
   <inkml:trace contextRef="#ctx0" brushRef="#br0" timeOffset="17327.769">11042 15699 0,'18'0'16,"-36"0"-16,36-18 0,-36 18 15,-17 0 1,-1 35-1,36 18 1,0-35-16,0 52 16,36 1-1,34-18 17,36-53-17,-53-53 1,-35-35-1,-36 35 1,-70-18 0,35 54-1,-18 17 1,54 0-16</inkml:trace>
   <inkml:trace contextRef="#ctx0" brushRef="#br0" timeOffset="17636.975">11518 15381 0,'-17'-18'0,"34"36"0,-52-53 16,17 35-16,1-18 15,70 18 32,-18 0-47</inkml:trace>
   <inkml:trace contextRef="#ctx0" brushRef="#br0" timeOffset="17794.022">11553 15487 0,'0'0'15,"-88"18"16,176-1 1,-35-34-32,-17 17 15</inkml:trace>
@@ -1023,9 +1023,9 @@
   <inkml:trace contextRef="#ctx0" brushRef="#br0" timeOffset="21818.982">4727 16933 0,'-35'36'0,"70"-72"0,-176 125 32,370-89 15</inkml:trace>
   <inkml:trace contextRef="#ctx0" brushRef="#br0" timeOffset="22295.855">5715 16827 0,'0'0'15,"35"-17"-15,-17-18 0,35-18 16,-18-36 0,-35 54-1,-70-18 1,-72 36 0,-34 52-1,53 35 1,105 1-1,88 52 17,283 89-17,-300-177 1,35 36 0,-88-18-1,-264 17 16,193-70-31,-52 0 16,17-17 0,106-1-1</inkml:trace>
   <inkml:trace contextRef="#ctx0" brushRef="#br0" timeOffset="23210.043">6103 17057 0,'0'-18'16,"0"36"-16,-18-36 0,1 18 15,34 18 17,36-1-1,71-17 0,-107 0-31,19-17 16,-19-36-1,-52 18 1,-35-18 0,-1 35-1,18 36 1,0 52-1,53 107 17,35-124-17,-17-36 1,88 18 0,-71-35-16</inkml:trace>
-  <inkml:trace contextRef="#ctx0" brushRef="#br0" timeOffset="23579.6299">6403 16986 0,'0'-17'16,"0"34"-16,0-52 0,0 0 15,18 70 17,-1-17-32,18 52 31,-17 18-16,0-35-15,-18-17 32,0-54-1,17-35-15,-17 35-16,71-87 15,-36 69 1,18 19-1,-18 52 1,1 53 0,-19 0 15,-17-52-31</inkml:trace>
+  <inkml:trace contextRef="#ctx0" brushRef="#br0" timeOffset="23579.6298">6403 16986 0,'0'-17'16,"0"34"-16,0-52 0,0 0 15,18 70 17,-1-17-32,18 52 31,-17 18-16,0-35-15,-18-17 32,0-54-1,17-35-15,-17 35-16,71-87 15,-36 69 1,18 19-1,-18 52 1,1 53 0,-19 0 15,-17-52-31</inkml:trace>
   <inkml:trace contextRef="#ctx0" brushRef="#br0" timeOffset="23901.088">7038 17039 0,'18'-17'0,"-36"34"0,71-70 31,-53 0-31,-18 36 31,-35 17-15,0 17-1,36 1-15,-19 35 16,36-18 0,53 18-1,18 0 1,-36 0 0,-35-35-1,-17-1 1,-36 1 15,0-18-15</inkml:trace>
-  <inkml:trace contextRef="#ctx0" brushRef="#br0" timeOffset="24116.8299">7250 17057 0,'17'-18'15,"-34"36"-15,34-53 0,-17 17 16,0 36 15,0 17-15,0 0-16,18 53 16,17 0 15,-35-70-16</inkml:trace>
+  <inkml:trace contextRef="#ctx0" brushRef="#br0" timeOffset="24116.8298">7250 17057 0,'17'-18'15,"-34"36"-15,34-53 0,-17 17 16,0 36 15,0 17-15,0 0-16,18 53 16,17 0 15,-35-70-16</inkml:trace>
   <inkml:trace contextRef="#ctx0" brushRef="#br0" timeOffset="24264.941">7355 16739 0,'0'-35'0,"0"70"0,0-88 16,-17 36-16,17 34 31</inkml:trace>
   <inkml:trace contextRef="#ctx0" brushRef="#br0" timeOffset="24478.506">7549 16775 0,'0'0'0,"0"-18"0,0 0 15,0 36 1,0 0 0,18 87-1,0-16 1,-18 16 0,17 54-1,-17-141-15</inkml:trace>
   <inkml:trace contextRef="#ctx0" brushRef="#br0" timeOffset="24828.845">7444 17110 0,'-18'-36'16,"36"72"-16,-36-89 15,53 35-15,18 18 16,0 0-1,35 0 1,36 0 0,-54 0-1,-70-17 1,0-1 0,-17-17-1,17 52 16,17 1-15,-17 17-16,36 71 31,-19-88-31,-17 52 16</inkml:trace>
@@ -1040,7 +1040,7 @@
   <inkml:trace contextRef="#ctx0" brushRef="#br0" timeOffset="49839.084">15452 14129 0,'-36'0'0,"72"0"0,-89 0 16,35 0-16,53 17 15,-17 1 1,88 35 0,-18-18-1,36 36 1,-54-36 0,-35-17-16</inkml:trace>
   <inkml:trace contextRef="#ctx0" brushRef="#br0" timeOffset="50020.983">16210 14252 0,'0'0'31,"53"-53"-31,-53 36 0,18 17 0,-36 17 16,-70 36 15,-159 106 0,194-124-31,0 1 0</inkml:trace>
   <inkml:trace contextRef="#ctx0" brushRef="#br0" timeOffset="51272.846">14764 15117 0,'17'0'0,"-34"0"0,34-18 0,1 18 16,0-18-16,-1 1 0,-17-1 15,18 0-15,-18 1 16,0-1-16,-18 0 15,1 18 1,-36 0-16,-212 106 47,195 18-16,87-107-31,36 19 16,71 17-1,17-1 1,-71-16 0,-70-19-1,-88 19 1,-71-19 15,-17 1-15,70-36-1,71 1 1,35-1-16</inkml:trace>
-  <inkml:trace contextRef="#ctx0" brushRef="#br0" timeOffset="51806.7989">14975 15064 0,'0'0'16,"18"0"15,-18 17-31,0 1 16,0 17-16,0 0 0,0 195 46,0-177-46,0 105 16,-18-69 0,1-1 15,17-106-15,0-35-1,-18 18-15,18-106 16,0-71 15,18 159-31,-1 0 16,36 36-1,36 34 1,-19 36 15,-35-17-15,-35 16-1,-88-16 1,0-19 0,-36 1-1,89-18-15</inkml:trace>
+  <inkml:trace contextRef="#ctx0" brushRef="#br0" timeOffset="51806.7988">14975 15064 0,'0'0'16,"18"0"15,-18 17-31,0 1 16,0 17-16,0 0 0,0 195 46,0-177-46,0 105 16,-18-69 0,1-1 15,17-106-15,0-35-1,-18 18-15,18-106 16,0-71 15,18 159-31,-1 0 16,36 36-1,36 34 1,-19 36 15,-35-17-15,-35 16-1,-88-16 1,0-19 0,-36 1-1,89-18-15</inkml:trace>
   <inkml:trace contextRef="#ctx0" brushRef="#br0" timeOffset="52272.512">15328 15293 0,'0'-18'16,"18"18"15,35 0 0,-36 0-31,19 18 32,-19-18-32,19-18 15,-19-17 16,-17 17-15,-17 1-16,-36-19 16,0 36-1,-53 53 17,88-17-17,36 52 1,17-35-1,36 0 1,35-53 0</inkml:trace>
   <inkml:trace contextRef="#ctx0" brushRef="#br0" timeOffset="53639.6049">15822 15064 0,'0'-18'16,"0"36"-16,18-54 0,-18 19 0,17-1 15,-17 0-15,0 1 16,0-1-16,0 0 0,-35 36 31,17 0-31,-52 211 32,105 53 14,0-141-30,-17-35 0,-53-70-1,-36-36 1,-17-89 0,17-34-1,71-1 1,18 71-1,53 1 1,-1 34 0,18 18-1,-35 0 1,36 0 15,-89-18-15,35 1-1,-35-1 1,0 0 0,0 36 15,17 17-15,-17-17-16,18 52 15,0-17 1,-18-17-1</inkml:trace>
   <inkml:trace contextRef="#ctx0" brushRef="#br0" timeOffset="53789.115">16069 15081 0,'-18'-17'0,"36"34"0,-53-17 31,35 18-15</inkml:trace>
@@ -1066,7 +1066,7 @@
   <inkml:trace contextRef="#ctx0" brushRef="#br0" timeOffset="63827.974">18944 16633 0,'0'-17'16,"0"34"-16,0-17 46,18 71-30,-18-36 0,0 53-1,0-17 1,0-36-16</inkml:trace>
   <inkml:trace contextRef="#ctx0" brushRef="#br0" timeOffset="64127.853">18944 16722 0,'0'0'0,"0"-36"0,0 1 0,0 0 16,0-18 0,35 0-1,36 35 1,17 36-1,0 17 17,-88 1-32,0-1 15,-70 0 1,-18 0 0,52-17-1,-34 0 16,70-36-31</inkml:trace>
   <inkml:trace contextRef="#ctx0" brushRef="#br0" timeOffset="64396.922">19367 16792 0,'0'0'0,"18"-17"15,0 17 1,17-18-16,0 18 0,71 0 31,-18 0-31</inkml:trace>
-  <inkml:trace contextRef="#ctx0" brushRef="#br0" timeOffset="64595.7969">19526 16633 0,'0'0'15,"0"-17"-15,-17 17 0,34 17 32,-17 1-32,18 17 15,17 54 1,-17 16 0,-1-34-1</inkml:trace>
+  <inkml:trace contextRef="#ctx0" brushRef="#br0" timeOffset="64595.7968">19526 16633 0,'0'0'15,"0"-17"-15,-17 17 0,34 17 32,-17 1-32,18 17 15,17 54 1,-17 16 0,-1-34-1</inkml:trace>
   <inkml:trace contextRef="#ctx0" brushRef="#br0" timeOffset="65001.08">19897 16633 0,'-18'0'0,"36"0"0,-54-17 0,36-1 16,18 1 0,141 17 15,-71-18-31,35 18 16,-123 0 15,-17 0-16,-89 0 1,35 0 0,36 18-1,17 34 1,1 107 0,34-88-1,19-1 1,-19-34-1</inkml:trace>
   <inkml:trace contextRef="#ctx0" brushRef="#br0" timeOffset="65531.447">20373 16686 0,'0'0'0,"0"-17"0,0 52 31,0-17-31,0-1 16,-18 36-1,1 53 1,-1 0 0,18-88-1,18-36 16,-1 0-31,1-70 16,0-18 0,-1 18-1,36 17 17,-35 89-32,17 53 15,0-1 1,18 36 15,18-18-15,-1-70-1,-17-36 1,-35-141 15,-18 107-31,-18-19 16,1-17-1,-1 88 1,0 17 0</inkml:trace>
   <inkml:trace contextRef="#ctx0" brushRef="#br0" timeOffset="66329.209">16933 17833 0,'0'-18'15,"18"18"-15,0-17 16,70 17 0</inkml:trace>
@@ -1135,12 +1135,12 @@
   <inkml:trace contextRef="#ctx0" brushRef="#br0" timeOffset="136614.228">19914 12312 0,'-70'0'15,"140"0"-15,-158 0 0,70 0 16,1 0-16,17 35 31,0-17-31,53 52 16,-18-34-1,36 17 1,17-36 0,-35-17-1,-36-35 1,-52-71 15,-53 36-15,17 34-16,-35 1 31,89 35-15,34 35-1,36-35 1,53 18-1,18-53 1,-54 17 0,1-17-1,-36 17 1,-35 0 0,-18 18-1,18 18 1,-17 35-1,17 18 1,0-1 0,35-17-1,0-18 17,54-35-17,-54-17 1,18-36-1,-36 0 1,1-71 15,-18 142-15,0 17 0,0 1-1,0-1-15,35 35 16,18-34-1,-18-36 1,36-36 0,0-34-1,-54-142 17,-34 106-17,-19-17 1,-17 70-1,18 141 1,35-53 0,18 54-1,35 52 1,17-18 0,1-52-1,-18-54 1</inkml:trace>
   <inkml:trace contextRef="#ctx0" brushRef="#br0" timeOffset="137293.925">21114 11977 0,'0'0'0,"-18"-18"15,0 18-15,36 0 31,0 0-31,-1 0 16,89-17 0</inkml:trace>
   <inkml:trace contextRef="#ctx0" brushRef="#br0" timeOffset="137444.769">21096 12171 0,'0'0'16,"-53"35"-16,71-17 31,-1-18-31,107-18 16,52 0-1,-87-17 1</inkml:trace>
-  <inkml:trace contextRef="#ctx0" brushRef="#br0" timeOffset="138275.8549">22031 11642 0,'-18'0'16,"36"0"-16,-71-18 0,35 18 31,18-18-31,18 18 47,-36 0 125,1 0-172,34 0 47,19 0-47,-1 0 16,0 0-16,71-17 15,0 17 1,17 0-1,-70-18 1,-70 18 0</inkml:trace>
+  <inkml:trace contextRef="#ctx0" brushRef="#br0" timeOffset="138275.8548">22031 11642 0,'-18'0'16,"36"0"-16,-71-18 0,35 18 31,18-18-31,18 18 47,-36 0 125,1 0-172,34 0 47,19 0-47,-1 0 16,0 0-16,71-17 15,0 17 1,17 0-1,-70-18 1,-70 18 0</inkml:trace>
   <inkml:trace contextRef="#ctx0" brushRef="#br0" timeOffset="138441.8959">22225 11589 0,'0'0'15,"-18"0"-15,18 17 0,0 1 16,18 35-1,0 88 17,-1-53-32,-17 18 31,0-71-31</inkml:trace>
   <inkml:trace contextRef="#ctx0" brushRef="#br0" timeOffset="138976.15">22454 11730 0,'0'0'15,"0"-53"-15,-17 35 16,17 36 0,17 0-1,1 34 1,-18-16-16,18 34 15,17 1 1,-35-53 15,0-54-15,-18 19 0,1-72-1,17-16 1,17 52-1,1 35 1,35 53 0,-18 53-1,18-17 1,18-18 0,-19-35-1,-16-18 1,-36-53-1,-36-88 17,1-1-17,18 90 1,34 16 0,18 89-1,18 18-15</inkml:trace>
   <inkml:trace contextRef="#ctx0" brushRef="#br0" timeOffset="139292.37">21749 12524 0,'0'0'16,"-36"17"-16,54-17 15,35 0 1,0-17-16,35-1 16,247-53-1,89 1 1,-36-1-1,-177 36 1,-70 35 0,-123 0-16</inkml:trace>
   <inkml:trace contextRef="#ctx0" brushRef="#br0" timeOffset="140013.74">21802 12929 0,'-18'0'0,"36"0"0,-54 0 16,36-17 0,18 17-1,0-18-15,17 18 16,53-35-16,-35 35 16,71-36-1,122-16 1,-263 52 15</inkml:trace>
-  <inkml:trace contextRef="#ctx0" brushRef="#br0" timeOffset="140210.3299">21978 12823 0,'-18'0'16,"1"18"-16,105-53 15,-141 52-15,124 72 31,-36-36-15,-17 17 0,-1-35-16,-17 71 15,35-35 17,-17-54-32</inkml:trace>
+  <inkml:trace contextRef="#ctx0" brushRef="#br0" timeOffset="140210.3298">21978 12823 0,'-18'0'16,"1"18"-16,105-53 15,-141 52-15,124 72 31,-36-36-15,-17 17 0,-1-35-16,-17 71 15,35-35 17,-17-54-32</inkml:trace>
   <inkml:trace contextRef="#ctx0" brushRef="#br0" timeOffset="140776.693">22472 12841 0,'-18'-18'16,"36"36"0,-53-36-16,17 36 0,18 0 15,0 70 1,18-35-1,17 53 1,-17-36 0,-1-34-1,-17-54 17,0-17-17,-17-36 1,17-52-1,17-1 1,18 71 0,-17 53-1,17 53 1,18 35 0,0 0-1,0-35 1,-35-35-1,17-36 1,0-35 15,-17-17-15,-18-54 0,0 19-1,0 34 1,0 89-1,-18-1 1,18 36 0</inkml:trace>
   <inkml:trace contextRef="#ctx0" brushRef="#br0" timeOffset="140979.198">23125 12894 0,'17'-18'31,"1"18"-31,52-17 16,-34-1 0,-19 18-16,54-18 15,-53 1-15</inkml:trace>
   <inkml:trace contextRef="#ctx0" brushRef="#br0" timeOffset="141142.4809">23230 12718 0,'-17'0'15,"-1"0"-15,106 0 16,-141 0-16,0 0 0,53 17 16,0 1-16,36 70 15,-19 18 1,19-18-1,-19-53 1</inkml:trace>
@@ -1151,7 +1151,7 @@
   <inkml:trace contextRef="#ctx0" brushRef="#br0" timeOffset="142579.608">24059 12083 0,'-35'35'16,"70"-70"-16,-52 70 0,34-35 15,19 0-15,34-18 16,124-17 0</inkml:trace>
   <inkml:trace contextRef="#ctx0" brushRef="#br0" timeOffset="144395.4259">25823 11483 0,'0'0'16,"-17"0"-16,-1 0 15,0 0-15,1 0 32,17-18-1,159-17 0,-71 35-15,-18-18-1,18 1 1,-88 52 15,0-17-31,-17 70 16,17-18 0,17 54-1,36-18 1,-35-53-1,0-36 1</inkml:trace>
   <inkml:trace contextRef="#ctx0" brushRef="#br0" timeOffset="144561.4339">26000 11730 0,'-36'-18'16,"72"36"-16,-89-53 0,53 17 31,17 0-31,36 1 16,71-1-1,-71 0 1</inkml:trace>
-  <inkml:trace contextRef="#ctx0" brushRef="#br0" timeOffset="145033.8549">26405 11465 0,'0'0'15,"-17"-17"-15,-19-19 16,19 19 0,-1-36-1,18 35 1,53 36 0,-18-1-1,18 1 1,-35 0-1,17-1 1,-35 1 0,-17-18 15,-1 18-15,18-1 15,18 1-16,-1-18 1,19 18-16,-19-1 16,54 18-1,-54-17 1,1 35 0,-53-18-1,-18 1 1,0-36-1,-35-36 1,88 19 0</inkml:trace>
+  <inkml:trace contextRef="#ctx0" brushRef="#br0" timeOffset="145033.8548">26405 11465 0,'0'0'15,"-17"-17"-15,-19-19 16,19 19 0,-1-36-1,18 35 1,53 36 0,-18-1-1,18 1 1,-35 0-1,17-1 1,-35 1 0,-17-18 15,-1 18-15,18-1 15,18 1-16,-1-18 1,19 18-16,-19-1 16,54 18-1,-54-17 1,1 35 0,-53-18-1,-18 1 1,0-36-1,-35-36 1,88 19 0</inkml:trace>
   <inkml:trace contextRef="#ctx0" brushRef="#br0" timeOffset="145311.4579">26723 11271 0,'0'0'0,"0"-17"15,18-1-15,-18 0 16,17 1 0,-17 34-1,18 19 1,-1-1 0,-17-17-1,0-1 1,-35-17-1,18-17 1,17-1 0,0 0 15,17 1-31</inkml:trace>
   <inkml:trace contextRef="#ctx0" brushRef="#br0" timeOffset="145545.174">27005 11271 0,'18'-17'0,"-36"34"0,36-52 16,-1 17-16,-17 36 31,0 0-15,0 35-1,0-18-15,-17 88 16,-1-35 0,0-35-1</inkml:trace>
   <inkml:trace contextRef="#ctx0" brushRef="#br0" timeOffset="145814.677">27305 11589 0,'0'0'0,"0"-18"0,-18 18 15,18-18-15,0 1 78,0-1-62,18 1 0,-36 17 15</inkml:trace>
@@ -1159,7 +1159,7 @@
   <inkml:trace contextRef="#ctx0" brushRef="#br0" timeOffset="149745.741">18362 6650 0,'-53'-53'16,"36"18"-16,158 176 16,-318-335-16,283 335 0,-212-300 0,89 141 15,17-17 1,17 18 0,124-19 15,-88 36-31,18-17 15</inkml:trace>
   <inkml:trace contextRef="#ctx0" brushRef="#br0" timeOffset="150063.623">18997 6368 0,'0'0'0,"35"0"0,-17-18 0,0 0 16,-18 1-16,17-1 16,1-17-1,-53 0 1,-106 70 15,88 18-31,35-36 16,0 54-1,36 17 1,17-53 0,53 1-1,18-54 1</inkml:trace>
   <inkml:trace contextRef="#ctx0" brushRef="#br0" timeOffset="150332.744">19262 6368 0,'0'0'0,"17"-36"0,1-17 16,-18 18 0,0-18-1,0 36 1,-18 17 0,-17 53-1,0-1 1,17 37-1,18-19 1,35-35 0,36-17-1,17-36 1,0-34 0</inkml:trace>
-  <inkml:trace contextRef="#ctx0" brushRef="#br0" timeOffset="151482.3899">19544 6191 0,'0'-17'16,"-18"-1"0,18 0-16,18 89 15,-18-89-15,-18-17 32,18 53-17,0 17 1,0 18-1,18 17 1,-18-52 0,18 17-16,34-17 15,-16-18 1,17-35 0,-36-18 15,1-35-16,-18 17 1,18 53 0,-18 18-1,0 53 1,35 35 0,18 36 15,-36-106-16,1-36 1,-18 0-16,18-35 16,-18 0-1,-18-17 1,18-1 0,0 54 15,35 52 0,36 18-15,-36 0-16,-17 0 15,-18-36 1,0 1 0,-18-18-1,0-53 1,18-35-1,18 0 1,17 52 0,36 19-1,17 34 1,-35 19 0,18-1 15,-36-35-16,-35 18 1,0-54 0,0-17-1,-35 18 1,17 17 0,-17 18-1,-1 53 1,19 18-1,-1 17 1,18-17 0,35-36-1,-17-17 1,35-36 0,-18-35-1,-17 0 16,0 0-15,-1 53 0,1 53 15,-1 0-31,1-18 16,0 1-1,-1-36-15</inkml:trace>
+  <inkml:trace contextRef="#ctx0" brushRef="#br0" timeOffset="151482.3898">19544 6191 0,'0'-17'16,"-18"-1"0,18 0-16,18 89 15,-18-89-15,-18-17 32,18 53-17,0 17 1,0 18-1,18 17 1,-18-52 0,18 17-16,34-17 15,-16-18 1,17-35 0,-36-18 15,1-35-16,-18 17 1,18 53 0,-18 18-1,0 53 1,35 35 0,18 36 15,-36-106-16,1-36 1,-18 0-16,18-35 16,-18 0-1,-18-17 1,18-1 0,0 54 15,35 52 0,36 18-15,-36 0-16,-17 0 15,-18-36 1,0 1 0,-18-18-1,0-53 1,18-35-1,18 0 1,17 52 0,36 19-1,17 34 1,-35 19 0,18-1 15,-36-35-16,-35 18 1,0-54 0,0-17-1,-35 18 1,17 17 0,-17 18-1,-1 53 1,19 18-1,-1 17 1,18-17 0,35-36-1,-17-17 1,35-36 0,-18-35-1,-17 0 16,0 0-15,-1 53 0,1 53 15,-1 0-31,1-18 16,0 1-1,-1-36-15</inkml:trace>
   <inkml:trace contextRef="#ctx0" brushRef="#br0" timeOffset="152199.737">20708 6156 0,'35'-53'15,"-35"0"1,-53 177-16,71-142 0,17-106 0,-35 107 16,-17 17-1,-19 17 1,-17 19-1,18 70 17,35-71-32,18 0 15,35 0 1,0-17 0,35-36-1,-35-34 1,-36-37-1,-17 19 1,0 34 0,-17 36-1,17 36 1,17 34 0,1 1 15,17-53-16,1-18 1,17-53 0,-1-71 15,-34 71-31,-18 36 16,0 87 15,18-17-31,-18 71 15,35 105 1,18-35 0,-35-35-1,-124-89 17,18-87-17,-18-54 1,18-70-1,88 35 1,52 18 0,72 17-1,-18 54 1,-53-1 0</inkml:trace>
   <inkml:trace contextRef="#ctx0" brushRef="#br0" timeOffset="152397.631">21502 5980 0,'0'0'0,"-18"-18"0,1 0 15,17 1-15,17-1 16,1 18-1,17 0 1,-17 18-16</inkml:trace>
   <inkml:trace contextRef="#ctx0" brushRef="#br0" timeOffset="152517.8809">21449 6103 0,'-18'18'0,"36"-36"0,-53 36 15,70-18 1,-17 0-1,17 0-15,88-36 16</inkml:trace>
@@ -1169,7 +1169,7 @@
   <inkml:trace contextRef="#ctx0" brushRef="#br0" timeOffset="154910.252">24624 5292 0,'-53'-18'16,"18"0"-1,158 71 1,-158-70-16,-53 17 16,105 35-1,36 53 1,-17 18-1,34 0 17,-52-89-32</inkml:trace>
   <inkml:trace contextRef="#ctx0" brushRef="#br0" timeOffset="155132.663">24994 5292 0,'0'0'16,"0"-18"0,18 53 15,0 18-31,-1-35 16,1 35-1,17 35 1,-17-35-1,-1-18-15</inkml:trace>
   <inkml:trace contextRef="#ctx0" brushRef="#br0" timeOffset="155317.346">25047 5362 0,'-17'-53'0,"34"106"0,-52-176 15,17 70 1,18 18-16,18 17 15,17 18 1,89 0 15,-54 18-31,1-1 16</inkml:trace>
-  <inkml:trace contextRef="#ctx0" brushRef="#br0" timeOffset="155484.3819">25047 5345 0,'-17'0'0,"34"0"0,-52 17 16,17-17-16,18 18 15,36-18 1,52 0 0,18-18-1,-53 1 1</inkml:trace>
+  <inkml:trace contextRef="#ctx0" brushRef="#br0" timeOffset="155484.3818">25047 5345 0,'-17'0'0,"34"0"0,-52 17 16,17-17-16,18 18 15,36-18 1,52 0 0,18-18-1,-53 1 1</inkml:trace>
   <inkml:trace contextRef="#ctx0" brushRef="#br0" timeOffset="155966.037">25559 5186 0,'0'0'15,"-36"-18"-15,19 18 16,34 53 15,1-18-15,17 36-1,1-1 1,-1 1 0,-17-18-16,-18-35 15,0-36 16,-18-35-15,-17-35 0,17 0-1,18 35 1,0-18-16,35-35 31,1 89-15,34 34-1,-35 1 1,1 53 0,-36-54-1,-71 18 1,1-17 0,17 0-16</inkml:trace>
   <inkml:trace contextRef="#ctx0" brushRef="#br0" timeOffset="156718.319">23142 5292 0,'0'0'16,"0"17"-16,-17 19 15,-1-19 1,0 107 0,159 193 15,159-211-15</inkml:trace>
   <inkml:trace contextRef="#ctx0" brushRef="#br0" timeOffset="157099.727">26088 5009 0,'0'0'0,"18"0"16,-1 0-1,1 0-15,-1 0 16,19 0-16,52 53 31,35 88-31,-17 106 32,-106-194-17,-70 71-15</inkml:trace>
@@ -1207,7 +1207,7 @@
   <inkml:trace contextRef="#ctx0" brushRef="#br0" timeOffset="171023.18">30850 5838 0,'0'0'0,"-35"-35"0,35 18 15,-18-1-15,1 18 31,17 18-31,17 17 16,54 53 15,-53-70-15,17 17-16,36 53 31,-71-70-15,-18-1-1,-35 1 1,18-18-16</inkml:trace>
   <inkml:trace contextRef="#ctx0" brushRef="#br0" timeOffset="171213.5639">30868 5786 0,'0'0'16,"0"-53"-16,-18 35 15,18 0-15,18 18 32,0 0-17,-1 18-15,54 0 32,-18-18-32</inkml:trace>
   <inkml:trace contextRef="#ctx0" brushRef="#br0" timeOffset="171556.611">31168 5680 0,'0'-18'0,"0"36"15,-18-36-15,18 36 16,36-1-1,-36 1 1,35 17-16,-18-17 16,1 17 15,-36-35-15,-34-17-1,52-1 1,0-17-1,0-1 1,17 19 0,1 17-1,-1 0-15</inkml:trace>
-  <inkml:trace contextRef="#ctx0" brushRef="#br0" timeOffset="171789.9549">31468 5715 0,'0'-35'16,"0"70"-16,0-53 31,17 71-16,-17-35-15,0 52 16,0 19 0,-17 34-1</inkml:trace>
+  <inkml:trace contextRef="#ctx0" brushRef="#br0" timeOffset="171789.9548">31468 5715 0,'0'-35'16,"0"70"-16,0-53 31,17 71-16,-17-35-15,0 52 16,0 19 0,-17 34-1</inkml:trace>
   <inkml:trace contextRef="#ctx0" brushRef="#br0" timeOffset="172089.744">31679 5980 0,'0'0'0,"0"-18"0,-17 18 15,17-18 95,17 18-95,1 18 1,0-18 0,-18 18-16</inkml:trace>
   <inkml:trace contextRef="#ctx0" brushRef="#br0" timeOffset="172443.244">29669 6791 0,'0'0'0,"-159"18"16,141-18-1,36-18 1,88 0-16,70-17 16,89 17-1,246-35 1,195 18 15,-548 35-31,125 0 16,-160 0-1,-176 0 1</inkml:trace>
   <inkml:trace contextRef="#ctx0" brushRef="#br0" timeOffset="173040.313">30180 7426 0,'18'0'0,"-36"0"15,53-18-15,-17 1 16,17-19-16,36 19 47,-71 34-32,0 19-15,18 17 16,-1 52 0,1-52-1,17-17 17,-17-36-32,17-36 15,53-87 1,71-54-1,88-87 17,-177 211-32,89-53 31,-124 106-15,18 35-1,-17 18 1,-19-35-1,-34-18 17</inkml:trace>
@@ -1599,7 +1599,7 @@
           <a:p>
             <a:fld id="{4AF2A06D-4991-4208-8C88-4E8BAD69A8B8}" type="datetimeFigureOut">
               <a:rPr lang="en-US" smtClean="0"/>
-              <a:t>11/22/2021</a:t>
+              <a:t>1/9/2022</a:t>
             </a:fld>
             <a:endParaRPr lang="en-US"/>
           </a:p>
@@ -2307,7 +2307,7 @@
           <a:p>
             <a:fld id="{E26E0DA5-0C76-4851-AA82-0B75261F9EB4}" type="datetimeFigureOut">
               <a:rPr lang="en-US" smtClean="0"/>
-              <a:t>11/22/2021</a:t>
+              <a:t>1/9/2022</a:t>
             </a:fld>
             <a:endParaRPr lang="en-US"/>
           </a:p>
@@ -2475,7 +2475,7 @@
           <a:p>
             <a:fld id="{E26E0DA5-0C76-4851-AA82-0B75261F9EB4}" type="datetimeFigureOut">
               <a:rPr lang="en-US" smtClean="0"/>
-              <a:t>11/22/2021</a:t>
+              <a:t>1/9/2022</a:t>
             </a:fld>
             <a:endParaRPr lang="en-US"/>
           </a:p>
@@ -2653,7 +2653,7 @@
           <a:p>
             <a:fld id="{E26E0DA5-0C76-4851-AA82-0B75261F9EB4}" type="datetimeFigureOut">
               <a:rPr lang="en-US" smtClean="0"/>
-              <a:t>11/22/2021</a:t>
+              <a:t>1/9/2022</a:t>
             </a:fld>
             <a:endParaRPr lang="en-US"/>
           </a:p>
@@ -2777,7 +2777,7 @@
             <a:fld id="{425404F2-BE9A-4460-8815-8F645183555F}" type="datetimeFigureOut">
               <a:rPr lang="en-US" smtClean="0"/>
               <a:pPr/>
-              <a:t>11/22/2021</a:t>
+              <a:t>1/9/2022</a:t>
             </a:fld>
             <a:endParaRPr lang="en-US"/>
           </a:p>
@@ -2959,7 +2959,7 @@
             <a:fld id="{425404F2-BE9A-4460-8815-8F645183555F}" type="datetimeFigureOut">
               <a:rPr lang="en-US" smtClean="0"/>
               <a:pPr/>
-              <a:t>11/22/2021</a:t>
+              <a:t>1/9/2022</a:t>
             </a:fld>
             <a:endParaRPr lang="en-US"/>
           </a:p>
@@ -3141,7 +3141,7 @@
             <a:fld id="{425404F2-BE9A-4460-8815-8F645183555F}" type="datetimeFigureOut">
               <a:rPr lang="en-US" smtClean="0"/>
               <a:pPr/>
-              <a:t>11/22/2021</a:t>
+              <a:t>1/9/2022</a:t>
             </a:fld>
             <a:endParaRPr lang="en-US"/>
           </a:p>
@@ -3323,7 +3323,7 @@
             <a:fld id="{425404F2-BE9A-4460-8815-8F645183555F}" type="datetimeFigureOut">
               <a:rPr lang="en-US" smtClean="0"/>
               <a:pPr/>
-              <a:t>11/22/2021</a:t>
+              <a:t>1/9/2022</a:t>
             </a:fld>
             <a:endParaRPr lang="en-US"/>
           </a:p>
@@ -3505,7 +3505,7 @@
             <a:fld id="{425404F2-BE9A-4460-8815-8F645183555F}" type="datetimeFigureOut">
               <a:rPr lang="en-US" smtClean="0"/>
               <a:pPr/>
-              <a:t>11/22/2021</a:t>
+              <a:t>1/9/2022</a:t>
             </a:fld>
             <a:endParaRPr lang="en-US"/>
           </a:p>
@@ -3687,7 +3687,7 @@
             <a:fld id="{425404F2-BE9A-4460-8815-8F645183555F}" type="datetimeFigureOut">
               <a:rPr lang="en-US" smtClean="0"/>
               <a:pPr/>
-              <a:t>11/22/2021</a:t>
+              <a:t>1/9/2022</a:t>
             </a:fld>
             <a:endParaRPr lang="en-US"/>
           </a:p>
@@ -3869,7 +3869,7 @@
             <a:fld id="{425404F2-BE9A-4460-8815-8F645183555F}" type="datetimeFigureOut">
               <a:rPr lang="en-US" smtClean="0"/>
               <a:pPr/>
-              <a:t>11/22/2021</a:t>
+              <a:t>1/9/2022</a:t>
             </a:fld>
             <a:endParaRPr lang="en-US"/>
           </a:p>
@@ -4051,7 +4051,7 @@
             <a:fld id="{425404F2-BE9A-4460-8815-8F645183555F}" type="datetimeFigureOut">
               <a:rPr lang="en-US" smtClean="0"/>
               <a:pPr/>
-              <a:t>11/22/2021</a:t>
+              <a:t>1/9/2022</a:t>
             </a:fld>
             <a:endParaRPr lang="en-US"/>
           </a:p>
@@ -4277,7 +4277,7 @@
           <a:p>
             <a:fld id="{E26E0DA5-0C76-4851-AA82-0B75261F9EB4}" type="datetimeFigureOut">
               <a:rPr lang="en-US" smtClean="0"/>
-              <a:t>11/22/2021</a:t>
+              <a:t>1/9/2022</a:t>
             </a:fld>
             <a:endParaRPr lang="en-US"/>
           </a:p>
@@ -4401,7 +4401,7 @@
             <a:fld id="{425404F2-BE9A-4460-8815-8F645183555F}" type="datetimeFigureOut">
               <a:rPr lang="en-US" smtClean="0"/>
               <a:pPr/>
-              <a:t>11/22/2021</a:t>
+              <a:t>1/9/2022</a:t>
             </a:fld>
             <a:endParaRPr lang="en-US"/>
           </a:p>
@@ -4583,7 +4583,7 @@
             <a:fld id="{425404F2-BE9A-4460-8815-8F645183555F}" type="datetimeFigureOut">
               <a:rPr lang="en-US" smtClean="0"/>
               <a:pPr/>
-              <a:t>11/22/2021</a:t>
+              <a:t>1/9/2022</a:t>
             </a:fld>
             <a:endParaRPr lang="en-US"/>
           </a:p>
@@ -4765,7 +4765,7 @@
             <a:fld id="{425404F2-BE9A-4460-8815-8F645183555F}" type="datetimeFigureOut">
               <a:rPr lang="en-US" smtClean="0"/>
               <a:pPr/>
-              <a:t>11/22/2021</a:t>
+              <a:t>1/9/2022</a:t>
             </a:fld>
             <a:endParaRPr lang="en-US"/>
           </a:p>
@@ -5150,7 +5150,7 @@
             <a:fld id="{9578D6DB-6798-42D2-B9AD-FC6F1C72FC30}" type="datetimeFigureOut">
               <a:rPr lang="en-US" smtClean="0"/>
               <a:pPr/>
-              <a:t>11/22/2021</a:t>
+              <a:t>1/9/2022</a:t>
             </a:fld>
             <a:endParaRPr lang="en-US"/>
           </a:p>
@@ -5392,7 +5392,7 @@
             <a:fld id="{425404F2-BE9A-4460-8815-8F645183555F}" type="datetimeFigureOut">
               <a:rPr lang="en-US" smtClean="0"/>
               <a:pPr/>
-              <a:t>11/22/2021</a:t>
+              <a:t>1/9/2022</a:t>
             </a:fld>
             <a:endParaRPr lang="en-US"/>
           </a:p>
@@ -5520,7 +5520,7 @@
             <a:fld id="{425404F2-BE9A-4460-8815-8F645183555F}" type="datetimeFigureOut">
               <a:rPr lang="en-US" smtClean="0"/>
               <a:pPr/>
-              <a:t>11/22/2021</a:t>
+              <a:t>1/9/2022</a:t>
             </a:fld>
             <a:endParaRPr lang="en-US"/>
           </a:p>
@@ -5770,7 +5770,7 @@
             <a:fld id="{425404F2-BE9A-4460-8815-8F645183555F}" type="datetimeFigureOut">
               <a:rPr lang="en-US" smtClean="0"/>
               <a:pPr/>
-              <a:t>11/22/2021</a:t>
+              <a:t>1/9/2022</a:t>
             </a:fld>
             <a:endParaRPr lang="en-US"/>
           </a:p>
@@ -5940,7 +5940,7 @@
             <a:fld id="{425404F2-BE9A-4460-8815-8F645183555F}" type="datetimeFigureOut">
               <a:rPr lang="en-US" smtClean="0"/>
               <a:pPr/>
-              <a:t>11/22/2021</a:t>
+              <a:t>1/9/2022</a:t>
             </a:fld>
             <a:endParaRPr lang="en-US"/>
           </a:p>
@@ -6227,7 +6227,7 @@
             <a:fld id="{425404F2-BE9A-4460-8815-8F645183555F}" type="datetimeFigureOut">
               <a:rPr lang="en-US" smtClean="0"/>
               <a:pPr/>
-              <a:t>11/22/2021</a:t>
+              <a:t>1/9/2022</a:t>
             </a:fld>
             <a:endParaRPr lang="en-US"/>
           </a:p>
@@ -6648,7 +6648,7 @@
             <a:fld id="{425404F2-BE9A-4460-8815-8F645183555F}" type="datetimeFigureOut">
               <a:rPr lang="en-US" smtClean="0"/>
               <a:pPr/>
-              <a:t>11/22/2021</a:t>
+              <a:t>1/9/2022</a:t>
             </a:fld>
             <a:endParaRPr lang="en-US"/>
           </a:p>
@@ -6894,7 +6894,7 @@
           <a:p>
             <a:fld id="{E26E0DA5-0C76-4851-AA82-0B75261F9EB4}" type="datetimeFigureOut">
               <a:rPr lang="en-US" smtClean="0"/>
-              <a:t>11/22/2021</a:t>
+              <a:t>1/9/2022</a:t>
             </a:fld>
             <a:endParaRPr lang="en-US"/>
           </a:p>
@@ -7018,7 +7018,7 @@
             <a:fld id="{425404F2-BE9A-4460-8815-8F645183555F}" type="datetimeFigureOut">
               <a:rPr lang="en-US" smtClean="0"/>
               <a:pPr/>
-              <a:t>11/22/2021</a:t>
+              <a:t>1/9/2022</a:t>
             </a:fld>
             <a:endParaRPr lang="en-US"/>
           </a:p>
@@ -7200,7 +7200,7 @@
             <a:fld id="{425404F2-BE9A-4460-8815-8F645183555F}" type="datetimeFigureOut">
               <a:rPr lang="en-US" smtClean="0"/>
               <a:pPr/>
-              <a:t>11/22/2021</a:t>
+              <a:t>1/9/2022</a:t>
             </a:fld>
             <a:endParaRPr lang="en-US"/>
           </a:p>
@@ -7747,7 +7747,7 @@
             <a:fld id="{425404F2-BE9A-4460-8815-8F645183555F}" type="datetimeFigureOut">
               <a:rPr lang="en-US" smtClean="0"/>
               <a:pPr/>
-              <a:t>11/22/2021</a:t>
+              <a:t>1/9/2022</a:t>
             </a:fld>
             <a:endParaRPr lang="en-US"/>
           </a:p>
@@ -7895,7 +7895,7 @@
             <a:fld id="{425404F2-BE9A-4460-8815-8F645183555F}" type="datetimeFigureOut">
               <a:rPr lang="en-US" smtClean="0"/>
               <a:pPr/>
-              <a:t>11/22/2021</a:t>
+              <a:t>1/9/2022</a:t>
             </a:fld>
             <a:endParaRPr lang="en-US"/>
           </a:p>
@@ -8128,7 +8128,7 @@
             <a:fld id="{425404F2-BE9A-4460-8815-8F645183555F}" type="datetimeFigureOut">
               <a:rPr lang="en-US" smtClean="0"/>
               <a:pPr/>
-              <a:t>11/22/2021</a:t>
+              <a:t>1/9/2022</a:t>
             </a:fld>
             <a:endParaRPr lang="en-US"/>
           </a:p>
@@ -8366,7 +8366,7 @@
             <a:fld id="{425404F2-BE9A-4460-8815-8F645183555F}" type="datetimeFigureOut">
               <a:rPr lang="en-US" smtClean="0"/>
               <a:pPr/>
-              <a:t>11/22/2021</a:t>
+              <a:t>1/9/2022</a:t>
             </a:fld>
             <a:endParaRPr lang="en-US"/>
           </a:p>
@@ -8548,7 +8548,7 @@
             <a:fld id="{425404F2-BE9A-4460-8815-8F645183555F}" type="datetimeFigureOut">
               <a:rPr lang="en-US" smtClean="0"/>
               <a:pPr/>
-              <a:t>11/22/2021</a:t>
+              <a:t>1/9/2022</a:t>
             </a:fld>
             <a:endParaRPr lang="en-US"/>
           </a:p>
@@ -8825,7 +8825,7 @@
             <a:fld id="{425404F2-BE9A-4460-8815-8F645183555F}" type="datetimeFigureOut">
               <a:rPr lang="en-US" smtClean="0"/>
               <a:pPr/>
-              <a:t>11/22/2021</a:t>
+              <a:t>1/9/2022</a:t>
             </a:fld>
             <a:endParaRPr lang="en-US"/>
           </a:p>
@@ -9079,7 +9079,7 @@
             <a:fld id="{425404F2-BE9A-4460-8815-8F645183555F}" type="datetimeFigureOut">
               <a:rPr lang="en-US" smtClean="0"/>
               <a:pPr/>
-              <a:t>11/22/2021</a:t>
+              <a:t>1/9/2022</a:t>
             </a:fld>
             <a:endParaRPr lang="en-US"/>
           </a:p>
@@ -9249,7 +9249,7 @@
             <a:fld id="{425404F2-BE9A-4460-8815-8F645183555F}" type="datetimeFigureOut">
               <a:rPr lang="en-US" smtClean="0"/>
               <a:pPr/>
-              <a:t>11/22/2021</a:t>
+              <a:t>1/9/2022</a:t>
             </a:fld>
             <a:endParaRPr lang="en-US"/>
           </a:p>
@@ -9479,7 +9479,7 @@
           <a:p>
             <a:fld id="{E26E0DA5-0C76-4851-AA82-0B75261F9EB4}" type="datetimeFigureOut">
               <a:rPr lang="en-US" smtClean="0"/>
-              <a:t>11/22/2021</a:t>
+              <a:t>1/9/2022</a:t>
             </a:fld>
             <a:endParaRPr lang="en-US"/>
           </a:p>
@@ -9658,7 +9658,7 @@
             <a:fld id="{425404F2-BE9A-4460-8815-8F645183555F}" type="datetimeFigureOut">
               <a:rPr lang="en-US" smtClean="0"/>
               <a:pPr/>
-              <a:t>11/22/2021</a:t>
+              <a:t>1/9/2022</a:t>
             </a:fld>
             <a:endParaRPr lang="en-US"/>
           </a:p>
@@ -10023,7 +10023,7 @@
           <a:p>
             <a:fld id="{E26E0DA5-0C76-4851-AA82-0B75261F9EB4}" type="datetimeFigureOut">
               <a:rPr lang="en-US" smtClean="0"/>
-              <a:t>11/22/2021</a:t>
+              <a:t>1/9/2022</a:t>
             </a:fld>
             <a:endParaRPr lang="en-US"/>
           </a:p>
@@ -10140,7 +10140,7 @@
           <a:p>
             <a:fld id="{E26E0DA5-0C76-4851-AA82-0B75261F9EB4}" type="datetimeFigureOut">
               <a:rPr lang="en-US" smtClean="0"/>
-              <a:t>11/22/2021</a:t>
+              <a:t>1/9/2022</a:t>
             </a:fld>
             <a:endParaRPr lang="en-US"/>
           </a:p>
@@ -10235,7 +10235,7 @@
           <a:p>
             <a:fld id="{E26E0DA5-0C76-4851-AA82-0B75261F9EB4}" type="datetimeFigureOut">
               <a:rPr lang="en-US" smtClean="0"/>
-              <a:t>11/22/2021</a:t>
+              <a:t>1/9/2022</a:t>
             </a:fld>
             <a:endParaRPr lang="en-US"/>
           </a:p>
@@ -10510,7 +10510,7 @@
           <a:p>
             <a:fld id="{E26E0DA5-0C76-4851-AA82-0B75261F9EB4}" type="datetimeFigureOut">
               <a:rPr lang="en-US" smtClean="0"/>
-              <a:t>11/22/2021</a:t>
+              <a:t>1/9/2022</a:t>
             </a:fld>
             <a:endParaRPr lang="en-US"/>
           </a:p>
@@ -10762,7 +10762,7 @@
           <a:p>
             <a:fld id="{E26E0DA5-0C76-4851-AA82-0B75261F9EB4}" type="datetimeFigureOut">
               <a:rPr lang="en-US" smtClean="0"/>
-              <a:t>11/22/2021</a:t>
+              <a:t>1/9/2022</a:t>
             </a:fld>
             <a:endParaRPr lang="en-US"/>
           </a:p>
@@ -10973,7 +10973,7 @@
           <a:p>
             <a:fld id="{E26E0DA5-0C76-4851-AA82-0B75261F9EB4}" type="datetimeFigureOut">
               <a:rPr lang="en-US" smtClean="0"/>
-              <a:t>11/22/2021</a:t>
+              <a:t>1/9/2022</a:t>
             </a:fld>
             <a:endParaRPr lang="en-US"/>
           </a:p>
@@ -11541,7 +11541,7 @@
             <a:fld id="{425404F2-BE9A-4460-8815-8F645183555F}" type="datetimeFigureOut">
               <a:rPr lang="en-US" smtClean="0"/>
               <a:pPr/>
-              <a:t>11/22/2021</a:t>
+              <a:t>1/9/2022</a:t>
             </a:fld>
             <a:endParaRPr lang="en-US"/>
           </a:p>
@@ -12220,7 +12220,7 @@
           <p:cNvPr id="37" name="TextBox 36">
             <a:extLst>
               <a:ext uri="{FF2B5EF4-FFF2-40B4-BE49-F238E27FC236}">
-                <a16:creationId xmlns:a16="http://schemas.microsoft.com/office/drawing/2014/main" xmlns="" id="{E8CAC22F-1542-4031-BC6C-A16989886504}"/>
+                <a16:creationId xmlns:a16="http://schemas.microsoft.com/office/drawing/2014/main" id="{E8CAC22F-1542-4031-BC6C-A16989886504}"/>
               </a:ext>
             </a:extLst>
           </p:cNvPr>
@@ -12273,7 +12273,7 @@
           <p:cNvPr id="40" name="Picture 39">
             <a:extLst>
               <a:ext uri="{FF2B5EF4-FFF2-40B4-BE49-F238E27FC236}">
-                <a16:creationId xmlns:a16="http://schemas.microsoft.com/office/drawing/2014/main" xmlns="" id="{DA60E6FB-8C44-4FEB-B6E9-83DA908565CD}"/>
+                <a16:creationId xmlns:a16="http://schemas.microsoft.com/office/drawing/2014/main" id="{DA60E6FB-8C44-4FEB-B6E9-83DA908565CD}"/>
               </a:ext>
             </a:extLst>
           </p:cNvPr>
@@ -12309,7 +12309,7 @@
           <p:cNvPr id="41" name="Straight Connector 40">
             <a:extLst>
               <a:ext uri="{FF2B5EF4-FFF2-40B4-BE49-F238E27FC236}">
-                <a16:creationId xmlns:a16="http://schemas.microsoft.com/office/drawing/2014/main" xmlns="" id="{3B3B7D73-CAE9-45AC-ACCE-FAEF4E505C7A}"/>
+                <a16:creationId xmlns:a16="http://schemas.microsoft.com/office/drawing/2014/main" id="{3B3B7D73-CAE9-45AC-ACCE-FAEF4E505C7A}"/>
               </a:ext>
             </a:extLst>
           </p:cNvPr>
@@ -12345,7 +12345,7 @@
           <p:cNvPr id="4" name="Content Placeholder 3">
             <a:extLst>
               <a:ext uri="{FF2B5EF4-FFF2-40B4-BE49-F238E27FC236}">
-                <a16:creationId xmlns:a16="http://schemas.microsoft.com/office/drawing/2014/main" xmlns="" id="{502FC43D-EFB6-4F3B-B176-68397577827F}"/>
+                <a16:creationId xmlns:a16="http://schemas.microsoft.com/office/drawing/2014/main" id="{502FC43D-EFB6-4F3B-B176-68397577827F}"/>
               </a:ext>
             </a:extLst>
           </p:cNvPr>
@@ -12520,7 +12520,7 @@
           <p:cNvPr id="37" name="TextBox 36">
             <a:extLst>
               <a:ext uri="{FF2B5EF4-FFF2-40B4-BE49-F238E27FC236}">
-                <a16:creationId xmlns:a16="http://schemas.microsoft.com/office/drawing/2014/main" xmlns="" id="{E8CAC22F-1542-4031-BC6C-A16989886504}"/>
+                <a16:creationId xmlns:a16="http://schemas.microsoft.com/office/drawing/2014/main" id="{E8CAC22F-1542-4031-BC6C-A16989886504}"/>
               </a:ext>
             </a:extLst>
           </p:cNvPr>
@@ -12573,7 +12573,7 @@
           <p:cNvPr id="40" name="Picture 39">
             <a:extLst>
               <a:ext uri="{FF2B5EF4-FFF2-40B4-BE49-F238E27FC236}">
-                <a16:creationId xmlns:a16="http://schemas.microsoft.com/office/drawing/2014/main" xmlns="" id="{DA60E6FB-8C44-4FEB-B6E9-83DA908565CD}"/>
+                <a16:creationId xmlns:a16="http://schemas.microsoft.com/office/drawing/2014/main" id="{DA60E6FB-8C44-4FEB-B6E9-83DA908565CD}"/>
               </a:ext>
             </a:extLst>
           </p:cNvPr>
@@ -12609,7 +12609,7 @@
           <p:cNvPr id="41" name="Straight Connector 40">
             <a:extLst>
               <a:ext uri="{FF2B5EF4-FFF2-40B4-BE49-F238E27FC236}">
-                <a16:creationId xmlns:a16="http://schemas.microsoft.com/office/drawing/2014/main" xmlns="" id="{3B3B7D73-CAE9-45AC-ACCE-FAEF4E505C7A}"/>
+                <a16:creationId xmlns:a16="http://schemas.microsoft.com/office/drawing/2014/main" id="{3B3B7D73-CAE9-45AC-ACCE-FAEF4E505C7A}"/>
               </a:ext>
             </a:extLst>
           </p:cNvPr>
@@ -12645,7 +12645,7 @@
           <p:cNvPr id="6" name="Straight Arrow Connector 5">
             <a:extLst>
               <a:ext uri="{FF2B5EF4-FFF2-40B4-BE49-F238E27FC236}">
-                <a16:creationId xmlns:a16="http://schemas.microsoft.com/office/drawing/2014/main" xmlns="" id="{CF01A2FF-B0DF-4AEB-AF33-302BC4F25C73}"/>
+                <a16:creationId xmlns:a16="http://schemas.microsoft.com/office/drawing/2014/main" id="{CF01A2FF-B0DF-4AEB-AF33-302BC4F25C73}"/>
               </a:ext>
             </a:extLst>
           </p:cNvPr>
@@ -12684,7 +12684,7 @@
           <p:cNvPr id="8" name="Straight Arrow Connector 7">
             <a:extLst>
               <a:ext uri="{FF2B5EF4-FFF2-40B4-BE49-F238E27FC236}">
-                <a16:creationId xmlns:a16="http://schemas.microsoft.com/office/drawing/2014/main" xmlns="" id="{9B61A3DE-C4F1-48C9-9300-94CB16470B9B}"/>
+                <a16:creationId xmlns:a16="http://schemas.microsoft.com/office/drawing/2014/main" id="{9B61A3DE-C4F1-48C9-9300-94CB16470B9B}"/>
               </a:ext>
             </a:extLst>
           </p:cNvPr>
@@ -12723,7 +12723,7 @@
           <p:cNvPr id="9" name="TextBox 8">
             <a:extLst>
               <a:ext uri="{FF2B5EF4-FFF2-40B4-BE49-F238E27FC236}">
-                <a16:creationId xmlns:a16="http://schemas.microsoft.com/office/drawing/2014/main" xmlns="" id="{BDA64FD3-E2EC-45B3-AFB7-FEC2F3CA548F}"/>
+                <a16:creationId xmlns:a16="http://schemas.microsoft.com/office/drawing/2014/main" id="{BDA64FD3-E2EC-45B3-AFB7-FEC2F3CA548F}"/>
               </a:ext>
             </a:extLst>
           </p:cNvPr>
@@ -12758,7 +12758,7 @@
           <p:cNvPr id="10" name="TextBox 9">
             <a:extLst>
               <a:ext uri="{FF2B5EF4-FFF2-40B4-BE49-F238E27FC236}">
-                <a16:creationId xmlns:a16="http://schemas.microsoft.com/office/drawing/2014/main" xmlns="" id="{E43BB223-CAC2-478D-87E4-3A391CA5E821}"/>
+                <a16:creationId xmlns:a16="http://schemas.microsoft.com/office/drawing/2014/main" id="{E43BB223-CAC2-478D-87E4-3A391CA5E821}"/>
               </a:ext>
             </a:extLst>
           </p:cNvPr>
@@ -12799,7 +12799,7 @@
           <p:cNvPr id="239" name="Straight Arrow Connector 238">
             <a:extLst>
               <a:ext uri="{FF2B5EF4-FFF2-40B4-BE49-F238E27FC236}">
-                <a16:creationId xmlns:a16="http://schemas.microsoft.com/office/drawing/2014/main" xmlns="" id="{F0720F38-2977-4285-A495-BAF53BD6DF8B}"/>
+                <a16:creationId xmlns:a16="http://schemas.microsoft.com/office/drawing/2014/main" id="{F0720F38-2977-4285-A495-BAF53BD6DF8B}"/>
               </a:ext>
             </a:extLst>
           </p:cNvPr>
@@ -12840,7 +12840,7 @@
           <p:cNvPr id="242" name="Straight Arrow Connector 241">
             <a:extLst>
               <a:ext uri="{FF2B5EF4-FFF2-40B4-BE49-F238E27FC236}">
-                <a16:creationId xmlns:a16="http://schemas.microsoft.com/office/drawing/2014/main" xmlns="" id="{CBC71256-C65E-4B3B-AAB9-C71CED6D1A2F}"/>
+                <a16:creationId xmlns:a16="http://schemas.microsoft.com/office/drawing/2014/main" id="{CBC71256-C65E-4B3B-AAB9-C71CED6D1A2F}"/>
               </a:ext>
             </a:extLst>
           </p:cNvPr>
@@ -12879,7 +12879,7 @@
           <p:cNvPr id="243" name="Straight Arrow Connector 242">
             <a:extLst>
               <a:ext uri="{FF2B5EF4-FFF2-40B4-BE49-F238E27FC236}">
-                <a16:creationId xmlns:a16="http://schemas.microsoft.com/office/drawing/2014/main" xmlns="" id="{880B6985-11BC-4A52-A744-32E56D7444C8}"/>
+                <a16:creationId xmlns:a16="http://schemas.microsoft.com/office/drawing/2014/main" id="{880B6985-11BC-4A52-A744-32E56D7444C8}"/>
               </a:ext>
             </a:extLst>
           </p:cNvPr>
@@ -12920,7 +12920,7 @@
           <p:cNvPr id="244" name="Straight Arrow Connector 243">
             <a:extLst>
               <a:ext uri="{FF2B5EF4-FFF2-40B4-BE49-F238E27FC236}">
-                <a16:creationId xmlns:a16="http://schemas.microsoft.com/office/drawing/2014/main" xmlns="" id="{F7F097CF-B133-4469-B391-64956F09DE06}"/>
+                <a16:creationId xmlns:a16="http://schemas.microsoft.com/office/drawing/2014/main" id="{F7F097CF-B133-4469-B391-64956F09DE06}"/>
               </a:ext>
             </a:extLst>
           </p:cNvPr>
@@ -12959,7 +12959,7 @@
           <p:cNvPr id="248" name="TextBox 247">
             <a:extLst>
               <a:ext uri="{FF2B5EF4-FFF2-40B4-BE49-F238E27FC236}">
-                <a16:creationId xmlns:a16="http://schemas.microsoft.com/office/drawing/2014/main" xmlns="" id="{4805E5CC-D6EE-4F14-BB14-E8A278269E58}"/>
+                <a16:creationId xmlns:a16="http://schemas.microsoft.com/office/drawing/2014/main" id="{4805E5CC-D6EE-4F14-BB14-E8A278269E58}"/>
               </a:ext>
             </a:extLst>
           </p:cNvPr>
@@ -12994,7 +12994,7 @@
           <p:cNvPr id="357" name="TextBox 356">
             <a:extLst>
               <a:ext uri="{FF2B5EF4-FFF2-40B4-BE49-F238E27FC236}">
-                <a16:creationId xmlns:a16="http://schemas.microsoft.com/office/drawing/2014/main" xmlns="" id="{979641FD-FE59-486D-B556-67A15492CBF8}"/>
+                <a16:creationId xmlns:a16="http://schemas.microsoft.com/office/drawing/2014/main" id="{979641FD-FE59-486D-B556-67A15492CBF8}"/>
               </a:ext>
             </a:extLst>
           </p:cNvPr>
@@ -13035,7 +13035,7 @@
           <p:cNvPr id="359" name="TextBox 358">
             <a:extLst>
               <a:ext uri="{FF2B5EF4-FFF2-40B4-BE49-F238E27FC236}">
-                <a16:creationId xmlns:a16="http://schemas.microsoft.com/office/drawing/2014/main" xmlns="" id="{FD3DC332-35B3-4A6C-98A9-45182103DAA8}"/>
+                <a16:creationId xmlns:a16="http://schemas.microsoft.com/office/drawing/2014/main" id="{FD3DC332-35B3-4A6C-98A9-45182103DAA8}"/>
               </a:ext>
             </a:extLst>
           </p:cNvPr>
@@ -13078,7 +13078,7 @@
               <p14:cNvPr id="2" name="Ink 1">
                 <a:extLst>
                   <a:ext uri="{FF2B5EF4-FFF2-40B4-BE49-F238E27FC236}">
-                    <a16:creationId xmlns:a16="http://schemas.microsoft.com/office/drawing/2014/main" xmlns="" id="{027A5302-A996-409C-83B8-66C6056A1C07}"/>
+                    <a16:creationId xmlns:a16="http://schemas.microsoft.com/office/drawing/2014/main" id="{027A5302-A996-409C-83B8-66C6056A1C07}"/>
                   </a:ext>
                 </a:extLst>
               </p14:cNvPr>
@@ -13197,7 +13197,7 @@
           <p:cNvPr id="37" name="TextBox 36">
             <a:extLst>
               <a:ext uri="{FF2B5EF4-FFF2-40B4-BE49-F238E27FC236}">
-                <a16:creationId xmlns:a16="http://schemas.microsoft.com/office/drawing/2014/main" xmlns="" id="{E8CAC22F-1542-4031-BC6C-A16989886504}"/>
+                <a16:creationId xmlns:a16="http://schemas.microsoft.com/office/drawing/2014/main" id="{E8CAC22F-1542-4031-BC6C-A16989886504}"/>
               </a:ext>
             </a:extLst>
           </p:cNvPr>
@@ -13250,7 +13250,7 @@
           <p:cNvPr id="40" name="Picture 39">
             <a:extLst>
               <a:ext uri="{FF2B5EF4-FFF2-40B4-BE49-F238E27FC236}">
-                <a16:creationId xmlns:a16="http://schemas.microsoft.com/office/drawing/2014/main" xmlns="" id="{DA60E6FB-8C44-4FEB-B6E9-83DA908565CD}"/>
+                <a16:creationId xmlns:a16="http://schemas.microsoft.com/office/drawing/2014/main" id="{DA60E6FB-8C44-4FEB-B6E9-83DA908565CD}"/>
               </a:ext>
             </a:extLst>
           </p:cNvPr>
@@ -13286,7 +13286,7 @@
           <p:cNvPr id="41" name="Straight Connector 40">
             <a:extLst>
               <a:ext uri="{FF2B5EF4-FFF2-40B4-BE49-F238E27FC236}">
-                <a16:creationId xmlns:a16="http://schemas.microsoft.com/office/drawing/2014/main" xmlns="" id="{3B3B7D73-CAE9-45AC-ACCE-FAEF4E505C7A}"/>
+                <a16:creationId xmlns:a16="http://schemas.microsoft.com/office/drawing/2014/main" id="{3B3B7D73-CAE9-45AC-ACCE-FAEF4E505C7A}"/>
               </a:ext>
             </a:extLst>
           </p:cNvPr>
@@ -13322,7 +13322,7 @@
           <p:cNvPr id="2" name="Picture 1">
             <a:extLst>
               <a:ext uri="{FF2B5EF4-FFF2-40B4-BE49-F238E27FC236}">
-                <a16:creationId xmlns:a16="http://schemas.microsoft.com/office/drawing/2014/main" xmlns="" id="{BE3A0870-F741-4A04-933F-6678A44A8D7A}"/>
+                <a16:creationId xmlns:a16="http://schemas.microsoft.com/office/drawing/2014/main" id="{BE3A0870-F741-4A04-933F-6678A44A8D7A}"/>
               </a:ext>
             </a:extLst>
           </p:cNvPr>
@@ -13352,7 +13352,7 @@
           <p:cNvPr id="3" name="TextBox 2">
             <a:extLst>
               <a:ext uri="{FF2B5EF4-FFF2-40B4-BE49-F238E27FC236}">
-                <a16:creationId xmlns:a16="http://schemas.microsoft.com/office/drawing/2014/main" xmlns="" id="{2FDE069B-C593-4FF4-8BE8-B8FBBD17AB9F}"/>
+                <a16:creationId xmlns:a16="http://schemas.microsoft.com/office/drawing/2014/main" id="{2FDE069B-C593-4FF4-8BE8-B8FBBD17AB9F}"/>
               </a:ext>
             </a:extLst>
           </p:cNvPr>
@@ -13389,7 +13389,7 @@
               <p14:cNvPr id="78" name="Ink 77">
                 <a:extLst>
                   <a:ext uri="{FF2B5EF4-FFF2-40B4-BE49-F238E27FC236}">
-                    <a16:creationId xmlns:a16="http://schemas.microsoft.com/office/drawing/2014/main" xmlns="" id="{B6EC5873-6703-42A4-A4BB-982F601401A6}"/>
+                    <a16:creationId xmlns:a16="http://schemas.microsoft.com/office/drawing/2014/main" id="{B6EC5873-6703-42A4-A4BB-982F601401A6}"/>
                   </a:ext>
                 </a:extLst>
               </p14:cNvPr>
@@ -13440,7 +13440,7 @@
               <p14:cNvPr id="4" name="Ink 3">
                 <a:extLst>
                   <a:ext uri="{FF2B5EF4-FFF2-40B4-BE49-F238E27FC236}">
-                    <a16:creationId xmlns:a16="http://schemas.microsoft.com/office/drawing/2014/main" xmlns="" id="{ED93FF07-45F1-47BF-A6AB-3FCE7C95BECB}"/>
+                    <a16:creationId xmlns:a16="http://schemas.microsoft.com/office/drawing/2014/main" id="{ED93FF07-45F1-47BF-A6AB-3FCE7C95BECB}"/>
                   </a:ext>
                 </a:extLst>
               </p14:cNvPr>
@@ -13559,7 +13559,7 @@
           <p:cNvPr id="37" name="TextBox 36">
             <a:extLst>
               <a:ext uri="{FF2B5EF4-FFF2-40B4-BE49-F238E27FC236}">
-                <a16:creationId xmlns:a16="http://schemas.microsoft.com/office/drawing/2014/main" xmlns="" id="{E8CAC22F-1542-4031-BC6C-A16989886504}"/>
+                <a16:creationId xmlns:a16="http://schemas.microsoft.com/office/drawing/2014/main" id="{E8CAC22F-1542-4031-BC6C-A16989886504}"/>
               </a:ext>
             </a:extLst>
           </p:cNvPr>
@@ -13612,7 +13612,7 @@
           <p:cNvPr id="40" name="Picture 39">
             <a:extLst>
               <a:ext uri="{FF2B5EF4-FFF2-40B4-BE49-F238E27FC236}">
-                <a16:creationId xmlns:a16="http://schemas.microsoft.com/office/drawing/2014/main" xmlns="" id="{DA60E6FB-8C44-4FEB-B6E9-83DA908565CD}"/>
+                <a16:creationId xmlns:a16="http://schemas.microsoft.com/office/drawing/2014/main" id="{DA60E6FB-8C44-4FEB-B6E9-83DA908565CD}"/>
               </a:ext>
             </a:extLst>
           </p:cNvPr>
@@ -13648,7 +13648,7 @@
           <p:cNvPr id="41" name="Straight Connector 40">
             <a:extLst>
               <a:ext uri="{FF2B5EF4-FFF2-40B4-BE49-F238E27FC236}">
-                <a16:creationId xmlns:a16="http://schemas.microsoft.com/office/drawing/2014/main" xmlns="" id="{3B3B7D73-CAE9-45AC-ACCE-FAEF4E505C7A}"/>
+                <a16:creationId xmlns:a16="http://schemas.microsoft.com/office/drawing/2014/main" id="{3B3B7D73-CAE9-45AC-ACCE-FAEF4E505C7A}"/>
               </a:ext>
             </a:extLst>
           </p:cNvPr>
@@ -13684,7 +13684,7 @@
           <p:cNvPr id="4" name="Content Placeholder 3">
             <a:extLst>
               <a:ext uri="{FF2B5EF4-FFF2-40B4-BE49-F238E27FC236}">
-                <a16:creationId xmlns:a16="http://schemas.microsoft.com/office/drawing/2014/main" xmlns="" id="{9596F4A2-567E-4A2C-A543-E303D822C70E}"/>
+                <a16:creationId xmlns:a16="http://schemas.microsoft.com/office/drawing/2014/main" id="{9596F4A2-567E-4A2C-A543-E303D822C70E}"/>
               </a:ext>
             </a:extLst>
           </p:cNvPr>
@@ -13717,7 +13717,7 @@
           <p:cNvPr id="217" name="TextBox 216">
             <a:extLst>
               <a:ext uri="{FF2B5EF4-FFF2-40B4-BE49-F238E27FC236}">
-                <a16:creationId xmlns:a16="http://schemas.microsoft.com/office/drawing/2014/main" xmlns="" id="{3A92E90A-4DAB-43CA-8E8D-3BFE0C237B20}"/>
+                <a16:creationId xmlns:a16="http://schemas.microsoft.com/office/drawing/2014/main" id="{3A92E90A-4DAB-43CA-8E8D-3BFE0C237B20}"/>
               </a:ext>
             </a:extLst>
           </p:cNvPr>
@@ -13754,7 +13754,7 @@
               <p14:cNvPr id="2" name="Ink 1">
                 <a:extLst>
                   <a:ext uri="{FF2B5EF4-FFF2-40B4-BE49-F238E27FC236}">
-                    <a16:creationId xmlns:a16="http://schemas.microsoft.com/office/drawing/2014/main" xmlns="" id="{E01BAE57-9421-4512-AEEC-1D994071E535}"/>
+                    <a16:creationId xmlns:a16="http://schemas.microsoft.com/office/drawing/2014/main" id="{E01BAE57-9421-4512-AEEC-1D994071E535}"/>
                   </a:ext>
                 </a:extLst>
               </p14:cNvPr>
@@ -13805,7 +13805,7 @@
               <p14:cNvPr id="35" name="Ink 34">
                 <a:extLst>
                   <a:ext uri="{FF2B5EF4-FFF2-40B4-BE49-F238E27FC236}">
-                    <a16:creationId xmlns:a16="http://schemas.microsoft.com/office/drawing/2014/main" xmlns="" id="{8DDB8347-243C-4044-A9F2-B5DCBF668B45}"/>
+                    <a16:creationId xmlns:a16="http://schemas.microsoft.com/office/drawing/2014/main" id="{8DDB8347-243C-4044-A9F2-B5DCBF668B45}"/>
                   </a:ext>
                 </a:extLst>
               </p14:cNvPr>
@@ -13856,7 +13856,7 @@
               <p14:cNvPr id="36" name="Ink 35">
                 <a:extLst>
                   <a:ext uri="{FF2B5EF4-FFF2-40B4-BE49-F238E27FC236}">
-                    <a16:creationId xmlns:a16="http://schemas.microsoft.com/office/drawing/2014/main" xmlns="" id="{6FCB3975-2F3A-4907-B28B-8E88B238684C}"/>
+                    <a16:creationId xmlns:a16="http://schemas.microsoft.com/office/drawing/2014/main" id="{6FCB3975-2F3A-4907-B28B-8E88B238684C}"/>
                   </a:ext>
                 </a:extLst>
               </p14:cNvPr>
@@ -13907,7 +13907,7 @@
               <p14:cNvPr id="38" name="Ink 37">
                 <a:extLst>
                   <a:ext uri="{FF2B5EF4-FFF2-40B4-BE49-F238E27FC236}">
-                    <a16:creationId xmlns:a16="http://schemas.microsoft.com/office/drawing/2014/main" xmlns="" id="{CFFEE153-5DD6-4C5F-A2B7-CB74113EE3D8}"/>
+                    <a16:creationId xmlns:a16="http://schemas.microsoft.com/office/drawing/2014/main" id="{CFFEE153-5DD6-4C5F-A2B7-CB74113EE3D8}"/>
                   </a:ext>
                 </a:extLst>
               </p14:cNvPr>
@@ -13958,7 +13958,7 @@
               <p14:cNvPr id="46" name="Ink 45">
                 <a:extLst>
                   <a:ext uri="{FF2B5EF4-FFF2-40B4-BE49-F238E27FC236}">
-                    <a16:creationId xmlns:a16="http://schemas.microsoft.com/office/drawing/2014/main" xmlns="" id="{19314080-BCAF-4CD9-B0E3-8F85E2DF0B7A}"/>
+                    <a16:creationId xmlns:a16="http://schemas.microsoft.com/office/drawing/2014/main" id="{19314080-BCAF-4CD9-B0E3-8F85E2DF0B7A}"/>
                   </a:ext>
                 </a:extLst>
               </p14:cNvPr>
@@ -14009,7 +14009,7 @@
               <p14:cNvPr id="47" name="Ink 46">
                 <a:extLst>
                   <a:ext uri="{FF2B5EF4-FFF2-40B4-BE49-F238E27FC236}">
-                    <a16:creationId xmlns:a16="http://schemas.microsoft.com/office/drawing/2014/main" xmlns="" id="{9346FB41-E467-4223-A392-C8803A4F8DCA}"/>
+                    <a16:creationId xmlns:a16="http://schemas.microsoft.com/office/drawing/2014/main" id="{9346FB41-E467-4223-A392-C8803A4F8DCA}"/>
                   </a:ext>
                 </a:extLst>
               </p14:cNvPr>
@@ -14060,7 +14060,7 @@
               <p14:cNvPr id="51" name="Ink 50">
                 <a:extLst>
                   <a:ext uri="{FF2B5EF4-FFF2-40B4-BE49-F238E27FC236}">
-                    <a16:creationId xmlns:a16="http://schemas.microsoft.com/office/drawing/2014/main" xmlns="" id="{B110C7A8-8887-49E5-92BE-05B748C1122B}"/>
+                    <a16:creationId xmlns:a16="http://schemas.microsoft.com/office/drawing/2014/main" id="{B110C7A8-8887-49E5-92BE-05B748C1122B}"/>
                   </a:ext>
                 </a:extLst>
               </p14:cNvPr>
@@ -14111,7 +14111,7 @@
               <p14:cNvPr id="52" name="Ink 51">
                 <a:extLst>
                   <a:ext uri="{FF2B5EF4-FFF2-40B4-BE49-F238E27FC236}">
-                    <a16:creationId xmlns:a16="http://schemas.microsoft.com/office/drawing/2014/main" xmlns="" id="{245725C1-5FAF-4A8C-B8AC-02CAB449D2A3}"/>
+                    <a16:creationId xmlns:a16="http://schemas.microsoft.com/office/drawing/2014/main" id="{245725C1-5FAF-4A8C-B8AC-02CAB449D2A3}"/>
                   </a:ext>
                 </a:extLst>
               </p14:cNvPr>
@@ -14193,7 +14193,7 @@
           <p:cNvPr id="2" name="Title 3">
             <a:extLst>
               <a:ext uri="{FF2B5EF4-FFF2-40B4-BE49-F238E27FC236}">
-                <a16:creationId xmlns:a16="http://schemas.microsoft.com/office/drawing/2014/main" xmlns="" id="{F07FC580-E2AB-4C55-8C95-D5E077A1D127}"/>
+                <a16:creationId xmlns:a16="http://schemas.microsoft.com/office/drawing/2014/main" id="{F07FC580-E2AB-4C55-8C95-D5E077A1D127}"/>
               </a:ext>
             </a:extLst>
           </p:cNvPr>
@@ -14242,7 +14242,7 @@
           <p:cNvPr id="7" name="TextBox 6">
             <a:extLst>
               <a:ext uri="{FF2B5EF4-FFF2-40B4-BE49-F238E27FC236}">
-                <a16:creationId xmlns:a16="http://schemas.microsoft.com/office/drawing/2014/main" xmlns="" id="{17EB74BE-8011-4153-8F37-3BEF9C1F4CC0}"/>
+                <a16:creationId xmlns:a16="http://schemas.microsoft.com/office/drawing/2014/main" id="{17EB74BE-8011-4153-8F37-3BEF9C1F4CC0}"/>
               </a:ext>
             </a:extLst>
           </p:cNvPr>
@@ -14307,7 +14307,7 @@
           <p:cNvPr id="2" name="Title 1">
             <a:extLst>
               <a:ext uri="{FF2B5EF4-FFF2-40B4-BE49-F238E27FC236}">
-                <a16:creationId xmlns:a16="http://schemas.microsoft.com/office/drawing/2014/main" xmlns="" id="{29CB9E00-0397-4178-9E57-32DC82D3A8F7}"/>
+                <a16:creationId xmlns:a16="http://schemas.microsoft.com/office/drawing/2014/main" id="{29CB9E00-0397-4178-9E57-32DC82D3A8F7}"/>
               </a:ext>
             </a:extLst>
           </p:cNvPr>
@@ -14332,7 +14332,7 @@
           <p:cNvPr id="3" name="Content Placeholder 2">
             <a:extLst>
               <a:ext uri="{FF2B5EF4-FFF2-40B4-BE49-F238E27FC236}">
-                <a16:creationId xmlns:a16="http://schemas.microsoft.com/office/drawing/2014/main" xmlns="" id="{73A078A5-4F35-4958-8384-CBBBD3DED2C3}"/>
+                <a16:creationId xmlns:a16="http://schemas.microsoft.com/office/drawing/2014/main" id="{73A078A5-4F35-4958-8384-CBBBD3DED2C3}"/>
               </a:ext>
             </a:extLst>
           </p:cNvPr>
@@ -14387,7 +14387,7 @@
           <p:cNvPr id="1028" name="Picture 4" descr="Free Vector | Flat people with question marks background">
             <a:extLst>
               <a:ext uri="{FF2B5EF4-FFF2-40B4-BE49-F238E27FC236}">
-                <a16:creationId xmlns:a16="http://schemas.microsoft.com/office/drawing/2014/main" xmlns="" id="{E158EC70-4769-4E41-A278-C90EC4E480C7}"/>
+                <a16:creationId xmlns:a16="http://schemas.microsoft.com/office/drawing/2014/main" id="{E158EC70-4769-4E41-A278-C90EC4E480C7}"/>
               </a:ext>
             </a:extLst>
           </p:cNvPr>
@@ -14432,7 +14432,7 @@
           <p:cNvPr id="2" name="TextBox 1">
             <a:extLst>
               <a:ext uri="{FF2B5EF4-FFF2-40B4-BE49-F238E27FC236}">
-                <a16:creationId xmlns:a16="http://schemas.microsoft.com/office/drawing/2014/main" xmlns="" id="{994C3DB2-D47E-4B94-804B-87AF1FDEF86E}"/>
+                <a16:creationId xmlns:a16="http://schemas.microsoft.com/office/drawing/2014/main" id="{994C3DB2-D47E-4B94-804B-87AF1FDEF86E}"/>
               </a:ext>
             </a:extLst>
           </p:cNvPr>
@@ -14507,7 +14507,7 @@
           <p:cNvPr id="2052" name="Picture 4" descr="Ski Jumping Arena - Free Presentation Templates">
             <a:extLst>
               <a:ext uri="{FF2B5EF4-FFF2-40B4-BE49-F238E27FC236}">
-                <a16:creationId xmlns:a16="http://schemas.microsoft.com/office/drawing/2014/main" xmlns="" id="{B0D7E6A1-F72A-4F69-B4FB-A4ED7A0C6CED}"/>
+                <a16:creationId xmlns:a16="http://schemas.microsoft.com/office/drawing/2014/main" id="{B0D7E6A1-F72A-4F69-B4FB-A4ED7A0C6CED}"/>
               </a:ext>
             </a:extLst>
           </p:cNvPr>
@@ -14695,7 +14695,7 @@
           <p:cNvPr id="2" name="Title 3">
             <a:extLst>
               <a:ext uri="{FF2B5EF4-FFF2-40B4-BE49-F238E27FC236}">
-                <a16:creationId xmlns:a16="http://schemas.microsoft.com/office/drawing/2014/main" xmlns="" id="{F07FC580-E2AB-4C55-8C95-D5E077A1D127}"/>
+                <a16:creationId xmlns:a16="http://schemas.microsoft.com/office/drawing/2014/main" id="{F07FC580-E2AB-4C55-8C95-D5E077A1D127}"/>
               </a:ext>
             </a:extLst>
           </p:cNvPr>
@@ -14777,7 +14777,7 @@
           <p:cNvPr id="4" name="Footer Placeholder 45">
             <a:extLst>
               <a:ext uri="{FF2B5EF4-FFF2-40B4-BE49-F238E27FC236}">
-                <a16:creationId xmlns:a16="http://schemas.microsoft.com/office/drawing/2014/main" xmlns="" id="{90E33047-DFF5-4690-8905-31E4C115EFDC}"/>
+                <a16:creationId xmlns:a16="http://schemas.microsoft.com/office/drawing/2014/main" id="{90E33047-DFF5-4690-8905-31E4C115EFDC}"/>
               </a:ext>
             </a:extLst>
           </p:cNvPr>
@@ -14840,7 +14840,7 @@
           <p:cNvPr id="5" name="TextBox 4">
             <a:extLst>
               <a:ext uri="{FF2B5EF4-FFF2-40B4-BE49-F238E27FC236}">
-                <a16:creationId xmlns:a16="http://schemas.microsoft.com/office/drawing/2014/main" xmlns="" id="{27E5B41D-1DDF-48C9-A5AF-075F84492B68}"/>
+                <a16:creationId xmlns:a16="http://schemas.microsoft.com/office/drawing/2014/main" id="{27E5B41D-1DDF-48C9-A5AF-075F84492B68}"/>
               </a:ext>
             </a:extLst>
           </p:cNvPr>
@@ -15360,7 +15360,7 @@
           <p:cNvPr id="37" name="TextBox 36">
             <a:extLst>
               <a:ext uri="{FF2B5EF4-FFF2-40B4-BE49-F238E27FC236}">
-                <a16:creationId xmlns:a16="http://schemas.microsoft.com/office/drawing/2014/main" xmlns="" id="{E8CAC22F-1542-4031-BC6C-A16989886504}"/>
+                <a16:creationId xmlns:a16="http://schemas.microsoft.com/office/drawing/2014/main" id="{E8CAC22F-1542-4031-BC6C-A16989886504}"/>
               </a:ext>
             </a:extLst>
           </p:cNvPr>
@@ -15413,7 +15413,7 @@
           <p:cNvPr id="40" name="Picture 39">
             <a:extLst>
               <a:ext uri="{FF2B5EF4-FFF2-40B4-BE49-F238E27FC236}">
-                <a16:creationId xmlns:a16="http://schemas.microsoft.com/office/drawing/2014/main" xmlns="" id="{DA60E6FB-8C44-4FEB-B6E9-83DA908565CD}"/>
+                <a16:creationId xmlns:a16="http://schemas.microsoft.com/office/drawing/2014/main" id="{DA60E6FB-8C44-4FEB-B6E9-83DA908565CD}"/>
               </a:ext>
             </a:extLst>
           </p:cNvPr>
@@ -15449,7 +15449,7 @@
           <p:cNvPr id="41" name="Straight Connector 40">
             <a:extLst>
               <a:ext uri="{FF2B5EF4-FFF2-40B4-BE49-F238E27FC236}">
-                <a16:creationId xmlns:a16="http://schemas.microsoft.com/office/drawing/2014/main" xmlns="" id="{3B3B7D73-CAE9-45AC-ACCE-FAEF4E505C7A}"/>
+                <a16:creationId xmlns:a16="http://schemas.microsoft.com/office/drawing/2014/main" id="{3B3B7D73-CAE9-45AC-ACCE-FAEF4E505C7A}"/>
               </a:ext>
             </a:extLst>
           </p:cNvPr>
@@ -15485,7 +15485,7 @@
           <p:cNvPr id="2" name="TextBox 1">
             <a:extLst>
               <a:ext uri="{FF2B5EF4-FFF2-40B4-BE49-F238E27FC236}">
-                <a16:creationId xmlns:a16="http://schemas.microsoft.com/office/drawing/2014/main" xmlns="" id="{9B978D32-CF33-42B7-8285-1EAB0B6E3232}"/>
+                <a16:creationId xmlns:a16="http://schemas.microsoft.com/office/drawing/2014/main" id="{9B978D32-CF33-42B7-8285-1EAB0B6E3232}"/>
               </a:ext>
             </a:extLst>
           </p:cNvPr>
@@ -15639,7 +15639,7 @@
               <p14:cNvPr id="54" name="Ink 53">
                 <a:extLst>
                   <a:ext uri="{FF2B5EF4-FFF2-40B4-BE49-F238E27FC236}">
-                    <a16:creationId xmlns:a16="http://schemas.microsoft.com/office/drawing/2014/main" xmlns="" id="{2C7C6B09-6BED-4681-BF1C-5D24E7FFAF67}"/>
+                    <a16:creationId xmlns:a16="http://schemas.microsoft.com/office/drawing/2014/main" id="{2C7C6B09-6BED-4681-BF1C-5D24E7FFAF67}"/>
                   </a:ext>
                 </a:extLst>
               </p14:cNvPr>
@@ -15758,7 +15758,7 @@
           <p:cNvPr id="40" name="Picture 39">
             <a:extLst>
               <a:ext uri="{FF2B5EF4-FFF2-40B4-BE49-F238E27FC236}">
-                <a16:creationId xmlns:a16="http://schemas.microsoft.com/office/drawing/2014/main" xmlns="" id="{DA60E6FB-8C44-4FEB-B6E9-83DA908565CD}"/>
+                <a16:creationId xmlns:a16="http://schemas.microsoft.com/office/drawing/2014/main" id="{DA60E6FB-8C44-4FEB-B6E9-83DA908565CD}"/>
               </a:ext>
             </a:extLst>
           </p:cNvPr>
@@ -15794,7 +15794,7 @@
           <p:cNvPr id="41" name="Straight Connector 40">
             <a:extLst>
               <a:ext uri="{FF2B5EF4-FFF2-40B4-BE49-F238E27FC236}">
-                <a16:creationId xmlns:a16="http://schemas.microsoft.com/office/drawing/2014/main" xmlns="" id="{3B3B7D73-CAE9-45AC-ACCE-FAEF4E505C7A}"/>
+                <a16:creationId xmlns:a16="http://schemas.microsoft.com/office/drawing/2014/main" id="{3B3B7D73-CAE9-45AC-ACCE-FAEF4E505C7A}"/>
               </a:ext>
             </a:extLst>
           </p:cNvPr>
@@ -15830,7 +15830,7 @@
           <p:cNvPr id="2" name="TextBox 1">
             <a:extLst>
               <a:ext uri="{FF2B5EF4-FFF2-40B4-BE49-F238E27FC236}">
-                <a16:creationId xmlns:a16="http://schemas.microsoft.com/office/drawing/2014/main" xmlns="" id="{EC968F40-7EE9-42C8-874D-81E721A66CCF}"/>
+                <a16:creationId xmlns:a16="http://schemas.microsoft.com/office/drawing/2014/main" id="{EC968F40-7EE9-42C8-874D-81E721A66CCF}"/>
               </a:ext>
             </a:extLst>
           </p:cNvPr>
@@ -15865,7 +15865,7 @@
           <p:cNvPr id="3" name="Table 3">
             <a:extLst>
               <a:ext uri="{FF2B5EF4-FFF2-40B4-BE49-F238E27FC236}">
-                <a16:creationId xmlns:a16="http://schemas.microsoft.com/office/drawing/2014/main" xmlns="" id="{56DD4A1A-3625-4650-B37C-219E0CC11710}"/>
+                <a16:creationId xmlns:a16="http://schemas.microsoft.com/office/drawing/2014/main" id="{56DD4A1A-3625-4650-B37C-219E0CC11710}"/>
               </a:ext>
             </a:extLst>
           </p:cNvPr>
@@ -15894,35 +15894,35 @@
                 <a:gridCol w="1174022">
                   <a:extLst>
                     <a:ext uri="{9D8B030D-6E8A-4147-A177-3AD203B41FA5}">
-                      <a16:colId xmlns:a16="http://schemas.microsoft.com/office/drawing/2014/main" xmlns="" val="892093589"/>
+                      <a16:colId xmlns:a16="http://schemas.microsoft.com/office/drawing/2014/main" val="892093589"/>
                     </a:ext>
                   </a:extLst>
                 </a:gridCol>
                 <a:gridCol w="1174022">
                   <a:extLst>
                     <a:ext uri="{9D8B030D-6E8A-4147-A177-3AD203B41FA5}">
-                      <a16:colId xmlns:a16="http://schemas.microsoft.com/office/drawing/2014/main" xmlns="" val="137202944"/>
+                      <a16:colId xmlns:a16="http://schemas.microsoft.com/office/drawing/2014/main" val="137202944"/>
                     </a:ext>
                   </a:extLst>
                 </a:gridCol>
                 <a:gridCol w="1174022">
                   <a:extLst>
                     <a:ext uri="{9D8B030D-6E8A-4147-A177-3AD203B41FA5}">
-                      <a16:colId xmlns:a16="http://schemas.microsoft.com/office/drawing/2014/main" xmlns="" val="2445746599"/>
+                      <a16:colId xmlns:a16="http://schemas.microsoft.com/office/drawing/2014/main" val="2445746599"/>
                     </a:ext>
                   </a:extLst>
                 </a:gridCol>
                 <a:gridCol w="1174022">
                   <a:extLst>
                     <a:ext uri="{9D8B030D-6E8A-4147-A177-3AD203B41FA5}">
-                      <a16:colId xmlns:a16="http://schemas.microsoft.com/office/drawing/2014/main" xmlns="" val="879690143"/>
+                      <a16:colId xmlns:a16="http://schemas.microsoft.com/office/drawing/2014/main" val="879690143"/>
                     </a:ext>
                   </a:extLst>
                 </a:gridCol>
                 <a:gridCol w="1174022">
                   <a:extLst>
                     <a:ext uri="{9D8B030D-6E8A-4147-A177-3AD203B41FA5}">
-                      <a16:colId xmlns:a16="http://schemas.microsoft.com/office/drawing/2014/main" xmlns="" val="1844231954"/>
+                      <a16:colId xmlns:a16="http://schemas.microsoft.com/office/drawing/2014/main" val="1844231954"/>
                     </a:ext>
                   </a:extLst>
                 </a:gridCol>
@@ -15998,7 +15998,7 @@
                 </a:tc>
                 <a:extLst>
                   <a:ext uri="{0D108BD9-81ED-4DB2-BD59-A6C34878D82A}">
-                    <a16:rowId xmlns:a16="http://schemas.microsoft.com/office/drawing/2014/main" xmlns="" val="2558424712"/>
+                    <a16:rowId xmlns:a16="http://schemas.microsoft.com/office/drawing/2014/main" val="2558424712"/>
                   </a:ext>
                 </a:extLst>
               </a:tr>
@@ -16102,7 +16102,7 @@
                 </a:tc>
                 <a:extLst>
                   <a:ext uri="{0D108BD9-81ED-4DB2-BD59-A6C34878D82A}">
-                    <a16:rowId xmlns:a16="http://schemas.microsoft.com/office/drawing/2014/main" xmlns="" val="2457705393"/>
+                    <a16:rowId xmlns:a16="http://schemas.microsoft.com/office/drawing/2014/main" val="2457705393"/>
                   </a:ext>
                 </a:extLst>
               </a:tr>
@@ -16206,7 +16206,7 @@
                 </a:tc>
                 <a:extLst>
                   <a:ext uri="{0D108BD9-81ED-4DB2-BD59-A6C34878D82A}">
-                    <a16:rowId xmlns:a16="http://schemas.microsoft.com/office/drawing/2014/main" xmlns="" val="3220717825"/>
+                    <a16:rowId xmlns:a16="http://schemas.microsoft.com/office/drawing/2014/main" val="3220717825"/>
                   </a:ext>
                 </a:extLst>
               </a:tr>
@@ -16310,7 +16310,7 @@
                 </a:tc>
                 <a:extLst>
                   <a:ext uri="{0D108BD9-81ED-4DB2-BD59-A6C34878D82A}">
-                    <a16:rowId xmlns:a16="http://schemas.microsoft.com/office/drawing/2014/main" xmlns="" val="820929383"/>
+                    <a16:rowId xmlns:a16="http://schemas.microsoft.com/office/drawing/2014/main" val="820929383"/>
                   </a:ext>
                 </a:extLst>
               </a:tr>
@@ -16414,7 +16414,7 @@
                 </a:tc>
                 <a:extLst>
                   <a:ext uri="{0D108BD9-81ED-4DB2-BD59-A6C34878D82A}">
-                    <a16:rowId xmlns:a16="http://schemas.microsoft.com/office/drawing/2014/main" xmlns="" val="817467228"/>
+                    <a16:rowId xmlns:a16="http://schemas.microsoft.com/office/drawing/2014/main" val="817467228"/>
                   </a:ext>
                 </a:extLst>
               </a:tr>
@@ -16518,7 +16518,7 @@
                 </a:tc>
                 <a:extLst>
                   <a:ext uri="{0D108BD9-81ED-4DB2-BD59-A6C34878D82A}">
-                    <a16:rowId xmlns:a16="http://schemas.microsoft.com/office/drawing/2014/main" xmlns="" val="3698354961"/>
+                    <a16:rowId xmlns:a16="http://schemas.microsoft.com/office/drawing/2014/main" val="3698354961"/>
                   </a:ext>
                 </a:extLst>
               </a:tr>
@@ -16622,7 +16622,7 @@
                 </a:tc>
                 <a:extLst>
                   <a:ext uri="{0D108BD9-81ED-4DB2-BD59-A6C34878D82A}">
-                    <a16:rowId xmlns:a16="http://schemas.microsoft.com/office/drawing/2014/main" xmlns="" val="164357890"/>
+                    <a16:rowId xmlns:a16="http://schemas.microsoft.com/office/drawing/2014/main" val="164357890"/>
                   </a:ext>
                 </a:extLst>
               </a:tr>
@@ -16726,7 +16726,7 @@
                 </a:tc>
                 <a:extLst>
                   <a:ext uri="{0D108BD9-81ED-4DB2-BD59-A6C34878D82A}">
-                    <a16:rowId xmlns:a16="http://schemas.microsoft.com/office/drawing/2014/main" xmlns="" val="3159685966"/>
+                    <a16:rowId xmlns:a16="http://schemas.microsoft.com/office/drawing/2014/main" val="3159685966"/>
                   </a:ext>
                 </a:extLst>
               </a:tr>
@@ -16830,7 +16830,7 @@
                 </a:tc>
                 <a:extLst>
                   <a:ext uri="{0D108BD9-81ED-4DB2-BD59-A6C34878D82A}">
-                    <a16:rowId xmlns:a16="http://schemas.microsoft.com/office/drawing/2014/main" xmlns="" val="4078334338"/>
+                    <a16:rowId xmlns:a16="http://schemas.microsoft.com/office/drawing/2014/main" val="4078334338"/>
                   </a:ext>
                 </a:extLst>
               </a:tr>
@@ -16934,7 +16934,7 @@
                 </a:tc>
                 <a:extLst>
                   <a:ext uri="{0D108BD9-81ED-4DB2-BD59-A6C34878D82A}">
-                    <a16:rowId xmlns:a16="http://schemas.microsoft.com/office/drawing/2014/main" xmlns="" val="2072690065"/>
+                    <a16:rowId xmlns:a16="http://schemas.microsoft.com/office/drawing/2014/main" val="2072690065"/>
                   </a:ext>
                 </a:extLst>
               </a:tr>
@@ -16947,7 +16947,7 @@
           <p:cNvPr id="4" name="Right Brace 3">
             <a:extLst>
               <a:ext uri="{FF2B5EF4-FFF2-40B4-BE49-F238E27FC236}">
-                <a16:creationId xmlns:a16="http://schemas.microsoft.com/office/drawing/2014/main" xmlns="" id="{A5F1A74C-3AF2-4B40-9A6E-1870844244AB}"/>
+                <a16:creationId xmlns:a16="http://schemas.microsoft.com/office/drawing/2014/main" id="{A5F1A74C-3AF2-4B40-9A6E-1870844244AB}"/>
               </a:ext>
             </a:extLst>
           </p:cNvPr>
@@ -16991,7 +16991,7 @@
           <p:cNvPr id="5" name="TextBox 4">
             <a:extLst>
               <a:ext uri="{FF2B5EF4-FFF2-40B4-BE49-F238E27FC236}">
-                <a16:creationId xmlns:a16="http://schemas.microsoft.com/office/drawing/2014/main" xmlns="" id="{12EEC191-928F-446C-8886-D3B2EB936263}"/>
+                <a16:creationId xmlns:a16="http://schemas.microsoft.com/office/drawing/2014/main" id="{12EEC191-928F-446C-8886-D3B2EB936263}"/>
               </a:ext>
             </a:extLst>
           </p:cNvPr>
@@ -17042,7 +17042,7 @@
           <p:cNvPr id="6" name="TextBox 5">
             <a:extLst>
               <a:ext uri="{FF2B5EF4-FFF2-40B4-BE49-F238E27FC236}">
-                <a16:creationId xmlns:a16="http://schemas.microsoft.com/office/drawing/2014/main" xmlns="" id="{83446943-F832-45CB-A63F-9C01A4E70334}"/>
+                <a16:creationId xmlns:a16="http://schemas.microsoft.com/office/drawing/2014/main" id="{83446943-F832-45CB-A63F-9C01A4E70334}"/>
               </a:ext>
             </a:extLst>
           </p:cNvPr>
@@ -17090,7 +17090,7 @@
           <p:cNvPr id="13" name="Rectangle 12">
             <a:extLst>
               <a:ext uri="{FF2B5EF4-FFF2-40B4-BE49-F238E27FC236}">
-                <a16:creationId xmlns:a16="http://schemas.microsoft.com/office/drawing/2014/main" xmlns="" id="{94589532-D5E7-472C-9AC9-E54C6EF2AB50}"/>
+                <a16:creationId xmlns:a16="http://schemas.microsoft.com/office/drawing/2014/main" id="{94589532-D5E7-472C-9AC9-E54C6EF2AB50}"/>
               </a:ext>
             </a:extLst>
           </p:cNvPr>
@@ -17139,7 +17139,7 @@
           <p:cNvPr id="14" name="Rectangle 13">
             <a:extLst>
               <a:ext uri="{FF2B5EF4-FFF2-40B4-BE49-F238E27FC236}">
-                <a16:creationId xmlns:a16="http://schemas.microsoft.com/office/drawing/2014/main" xmlns="" id="{9DCC947C-2F15-4FC3-AE35-EBD4EF04AF62}"/>
+                <a16:creationId xmlns:a16="http://schemas.microsoft.com/office/drawing/2014/main" id="{9DCC947C-2F15-4FC3-AE35-EBD4EF04AF62}"/>
               </a:ext>
             </a:extLst>
           </p:cNvPr>
@@ -17189,7 +17189,7 @@
           <p:cNvPr id="16" name="Straight Arrow Connector 15">
             <a:extLst>
               <a:ext uri="{FF2B5EF4-FFF2-40B4-BE49-F238E27FC236}">
-                <a16:creationId xmlns:a16="http://schemas.microsoft.com/office/drawing/2014/main" xmlns="" id="{6B081D50-641E-4811-847F-03DC5FE8E3C0}"/>
+                <a16:creationId xmlns:a16="http://schemas.microsoft.com/office/drawing/2014/main" id="{6B081D50-641E-4811-847F-03DC5FE8E3C0}"/>
               </a:ext>
             </a:extLst>
           </p:cNvPr>
@@ -17230,7 +17230,7 @@
           <p:cNvPr id="18" name="TextBox 17">
             <a:extLst>
               <a:ext uri="{FF2B5EF4-FFF2-40B4-BE49-F238E27FC236}">
-                <a16:creationId xmlns:a16="http://schemas.microsoft.com/office/drawing/2014/main" xmlns="" id="{7983528E-9670-4AB5-A16F-3B2D4BAE43A4}"/>
+                <a16:creationId xmlns:a16="http://schemas.microsoft.com/office/drawing/2014/main" id="{7983528E-9670-4AB5-A16F-3B2D4BAE43A4}"/>
               </a:ext>
             </a:extLst>
           </p:cNvPr>
@@ -17265,7 +17265,7 @@
           <p:cNvPr id="19" name="Rectangle 18">
             <a:extLst>
               <a:ext uri="{FF2B5EF4-FFF2-40B4-BE49-F238E27FC236}">
-                <a16:creationId xmlns:a16="http://schemas.microsoft.com/office/drawing/2014/main" xmlns="" id="{E81CDDD4-9A69-4DE3-BB4F-ACB47CEF78E2}"/>
+                <a16:creationId xmlns:a16="http://schemas.microsoft.com/office/drawing/2014/main" id="{E81CDDD4-9A69-4DE3-BB4F-ACB47CEF78E2}"/>
               </a:ext>
             </a:extLst>
           </p:cNvPr>
@@ -17314,7 +17314,7 @@
           <p:cNvPr id="21" name="Straight Arrow Connector 20">
             <a:extLst>
               <a:ext uri="{FF2B5EF4-FFF2-40B4-BE49-F238E27FC236}">
-                <a16:creationId xmlns:a16="http://schemas.microsoft.com/office/drawing/2014/main" xmlns="" id="{89D2D609-C9DD-4EBA-BA13-53DC669DB1AC}"/>
+                <a16:creationId xmlns:a16="http://schemas.microsoft.com/office/drawing/2014/main" id="{89D2D609-C9DD-4EBA-BA13-53DC669DB1AC}"/>
               </a:ext>
             </a:extLst>
           </p:cNvPr>
@@ -17357,7 +17357,7 @@
           <p:cNvPr id="24" name="Arrow: Down 23">
             <a:extLst>
               <a:ext uri="{FF2B5EF4-FFF2-40B4-BE49-F238E27FC236}">
-                <a16:creationId xmlns:a16="http://schemas.microsoft.com/office/drawing/2014/main" xmlns="" id="{5F02A880-D100-484F-9ED5-FD686BC6BAC4}"/>
+                <a16:creationId xmlns:a16="http://schemas.microsoft.com/office/drawing/2014/main" id="{5F02A880-D100-484F-9ED5-FD686BC6BAC4}"/>
               </a:ext>
             </a:extLst>
           </p:cNvPr>
@@ -17403,7 +17403,7 @@
           <p:cNvPr id="25" name="Cube 24">
             <a:extLst>
               <a:ext uri="{FF2B5EF4-FFF2-40B4-BE49-F238E27FC236}">
-                <a16:creationId xmlns:a16="http://schemas.microsoft.com/office/drawing/2014/main" xmlns="" id="{068C4950-C86A-409F-8D20-723BC70D9071}"/>
+                <a16:creationId xmlns:a16="http://schemas.microsoft.com/office/drawing/2014/main" id="{068C4950-C86A-409F-8D20-723BC70D9071}"/>
               </a:ext>
             </a:extLst>
           </p:cNvPr>
@@ -17452,7 +17452,7 @@
           <p:cNvPr id="26" name="Rectangle 25">
             <a:extLst>
               <a:ext uri="{FF2B5EF4-FFF2-40B4-BE49-F238E27FC236}">
-                <a16:creationId xmlns:a16="http://schemas.microsoft.com/office/drawing/2014/main" xmlns="" id="{DA5F2D75-F8DD-46C1-B4C2-1474EFB31BD8}"/>
+                <a16:creationId xmlns:a16="http://schemas.microsoft.com/office/drawing/2014/main" id="{DA5F2D75-F8DD-46C1-B4C2-1474EFB31BD8}"/>
               </a:ext>
             </a:extLst>
           </p:cNvPr>
@@ -17501,7 +17501,7 @@
           <p:cNvPr id="27" name="Rectangle 26">
             <a:extLst>
               <a:ext uri="{FF2B5EF4-FFF2-40B4-BE49-F238E27FC236}">
-                <a16:creationId xmlns:a16="http://schemas.microsoft.com/office/drawing/2014/main" xmlns="" id="{D7F0B10E-A8D5-4DCF-A30C-844987DA5598}"/>
+                <a16:creationId xmlns:a16="http://schemas.microsoft.com/office/drawing/2014/main" id="{D7F0B10E-A8D5-4DCF-A30C-844987DA5598}"/>
               </a:ext>
             </a:extLst>
           </p:cNvPr>
@@ -17550,7 +17550,7 @@
           <p:cNvPr id="28" name="Rectangle 27">
             <a:extLst>
               <a:ext uri="{FF2B5EF4-FFF2-40B4-BE49-F238E27FC236}">
-                <a16:creationId xmlns:a16="http://schemas.microsoft.com/office/drawing/2014/main" xmlns="" id="{12F6A2D4-90F8-4E09-BF38-CF5B6FFC3C42}"/>
+                <a16:creationId xmlns:a16="http://schemas.microsoft.com/office/drawing/2014/main" id="{12F6A2D4-90F8-4E09-BF38-CF5B6FFC3C42}"/>
               </a:ext>
             </a:extLst>
           </p:cNvPr>
@@ -17599,7 +17599,7 @@
           <p:cNvPr id="30" name="Cube 29">
             <a:extLst>
               <a:ext uri="{FF2B5EF4-FFF2-40B4-BE49-F238E27FC236}">
-                <a16:creationId xmlns:a16="http://schemas.microsoft.com/office/drawing/2014/main" xmlns="" id="{00B6168E-13BB-43A0-8C51-BFBBC95B2E27}"/>
+                <a16:creationId xmlns:a16="http://schemas.microsoft.com/office/drawing/2014/main" id="{00B6168E-13BB-43A0-8C51-BFBBC95B2E27}"/>
               </a:ext>
             </a:extLst>
           </p:cNvPr>
@@ -17648,7 +17648,7 @@
           <p:cNvPr id="32" name="Cube 31">
             <a:extLst>
               <a:ext uri="{FF2B5EF4-FFF2-40B4-BE49-F238E27FC236}">
-                <a16:creationId xmlns:a16="http://schemas.microsoft.com/office/drawing/2014/main" xmlns="" id="{DCBFC977-B9DC-4A17-8C69-DF779FFA81FF}"/>
+                <a16:creationId xmlns:a16="http://schemas.microsoft.com/office/drawing/2014/main" id="{DCBFC977-B9DC-4A17-8C69-DF779FFA81FF}"/>
               </a:ext>
             </a:extLst>
           </p:cNvPr>
@@ -17697,7 +17697,7 @@
           <p:cNvPr id="34" name="Cube 33">
             <a:extLst>
               <a:ext uri="{FF2B5EF4-FFF2-40B4-BE49-F238E27FC236}">
-                <a16:creationId xmlns:a16="http://schemas.microsoft.com/office/drawing/2014/main" xmlns="" id="{520138C6-51E7-4786-B865-D9757385BE0E}"/>
+                <a16:creationId xmlns:a16="http://schemas.microsoft.com/office/drawing/2014/main" id="{520138C6-51E7-4786-B865-D9757385BE0E}"/>
               </a:ext>
             </a:extLst>
           </p:cNvPr>
@@ -17746,7 +17746,7 @@
           <p:cNvPr id="36" name="Cube 35">
             <a:extLst>
               <a:ext uri="{FF2B5EF4-FFF2-40B4-BE49-F238E27FC236}">
-                <a16:creationId xmlns:a16="http://schemas.microsoft.com/office/drawing/2014/main" xmlns="" id="{946E82FC-65BF-4EE7-9838-D6E44042869F}"/>
+                <a16:creationId xmlns:a16="http://schemas.microsoft.com/office/drawing/2014/main" id="{946E82FC-65BF-4EE7-9838-D6E44042869F}"/>
               </a:ext>
             </a:extLst>
           </p:cNvPr>
@@ -17795,7 +17795,7 @@
           <p:cNvPr id="43" name="Arrow: Right 42">
             <a:extLst>
               <a:ext uri="{FF2B5EF4-FFF2-40B4-BE49-F238E27FC236}">
-                <a16:creationId xmlns:a16="http://schemas.microsoft.com/office/drawing/2014/main" xmlns="" id="{99A04B0C-C453-4324-853A-4BB3914D2283}"/>
+                <a16:creationId xmlns:a16="http://schemas.microsoft.com/office/drawing/2014/main" id="{99A04B0C-C453-4324-853A-4BB3914D2283}"/>
               </a:ext>
             </a:extLst>
           </p:cNvPr>
@@ -17844,7 +17844,7 @@
           <p:cNvPr id="45" name="Connector: Elbow 44">
             <a:extLst>
               <a:ext uri="{FF2B5EF4-FFF2-40B4-BE49-F238E27FC236}">
-                <a16:creationId xmlns:a16="http://schemas.microsoft.com/office/drawing/2014/main" xmlns="" id="{CE00A6A3-3BCF-46B6-B8F5-852A89847205}"/>
+                <a16:creationId xmlns:a16="http://schemas.microsoft.com/office/drawing/2014/main" id="{CE00A6A3-3BCF-46B6-B8F5-852A89847205}"/>
               </a:ext>
             </a:extLst>
           </p:cNvPr>
@@ -17889,7 +17889,7 @@
           <p:cNvPr id="47" name="TextBox 46">
             <a:extLst>
               <a:ext uri="{FF2B5EF4-FFF2-40B4-BE49-F238E27FC236}">
-                <a16:creationId xmlns:a16="http://schemas.microsoft.com/office/drawing/2014/main" xmlns="" id="{6B0663B8-F1AA-4D7A-9D4A-7F4B98969207}"/>
+                <a16:creationId xmlns:a16="http://schemas.microsoft.com/office/drawing/2014/main" id="{6B0663B8-F1AA-4D7A-9D4A-7F4B98969207}"/>
               </a:ext>
             </a:extLst>
           </p:cNvPr>
@@ -17924,7 +17924,7 @@
           <p:cNvPr id="48" name="Arrow: Right 47">
             <a:extLst>
               <a:ext uri="{FF2B5EF4-FFF2-40B4-BE49-F238E27FC236}">
-                <a16:creationId xmlns:a16="http://schemas.microsoft.com/office/drawing/2014/main" xmlns="" id="{91F1C164-CE2D-4135-B2A9-7B4D21E9BD19}"/>
+                <a16:creationId xmlns:a16="http://schemas.microsoft.com/office/drawing/2014/main" id="{91F1C164-CE2D-4135-B2A9-7B4D21E9BD19}"/>
               </a:ext>
             </a:extLst>
           </p:cNvPr>
@@ -17973,7 +17973,7 @@
           <p:cNvPr id="49" name="Table 48">
             <a:extLst>
               <a:ext uri="{FF2B5EF4-FFF2-40B4-BE49-F238E27FC236}">
-                <a16:creationId xmlns:a16="http://schemas.microsoft.com/office/drawing/2014/main" xmlns="" id="{0CDF3FA9-FE81-46B9-A8CE-AF20C87C4D43}"/>
+                <a16:creationId xmlns:a16="http://schemas.microsoft.com/office/drawing/2014/main" id="{0CDF3FA9-FE81-46B9-A8CE-AF20C87C4D43}"/>
               </a:ext>
             </a:extLst>
           </p:cNvPr>
@@ -18002,7 +18002,7 @@
                 <a:gridCol w="1174022">
                   <a:extLst>
                     <a:ext uri="{9D8B030D-6E8A-4147-A177-3AD203B41FA5}">
-                      <a16:colId xmlns:a16="http://schemas.microsoft.com/office/drawing/2014/main" xmlns="" val="2424843954"/>
+                      <a16:colId xmlns:a16="http://schemas.microsoft.com/office/drawing/2014/main" val="2424843954"/>
                     </a:ext>
                   </a:extLst>
                 </a:gridCol>
@@ -18027,7 +18027,7 @@
                 </a:tc>
                 <a:extLst>
                   <a:ext uri="{0D108BD9-81ED-4DB2-BD59-A6C34878D82A}">
-                    <a16:rowId xmlns:a16="http://schemas.microsoft.com/office/drawing/2014/main" xmlns="" val="356860239"/>
+                    <a16:rowId xmlns:a16="http://schemas.microsoft.com/office/drawing/2014/main" val="356860239"/>
                   </a:ext>
                 </a:extLst>
               </a:tr>
@@ -18051,7 +18051,7 @@
                 </a:tc>
                 <a:extLst>
                   <a:ext uri="{0D108BD9-81ED-4DB2-BD59-A6C34878D82A}">
-                    <a16:rowId xmlns:a16="http://schemas.microsoft.com/office/drawing/2014/main" xmlns="" val="860207576"/>
+                    <a16:rowId xmlns:a16="http://schemas.microsoft.com/office/drawing/2014/main" val="860207576"/>
                   </a:ext>
                 </a:extLst>
               </a:tr>
@@ -18075,7 +18075,7 @@
                 </a:tc>
                 <a:extLst>
                   <a:ext uri="{0D108BD9-81ED-4DB2-BD59-A6C34878D82A}">
-                    <a16:rowId xmlns:a16="http://schemas.microsoft.com/office/drawing/2014/main" xmlns="" val="674698534"/>
+                    <a16:rowId xmlns:a16="http://schemas.microsoft.com/office/drawing/2014/main" val="674698534"/>
                   </a:ext>
                 </a:extLst>
               </a:tr>
@@ -18099,7 +18099,7 @@
                 </a:tc>
                 <a:extLst>
                   <a:ext uri="{0D108BD9-81ED-4DB2-BD59-A6C34878D82A}">
-                    <a16:rowId xmlns:a16="http://schemas.microsoft.com/office/drawing/2014/main" xmlns="" val="2848344519"/>
+                    <a16:rowId xmlns:a16="http://schemas.microsoft.com/office/drawing/2014/main" val="2848344519"/>
                   </a:ext>
                 </a:extLst>
               </a:tr>
@@ -18112,7 +18112,7 @@
           <p:cNvPr id="50" name="TextBox 49">
             <a:extLst>
               <a:ext uri="{FF2B5EF4-FFF2-40B4-BE49-F238E27FC236}">
-                <a16:creationId xmlns:a16="http://schemas.microsoft.com/office/drawing/2014/main" xmlns="" id="{06355B9E-9046-47E2-811D-2EA0C402CF91}"/>
+                <a16:creationId xmlns:a16="http://schemas.microsoft.com/office/drawing/2014/main" id="{06355B9E-9046-47E2-811D-2EA0C402CF91}"/>
               </a:ext>
             </a:extLst>
           </p:cNvPr>
@@ -18147,7 +18147,7 @@
           <p:cNvPr id="52" name="Arrow: Right 51">
             <a:extLst>
               <a:ext uri="{FF2B5EF4-FFF2-40B4-BE49-F238E27FC236}">
-                <a16:creationId xmlns:a16="http://schemas.microsoft.com/office/drawing/2014/main" xmlns="" id="{6C62F43F-2531-44A7-BAA1-3D27B8C2151E}"/>
+                <a16:creationId xmlns:a16="http://schemas.microsoft.com/office/drawing/2014/main" id="{6C62F43F-2531-44A7-BAA1-3D27B8C2151E}"/>
               </a:ext>
             </a:extLst>
           </p:cNvPr>
@@ -18196,7 +18196,7 @@
           <p:cNvPr id="56" name="Arrow: Right 55">
             <a:extLst>
               <a:ext uri="{FF2B5EF4-FFF2-40B4-BE49-F238E27FC236}">
-                <a16:creationId xmlns:a16="http://schemas.microsoft.com/office/drawing/2014/main" xmlns="" id="{6495F56C-63CF-423F-AF28-A1E9D7E42C33}"/>
+                <a16:creationId xmlns:a16="http://schemas.microsoft.com/office/drawing/2014/main" id="{6495F56C-63CF-423F-AF28-A1E9D7E42C33}"/>
               </a:ext>
             </a:extLst>
           </p:cNvPr>
@@ -18245,7 +18245,7 @@
           <p:cNvPr id="57" name="TextBox 56">
             <a:extLst>
               <a:ext uri="{FF2B5EF4-FFF2-40B4-BE49-F238E27FC236}">
-                <a16:creationId xmlns:a16="http://schemas.microsoft.com/office/drawing/2014/main" xmlns="" id="{CA89F0D0-AE57-48F9-BA99-638EA4B90341}"/>
+                <a16:creationId xmlns:a16="http://schemas.microsoft.com/office/drawing/2014/main" id="{CA89F0D0-AE57-48F9-BA99-638EA4B90341}"/>
               </a:ext>
             </a:extLst>
           </p:cNvPr>
@@ -18313,7 +18313,7 @@
           <p:cNvPr id="3" name="Content Placeholder 2">
             <a:extLst>
               <a:ext uri="{FF2B5EF4-FFF2-40B4-BE49-F238E27FC236}">
-                <a16:creationId xmlns:a16="http://schemas.microsoft.com/office/drawing/2014/main" xmlns="" id="{A9BF8C30-5AFE-41A6-9AB8-4BCE766E5207}"/>
+                <a16:creationId xmlns:a16="http://schemas.microsoft.com/office/drawing/2014/main" id="{A9BF8C30-5AFE-41A6-9AB8-4BCE766E5207}"/>
               </a:ext>
             </a:extLst>
           </p:cNvPr>
@@ -18379,7 +18379,7 @@
           <p:cNvPr id="8" name="Title 10">
             <a:extLst>
               <a:ext uri="{FF2B5EF4-FFF2-40B4-BE49-F238E27FC236}">
-                <a16:creationId xmlns:a16="http://schemas.microsoft.com/office/drawing/2014/main" xmlns="" id="{337F03BE-E45B-4A2F-A0A9-67725B2A5768}"/>
+                <a16:creationId xmlns:a16="http://schemas.microsoft.com/office/drawing/2014/main" id="{337F03BE-E45B-4A2F-A0A9-67725B2A5768}"/>
               </a:ext>
             </a:extLst>
           </p:cNvPr>
@@ -18422,7 +18422,7 @@
           <p:cNvPr id="9" name="Picture 8">
             <a:extLst>
               <a:ext uri="{FF2B5EF4-FFF2-40B4-BE49-F238E27FC236}">
-                <a16:creationId xmlns:a16="http://schemas.microsoft.com/office/drawing/2014/main" xmlns="" id="{2B591B81-F402-4D8B-8B10-D7CC48F1071B}"/>
+                <a16:creationId xmlns:a16="http://schemas.microsoft.com/office/drawing/2014/main" id="{2B591B81-F402-4D8B-8B10-D7CC48F1071B}"/>
               </a:ext>
             </a:extLst>
           </p:cNvPr>
@@ -18458,7 +18458,7 @@
           <p:cNvPr id="10" name="Straight Connector 9">
             <a:extLst>
               <a:ext uri="{FF2B5EF4-FFF2-40B4-BE49-F238E27FC236}">
-                <a16:creationId xmlns:a16="http://schemas.microsoft.com/office/drawing/2014/main" xmlns="" id="{79F89C4E-74B6-48D7-868D-786EC5E6368B}"/>
+                <a16:creationId xmlns:a16="http://schemas.microsoft.com/office/drawing/2014/main" id="{79F89C4E-74B6-48D7-868D-786EC5E6368B}"/>
               </a:ext>
             </a:extLst>
           </p:cNvPr>
@@ -18561,7 +18561,7 @@
           <p:cNvPr id="37" name="TextBox 36">
             <a:extLst>
               <a:ext uri="{FF2B5EF4-FFF2-40B4-BE49-F238E27FC236}">
-                <a16:creationId xmlns:a16="http://schemas.microsoft.com/office/drawing/2014/main" xmlns="" id="{E8CAC22F-1542-4031-BC6C-A16989886504}"/>
+                <a16:creationId xmlns:a16="http://schemas.microsoft.com/office/drawing/2014/main" id="{E8CAC22F-1542-4031-BC6C-A16989886504}"/>
               </a:ext>
             </a:extLst>
           </p:cNvPr>
@@ -18614,7 +18614,7 @@
           <p:cNvPr id="40" name="Picture 39">
             <a:extLst>
               <a:ext uri="{FF2B5EF4-FFF2-40B4-BE49-F238E27FC236}">
-                <a16:creationId xmlns:a16="http://schemas.microsoft.com/office/drawing/2014/main" xmlns="" id="{DA60E6FB-8C44-4FEB-B6E9-83DA908565CD}"/>
+                <a16:creationId xmlns:a16="http://schemas.microsoft.com/office/drawing/2014/main" id="{DA60E6FB-8C44-4FEB-B6E9-83DA908565CD}"/>
               </a:ext>
             </a:extLst>
           </p:cNvPr>
@@ -18650,7 +18650,7 @@
           <p:cNvPr id="41" name="Straight Connector 40">
             <a:extLst>
               <a:ext uri="{FF2B5EF4-FFF2-40B4-BE49-F238E27FC236}">
-                <a16:creationId xmlns:a16="http://schemas.microsoft.com/office/drawing/2014/main" xmlns="" id="{3B3B7D73-CAE9-45AC-ACCE-FAEF4E505C7A}"/>
+                <a16:creationId xmlns:a16="http://schemas.microsoft.com/office/drawing/2014/main" id="{3B3B7D73-CAE9-45AC-ACCE-FAEF4E505C7A}"/>
               </a:ext>
             </a:extLst>
           </p:cNvPr>
@@ -18686,7 +18686,7 @@
           <p:cNvPr id="2" name="TextBox 1">
             <a:extLst>
               <a:ext uri="{FF2B5EF4-FFF2-40B4-BE49-F238E27FC236}">
-                <a16:creationId xmlns:a16="http://schemas.microsoft.com/office/drawing/2014/main" xmlns="" id="{9EE80763-F0BD-40F1-95D8-3176FF2901EB}"/>
+                <a16:creationId xmlns:a16="http://schemas.microsoft.com/office/drawing/2014/main" id="{9EE80763-F0BD-40F1-95D8-3176FF2901EB}"/>
               </a:ext>
             </a:extLst>
           </p:cNvPr>
@@ -18721,7 +18721,7 @@
           <p:cNvPr id="3" name="Table 3">
             <a:extLst>
               <a:ext uri="{FF2B5EF4-FFF2-40B4-BE49-F238E27FC236}">
-                <a16:creationId xmlns:a16="http://schemas.microsoft.com/office/drawing/2014/main" xmlns="" id="{8BEE9C5A-30C3-4FC8-AC21-80DC4C913ABD}"/>
+                <a16:creationId xmlns:a16="http://schemas.microsoft.com/office/drawing/2014/main" id="{8BEE9C5A-30C3-4FC8-AC21-80DC4C913ABD}"/>
               </a:ext>
             </a:extLst>
           </p:cNvPr>
@@ -18750,21 +18750,21 @@
                 <a:gridCol w="2032000">
                   <a:extLst>
                     <a:ext uri="{9D8B030D-6E8A-4147-A177-3AD203B41FA5}">
-                      <a16:colId xmlns:a16="http://schemas.microsoft.com/office/drawing/2014/main" xmlns="" val="4266700039"/>
+                      <a16:colId xmlns:a16="http://schemas.microsoft.com/office/drawing/2014/main" val="4266700039"/>
                     </a:ext>
                   </a:extLst>
                 </a:gridCol>
                 <a:gridCol w="2032000">
                   <a:extLst>
                     <a:ext uri="{9D8B030D-6E8A-4147-A177-3AD203B41FA5}">
-                      <a16:colId xmlns:a16="http://schemas.microsoft.com/office/drawing/2014/main" xmlns="" val="1503462646"/>
+                      <a16:colId xmlns:a16="http://schemas.microsoft.com/office/drawing/2014/main" val="1503462646"/>
                     </a:ext>
                   </a:extLst>
                 </a:gridCol>
                 <a:gridCol w="2032000">
                   <a:extLst>
                     <a:ext uri="{9D8B030D-6E8A-4147-A177-3AD203B41FA5}">
-                      <a16:colId xmlns:a16="http://schemas.microsoft.com/office/drawing/2014/main" xmlns="" val="3200607155"/>
+                      <a16:colId xmlns:a16="http://schemas.microsoft.com/office/drawing/2014/main" val="3200607155"/>
                     </a:ext>
                   </a:extLst>
                 </a:gridCol>
@@ -18823,7 +18823,7 @@
                 </a:tc>
                 <a:extLst>
                   <a:ext uri="{0D108BD9-81ED-4DB2-BD59-A6C34878D82A}">
-                    <a16:rowId xmlns:a16="http://schemas.microsoft.com/office/drawing/2014/main" xmlns="" val="3669056907"/>
+                    <a16:rowId xmlns:a16="http://schemas.microsoft.com/office/drawing/2014/main" val="3669056907"/>
                   </a:ext>
                 </a:extLst>
               </a:tr>
@@ -18899,7 +18899,7 @@
                 </a:tc>
                 <a:extLst>
                   <a:ext uri="{0D108BD9-81ED-4DB2-BD59-A6C34878D82A}">
-                    <a16:rowId xmlns:a16="http://schemas.microsoft.com/office/drawing/2014/main" xmlns="" val="1802410979"/>
+                    <a16:rowId xmlns:a16="http://schemas.microsoft.com/office/drawing/2014/main" val="1802410979"/>
                   </a:ext>
                 </a:extLst>
               </a:tr>
@@ -18972,7 +18972,7 @@
                 </a:tc>
                 <a:extLst>
                   <a:ext uri="{0D108BD9-81ED-4DB2-BD59-A6C34878D82A}">
-                    <a16:rowId xmlns:a16="http://schemas.microsoft.com/office/drawing/2014/main" xmlns="" val="3960728975"/>
+                    <a16:rowId xmlns:a16="http://schemas.microsoft.com/office/drawing/2014/main" val="3960728975"/>
                   </a:ext>
                 </a:extLst>
               </a:tr>
@@ -18987,7 +18987,7 @@
               <p14:cNvPr id="4" name="Ink 3">
                 <a:extLst>
                   <a:ext uri="{FF2B5EF4-FFF2-40B4-BE49-F238E27FC236}">
-                    <a16:creationId xmlns:a16="http://schemas.microsoft.com/office/drawing/2014/main" xmlns="" id="{0C1BEEBC-A9DD-4D7D-BEF1-8313EBD7D3EE}"/>
+                    <a16:creationId xmlns:a16="http://schemas.microsoft.com/office/drawing/2014/main" id="{0C1BEEBC-A9DD-4D7D-BEF1-8313EBD7D3EE}"/>
                   </a:ext>
                 </a:extLst>
               </p14:cNvPr>
@@ -19106,7 +19106,7 @@
           <p:cNvPr id="37" name="TextBox 36">
             <a:extLst>
               <a:ext uri="{FF2B5EF4-FFF2-40B4-BE49-F238E27FC236}">
-                <a16:creationId xmlns:a16="http://schemas.microsoft.com/office/drawing/2014/main" xmlns="" id="{E8CAC22F-1542-4031-BC6C-A16989886504}"/>
+                <a16:creationId xmlns:a16="http://schemas.microsoft.com/office/drawing/2014/main" id="{E8CAC22F-1542-4031-BC6C-A16989886504}"/>
               </a:ext>
             </a:extLst>
           </p:cNvPr>
@@ -19159,7 +19159,7 @@
           <p:cNvPr id="40" name="Picture 39">
             <a:extLst>
               <a:ext uri="{FF2B5EF4-FFF2-40B4-BE49-F238E27FC236}">
-                <a16:creationId xmlns:a16="http://schemas.microsoft.com/office/drawing/2014/main" xmlns="" id="{DA60E6FB-8C44-4FEB-B6E9-83DA908565CD}"/>
+                <a16:creationId xmlns:a16="http://schemas.microsoft.com/office/drawing/2014/main" id="{DA60E6FB-8C44-4FEB-B6E9-83DA908565CD}"/>
               </a:ext>
             </a:extLst>
           </p:cNvPr>
@@ -19195,7 +19195,7 @@
           <p:cNvPr id="41" name="Straight Connector 40">
             <a:extLst>
               <a:ext uri="{FF2B5EF4-FFF2-40B4-BE49-F238E27FC236}">
-                <a16:creationId xmlns:a16="http://schemas.microsoft.com/office/drawing/2014/main" xmlns="" id="{3B3B7D73-CAE9-45AC-ACCE-FAEF4E505C7A}"/>
+                <a16:creationId xmlns:a16="http://schemas.microsoft.com/office/drawing/2014/main" id="{3B3B7D73-CAE9-45AC-ACCE-FAEF4E505C7A}"/>
               </a:ext>
             </a:extLst>
           </p:cNvPr>
@@ -19231,7 +19231,7 @@
           <p:cNvPr id="2" name="TextBox 1">
             <a:extLst>
               <a:ext uri="{FF2B5EF4-FFF2-40B4-BE49-F238E27FC236}">
-                <a16:creationId xmlns:a16="http://schemas.microsoft.com/office/drawing/2014/main" xmlns="" id="{EA5A1026-75BF-44A7-A9CD-CF55A7B680D3}"/>
+                <a16:creationId xmlns:a16="http://schemas.microsoft.com/office/drawing/2014/main" id="{EA5A1026-75BF-44A7-A9CD-CF55A7B680D3}"/>
               </a:ext>
             </a:extLst>
           </p:cNvPr>
@@ -19274,7 +19274,7 @@
               <p14:cNvPr id="3" name="Ink 2">
                 <a:extLst>
                   <a:ext uri="{FF2B5EF4-FFF2-40B4-BE49-F238E27FC236}">
-                    <a16:creationId xmlns:a16="http://schemas.microsoft.com/office/drawing/2014/main" xmlns="" id="{30AD33C3-87CE-493D-A800-F830D2F769CA}"/>
+                    <a16:creationId xmlns:a16="http://schemas.microsoft.com/office/drawing/2014/main" id="{30AD33C3-87CE-493D-A800-F830D2F769CA}"/>
                   </a:ext>
                 </a:extLst>
               </p14:cNvPr>
@@ -19325,7 +19325,7 @@
               <p14:cNvPr id="4" name="Ink 3">
                 <a:extLst>
                   <a:ext uri="{FF2B5EF4-FFF2-40B4-BE49-F238E27FC236}">
-                    <a16:creationId xmlns:a16="http://schemas.microsoft.com/office/drawing/2014/main" xmlns="" id="{8BB308E1-61F7-49E7-9457-25F103B92D50}"/>
+                    <a16:creationId xmlns:a16="http://schemas.microsoft.com/office/drawing/2014/main" id="{8BB308E1-61F7-49E7-9457-25F103B92D50}"/>
                   </a:ext>
                 </a:extLst>
               </p14:cNvPr>
@@ -19376,7 +19376,7 @@
               <p14:cNvPr id="5" name="Ink 4">
                 <a:extLst>
                   <a:ext uri="{FF2B5EF4-FFF2-40B4-BE49-F238E27FC236}">
-                    <a16:creationId xmlns:a16="http://schemas.microsoft.com/office/drawing/2014/main" xmlns="" id="{41E76A87-46B1-4A5D-B121-78029117A760}"/>
+                    <a16:creationId xmlns:a16="http://schemas.microsoft.com/office/drawing/2014/main" id="{41E76A87-46B1-4A5D-B121-78029117A760}"/>
                   </a:ext>
                 </a:extLst>
               </p14:cNvPr>
@@ -19427,7 +19427,7 @@
               <p14:cNvPr id="6" name="Ink 5">
                 <a:extLst>
                   <a:ext uri="{FF2B5EF4-FFF2-40B4-BE49-F238E27FC236}">
-                    <a16:creationId xmlns:a16="http://schemas.microsoft.com/office/drawing/2014/main" xmlns="" id="{BA3907D4-1EEB-4AED-8656-4D9F943EC49D}"/>
+                    <a16:creationId xmlns:a16="http://schemas.microsoft.com/office/drawing/2014/main" id="{BA3907D4-1EEB-4AED-8656-4D9F943EC49D}"/>
                   </a:ext>
                 </a:extLst>
               </p14:cNvPr>
@@ -19478,7 +19478,7 @@
               <p14:cNvPr id="7" name="Ink 6">
                 <a:extLst>
                   <a:ext uri="{FF2B5EF4-FFF2-40B4-BE49-F238E27FC236}">
-                    <a16:creationId xmlns:a16="http://schemas.microsoft.com/office/drawing/2014/main" xmlns="" id="{1A29A5F0-254F-40FA-B892-DB0F6B851250}"/>
+                    <a16:creationId xmlns:a16="http://schemas.microsoft.com/office/drawing/2014/main" id="{1A29A5F0-254F-40FA-B892-DB0F6B851250}"/>
                   </a:ext>
                 </a:extLst>
               </p14:cNvPr>
@@ -19529,7 +19529,7 @@
               <p14:cNvPr id="8" name="Ink 7">
                 <a:extLst>
                   <a:ext uri="{FF2B5EF4-FFF2-40B4-BE49-F238E27FC236}">
-                    <a16:creationId xmlns:a16="http://schemas.microsoft.com/office/drawing/2014/main" xmlns="" id="{7F10E9C9-F1CA-4D1B-A9BE-DEBFAF0F7465}"/>
+                    <a16:creationId xmlns:a16="http://schemas.microsoft.com/office/drawing/2014/main" id="{7F10E9C9-F1CA-4D1B-A9BE-DEBFAF0F7465}"/>
                   </a:ext>
                 </a:extLst>
               </p14:cNvPr>
@@ -19580,7 +19580,7 @@
               <p14:cNvPr id="9" name="Ink 8">
                 <a:extLst>
                   <a:ext uri="{FF2B5EF4-FFF2-40B4-BE49-F238E27FC236}">
-                    <a16:creationId xmlns:a16="http://schemas.microsoft.com/office/drawing/2014/main" xmlns="" id="{E46DA7DB-D908-4E41-ABBB-E80B5E6E7F2D}"/>
+                    <a16:creationId xmlns:a16="http://schemas.microsoft.com/office/drawing/2014/main" id="{E46DA7DB-D908-4E41-ABBB-E80B5E6E7F2D}"/>
                   </a:ext>
                 </a:extLst>
               </p14:cNvPr>
@@ -19631,7 +19631,7 @@
               <p14:cNvPr id="10" name="Ink 9">
                 <a:extLst>
                   <a:ext uri="{FF2B5EF4-FFF2-40B4-BE49-F238E27FC236}">
-                    <a16:creationId xmlns:a16="http://schemas.microsoft.com/office/drawing/2014/main" xmlns="" id="{9D401180-E23A-4DAE-AB20-9E7543CBD23B}"/>
+                    <a16:creationId xmlns:a16="http://schemas.microsoft.com/office/drawing/2014/main" id="{9D401180-E23A-4DAE-AB20-9E7543CBD23B}"/>
                   </a:ext>
                 </a:extLst>
               </p14:cNvPr>
@@ -19751,7 +19751,7 @@
           <p:cNvPr id="37" name="TextBox 36">
             <a:extLst>
               <a:ext uri="{FF2B5EF4-FFF2-40B4-BE49-F238E27FC236}">
-                <a16:creationId xmlns:a16="http://schemas.microsoft.com/office/drawing/2014/main" xmlns="" id="{E8CAC22F-1542-4031-BC6C-A16989886504}"/>
+                <a16:creationId xmlns:a16="http://schemas.microsoft.com/office/drawing/2014/main" id="{E8CAC22F-1542-4031-BC6C-A16989886504}"/>
               </a:ext>
             </a:extLst>
           </p:cNvPr>
@@ -19804,7 +19804,7 @@
           <p:cNvPr id="40" name="Picture 39">
             <a:extLst>
               <a:ext uri="{FF2B5EF4-FFF2-40B4-BE49-F238E27FC236}">
-                <a16:creationId xmlns:a16="http://schemas.microsoft.com/office/drawing/2014/main" xmlns="" id="{DA60E6FB-8C44-4FEB-B6E9-83DA908565CD}"/>
+                <a16:creationId xmlns:a16="http://schemas.microsoft.com/office/drawing/2014/main" id="{DA60E6FB-8C44-4FEB-B6E9-83DA908565CD}"/>
               </a:ext>
             </a:extLst>
           </p:cNvPr>
@@ -19840,7 +19840,7 @@
           <p:cNvPr id="41" name="Straight Connector 40">
             <a:extLst>
               <a:ext uri="{FF2B5EF4-FFF2-40B4-BE49-F238E27FC236}">
-                <a16:creationId xmlns:a16="http://schemas.microsoft.com/office/drawing/2014/main" xmlns="" id="{3B3B7D73-CAE9-45AC-ACCE-FAEF4E505C7A}"/>
+                <a16:creationId xmlns:a16="http://schemas.microsoft.com/office/drawing/2014/main" id="{3B3B7D73-CAE9-45AC-ACCE-FAEF4E505C7A}"/>
               </a:ext>
             </a:extLst>
           </p:cNvPr>
@@ -19876,7 +19876,7 @@
           <p:cNvPr id="7" name="TextBox 6">
             <a:extLst>
               <a:ext uri="{FF2B5EF4-FFF2-40B4-BE49-F238E27FC236}">
-                <a16:creationId xmlns:a16="http://schemas.microsoft.com/office/drawing/2014/main" xmlns="" id="{EBC9EAA6-7E53-459A-8E4A-B343091BB47D}"/>
+                <a16:creationId xmlns:a16="http://schemas.microsoft.com/office/drawing/2014/main" id="{EBC9EAA6-7E53-459A-8E4A-B343091BB47D}"/>
               </a:ext>
             </a:extLst>
           </p:cNvPr>
@@ -20107,7 +20107,7 @@
           <p:cNvPr id="3" name="Picture 2">
             <a:extLst>
               <a:ext uri="{FF2B5EF4-FFF2-40B4-BE49-F238E27FC236}">
-                <a16:creationId xmlns:a16="http://schemas.microsoft.com/office/drawing/2014/main" xmlns="" id="{8DA16462-4B75-4B35-B411-FBFFDFCF75F1}"/>
+                <a16:creationId xmlns:a16="http://schemas.microsoft.com/office/drawing/2014/main" id="{8DA16462-4B75-4B35-B411-FBFFDFCF75F1}"/>
               </a:ext>
             </a:extLst>
           </p:cNvPr>
@@ -20137,7 +20137,7 @@
           <p:cNvPr id="6" name="Table 5">
             <a:extLst>
               <a:ext uri="{FF2B5EF4-FFF2-40B4-BE49-F238E27FC236}">
-                <a16:creationId xmlns:a16="http://schemas.microsoft.com/office/drawing/2014/main" xmlns="" id="{9B5001E8-0500-49F3-81B8-85B9EF9129EF}"/>
+                <a16:creationId xmlns:a16="http://schemas.microsoft.com/office/drawing/2014/main" id="{9B5001E8-0500-49F3-81B8-85B9EF9129EF}"/>
               </a:ext>
             </a:extLst>
           </p:cNvPr>
@@ -20160,14 +20160,14 @@
                 <a:gridCol w="1406585">
                   <a:extLst>
                     <a:ext uri="{9D8B030D-6E8A-4147-A177-3AD203B41FA5}">
-                      <a16:colId xmlns:a16="http://schemas.microsoft.com/office/drawing/2014/main" xmlns="" val="638649834"/>
+                      <a16:colId xmlns:a16="http://schemas.microsoft.com/office/drawing/2014/main" val="638649834"/>
                     </a:ext>
                   </a:extLst>
                 </a:gridCol>
                 <a:gridCol w="5222815">
                   <a:extLst>
                     <a:ext uri="{9D8B030D-6E8A-4147-A177-3AD203B41FA5}">
-                      <a16:colId xmlns:a16="http://schemas.microsoft.com/office/drawing/2014/main" xmlns="" val="1673970776"/>
+                      <a16:colId xmlns:a16="http://schemas.microsoft.com/office/drawing/2014/main" val="1673970776"/>
                     </a:ext>
                   </a:extLst>
                 </a:gridCol>
@@ -20235,7 +20235,7 @@
                 </a:tc>
                 <a:extLst>
                   <a:ext uri="{0D108BD9-81ED-4DB2-BD59-A6C34878D82A}">
-                    <a16:rowId xmlns:a16="http://schemas.microsoft.com/office/drawing/2014/main" xmlns="" val="696909808"/>
+                    <a16:rowId xmlns:a16="http://schemas.microsoft.com/office/drawing/2014/main" val="696909808"/>
                   </a:ext>
                 </a:extLst>
               </a:tr>
@@ -20288,7 +20288,7 @@
                 </a:tc>
                 <a:extLst>
                   <a:ext uri="{0D108BD9-81ED-4DB2-BD59-A6C34878D82A}">
-                    <a16:rowId xmlns:a16="http://schemas.microsoft.com/office/drawing/2014/main" xmlns="" val="2507528534"/>
+                    <a16:rowId xmlns:a16="http://schemas.microsoft.com/office/drawing/2014/main" val="2507528534"/>
                   </a:ext>
                 </a:extLst>
               </a:tr>
@@ -20341,7 +20341,7 @@
                 </a:tc>
                 <a:extLst>
                   <a:ext uri="{0D108BD9-81ED-4DB2-BD59-A6C34878D82A}">
-                    <a16:rowId xmlns:a16="http://schemas.microsoft.com/office/drawing/2014/main" xmlns="" val="1827169515"/>
+                    <a16:rowId xmlns:a16="http://schemas.microsoft.com/office/drawing/2014/main" val="1827169515"/>
                   </a:ext>
                 </a:extLst>
               </a:tr>
@@ -20400,7 +20400,7 @@
                 </a:tc>
                 <a:extLst>
                   <a:ext uri="{0D108BD9-81ED-4DB2-BD59-A6C34878D82A}">
-                    <a16:rowId xmlns:a16="http://schemas.microsoft.com/office/drawing/2014/main" xmlns="" val="813864819"/>
+                    <a16:rowId xmlns:a16="http://schemas.microsoft.com/office/drawing/2014/main" val="813864819"/>
                   </a:ext>
                 </a:extLst>
               </a:tr>
@@ -20459,7 +20459,7 @@
                 </a:tc>
                 <a:extLst>
                   <a:ext uri="{0D108BD9-81ED-4DB2-BD59-A6C34878D82A}">
-                    <a16:rowId xmlns:a16="http://schemas.microsoft.com/office/drawing/2014/main" xmlns="" val="1135056758"/>
+                    <a16:rowId xmlns:a16="http://schemas.microsoft.com/office/drawing/2014/main" val="1135056758"/>
                   </a:ext>
                 </a:extLst>
               </a:tr>
@@ -20518,7 +20518,7 @@
                 </a:tc>
                 <a:extLst>
                   <a:ext uri="{0D108BD9-81ED-4DB2-BD59-A6C34878D82A}">
-                    <a16:rowId xmlns:a16="http://schemas.microsoft.com/office/drawing/2014/main" xmlns="" val="1536725876"/>
+                    <a16:rowId xmlns:a16="http://schemas.microsoft.com/office/drawing/2014/main" val="1536725876"/>
                   </a:ext>
                 </a:extLst>
               </a:tr>
@@ -20533,7 +20533,7 @@
               <p14:cNvPr id="2" name="Ink 1">
                 <a:extLst>
                   <a:ext uri="{FF2B5EF4-FFF2-40B4-BE49-F238E27FC236}">
-                    <a16:creationId xmlns:a16="http://schemas.microsoft.com/office/drawing/2014/main" xmlns="" id="{EF8BEEDD-F353-4338-929F-50588A6CE66E}"/>
+                    <a16:creationId xmlns:a16="http://schemas.microsoft.com/office/drawing/2014/main" id="{EF8BEEDD-F353-4338-929F-50588A6CE66E}"/>
                   </a:ext>
                 </a:extLst>
               </p14:cNvPr>
@@ -20615,7 +20615,7 @@
           <p:cNvPr id="2" name="Title 1">
             <a:extLst>
               <a:ext uri="{FF2B5EF4-FFF2-40B4-BE49-F238E27FC236}">
-                <a16:creationId xmlns:a16="http://schemas.microsoft.com/office/drawing/2014/main" xmlns="" id="{008DCE6C-AEFB-4AD6-9DFC-94F53FFB493B}"/>
+                <a16:creationId xmlns:a16="http://schemas.microsoft.com/office/drawing/2014/main" id="{008DCE6C-AEFB-4AD6-9DFC-94F53FFB493B}"/>
               </a:ext>
             </a:extLst>
           </p:cNvPr>
@@ -20648,7 +20648,7 @@
           <p:cNvPr id="3" name="Content Placeholder 2">
             <a:extLst>
               <a:ext uri="{FF2B5EF4-FFF2-40B4-BE49-F238E27FC236}">
-                <a16:creationId xmlns:a16="http://schemas.microsoft.com/office/drawing/2014/main" xmlns="" id="{7C159253-4E6E-4795-BEAB-DE1DA868368F}"/>
+                <a16:creationId xmlns:a16="http://schemas.microsoft.com/office/drawing/2014/main" id="{7C159253-4E6E-4795-BEAB-DE1DA868368F}"/>
               </a:ext>
             </a:extLst>
           </p:cNvPr>
